--- a/folien/Semester_03_Termin_08_Kapitel07.pptx
+++ b/folien/Semester_03_Termin_08_Kapitel07.pptx
@@ -197,6 +197,36 @@
       </a:defRPr>
     </a:lvl9pPr>
   </p:defaultTextStyle>
+  <p:extLst>
+    <p:ext uri="{EFAFB233-063F-42B5-8137-9DF3F51BA10A}">
+      <p15:sldGuideLst xmlns:p15="http://schemas.microsoft.com/office/powerpoint/2012/main">
+        <p15:guide id="1" orient="horz" pos="2160">
+          <p15:clr>
+            <a:srgbClr val="A4A3A4"/>
+          </p15:clr>
+        </p15:guide>
+        <p15:guide id="2" pos="2880">
+          <p15:clr>
+            <a:srgbClr val="A4A3A4"/>
+          </p15:clr>
+        </p15:guide>
+      </p15:sldGuideLst>
+    </p:ext>
+    <p:ext uri="{2D200454-40CA-4A62-9FC3-DE9A4176ACB9}">
+      <p15:notesGuideLst xmlns:p15="http://schemas.microsoft.com/office/powerpoint/2012/main">
+        <p15:guide id="1" orient="horz" pos="2880">
+          <p15:clr>
+            <a:srgbClr val="A4A3A4"/>
+          </p15:clr>
+        </p15:guide>
+        <p15:guide id="2" pos="2160">
+          <p15:clr>
+            <a:srgbClr val="A4A3A4"/>
+          </p15:clr>
+        </p15:guide>
+      </p15:notesGuideLst>
+    </p:ext>
+  </p:extLst>
 </p:presentation>
 </file>
 
@@ -229,7 +259,7 @@
         <p:nvSpPr>
           <p:cNvPr id="2049" name="Rectangle 1"/>
           <p:cNvSpPr>
-            <a:spLocks noGrp="1" noChangeArrowheads="1"/>
+            <a:spLocks noGrp="1" noRot="1" noChangeAspect="1" noChangeArrowheads="1"/>
           </p:cNvSpPr>
           <p:nvPr>
             <p:ph type="sldImg"/>
@@ -527,6 +557,11 @@
         </p:txBody>
       </p:sp>
     </p:spTree>
+    <p:extLst>
+      <p:ext uri="{BB962C8B-B14F-4D97-AF65-F5344CB8AC3E}">
+        <p14:creationId xmlns:p14="http://schemas.microsoft.com/office/powerpoint/2010/main" val="3956423233"/>
+      </p:ext>
+    </p:extLst>
   </p:cSld>
   <p:clrMap bg1="lt1" tx1="dk1" bg2="lt2" tx2="dk2" accent1="accent1" accent2="accent2" accent3="accent3" accent4="accent4" accent5="accent5" accent6="accent6" hlink="hlink" folHlink="folHlink"/>
   <p:notesStyle>
@@ -734,7 +769,7 @@
         <p:nvSpPr>
           <p:cNvPr id="24577" name="Rectangle 1"/>
           <p:cNvSpPr txBox="1">
-            <a:spLocks noChangeArrowheads="1"/>
+            <a:spLocks noGrp="1" noRot="1" noChangeAspect="1" noChangeArrowheads="1"/>
           </p:cNvSpPr>
           <p:nvPr>
             <p:ph type="sldImg"/>
@@ -765,7 +800,7 @@
         <p:nvSpPr>
           <p:cNvPr id="24578" name="Rectangle 2"/>
           <p:cNvSpPr txBox="1">
-            <a:spLocks noChangeArrowheads="1"/>
+            <a:spLocks noGrp="1" noChangeArrowheads="1"/>
           </p:cNvSpPr>
           <p:nvPr>
             <p:ph type="body" idx="1"/>
@@ -795,6 +830,11 @@
         </p:txBody>
       </p:sp>
     </p:spTree>
+    <p:extLst>
+      <p:ext uri="{BB962C8B-B14F-4D97-AF65-F5344CB8AC3E}">
+        <p14:creationId xmlns:p14="http://schemas.microsoft.com/office/powerpoint/2010/main" val="83950296"/>
+      </p:ext>
+    </p:extLst>
   </p:cSld>
   <p:clrMapOvr>
     <a:masterClrMapping/>
@@ -857,7 +897,7 @@
         <p:nvSpPr>
           <p:cNvPr id="33793" name="Rectangle 1"/>
           <p:cNvSpPr txBox="1">
-            <a:spLocks noChangeArrowheads="1"/>
+            <a:spLocks noGrp="1" noRot="1" noChangeAspect="1" noChangeArrowheads="1"/>
           </p:cNvSpPr>
           <p:nvPr>
             <p:ph type="sldImg"/>
@@ -888,7 +928,7 @@
         <p:nvSpPr>
           <p:cNvPr id="33794" name="Rectangle 2"/>
           <p:cNvSpPr txBox="1">
-            <a:spLocks noChangeArrowheads="1"/>
+            <a:spLocks noGrp="1" noChangeArrowheads="1"/>
           </p:cNvSpPr>
           <p:nvPr>
             <p:ph type="body" idx="1"/>
@@ -918,6 +958,11 @@
         </p:txBody>
       </p:sp>
     </p:spTree>
+    <p:extLst>
+      <p:ext uri="{BB962C8B-B14F-4D97-AF65-F5344CB8AC3E}">
+        <p14:creationId xmlns:p14="http://schemas.microsoft.com/office/powerpoint/2010/main" val="1078201570"/>
+      </p:ext>
+    </p:extLst>
   </p:cSld>
   <p:clrMapOvr>
     <a:masterClrMapping/>
@@ -980,7 +1025,7 @@
         <p:nvSpPr>
           <p:cNvPr id="34817" name="Rectangle 1"/>
           <p:cNvSpPr txBox="1">
-            <a:spLocks noChangeArrowheads="1"/>
+            <a:spLocks noGrp="1" noRot="1" noChangeAspect="1" noChangeArrowheads="1"/>
           </p:cNvSpPr>
           <p:nvPr>
             <p:ph type="sldImg"/>
@@ -1011,7 +1056,7 @@
         <p:nvSpPr>
           <p:cNvPr id="34818" name="Rectangle 2"/>
           <p:cNvSpPr txBox="1">
-            <a:spLocks noChangeArrowheads="1"/>
+            <a:spLocks noGrp="1" noChangeArrowheads="1"/>
           </p:cNvSpPr>
           <p:nvPr>
             <p:ph type="body" idx="1"/>
@@ -1041,6 +1086,11 @@
         </p:txBody>
       </p:sp>
     </p:spTree>
+    <p:extLst>
+      <p:ext uri="{BB962C8B-B14F-4D97-AF65-F5344CB8AC3E}">
+        <p14:creationId xmlns:p14="http://schemas.microsoft.com/office/powerpoint/2010/main" val="2049681570"/>
+      </p:ext>
+    </p:extLst>
   </p:cSld>
   <p:clrMapOvr>
     <a:masterClrMapping/>
@@ -1103,7 +1153,7 @@
         <p:nvSpPr>
           <p:cNvPr id="35841" name="Rectangle 1"/>
           <p:cNvSpPr txBox="1">
-            <a:spLocks noChangeArrowheads="1"/>
+            <a:spLocks noGrp="1" noRot="1" noChangeAspect="1" noChangeArrowheads="1"/>
           </p:cNvSpPr>
           <p:nvPr>
             <p:ph type="sldImg"/>
@@ -1134,7 +1184,7 @@
         <p:nvSpPr>
           <p:cNvPr id="35842" name="Rectangle 2"/>
           <p:cNvSpPr txBox="1">
-            <a:spLocks noChangeArrowheads="1"/>
+            <a:spLocks noGrp="1" noChangeArrowheads="1"/>
           </p:cNvSpPr>
           <p:nvPr>
             <p:ph type="body" idx="1"/>
@@ -1164,6 +1214,11 @@
         </p:txBody>
       </p:sp>
     </p:spTree>
+    <p:extLst>
+      <p:ext uri="{BB962C8B-B14F-4D97-AF65-F5344CB8AC3E}">
+        <p14:creationId xmlns:p14="http://schemas.microsoft.com/office/powerpoint/2010/main" val="2516283845"/>
+      </p:ext>
+    </p:extLst>
   </p:cSld>
   <p:clrMapOvr>
     <a:masterClrMapping/>
@@ -1226,7 +1281,7 @@
         <p:nvSpPr>
           <p:cNvPr id="36865" name="Rectangle 1"/>
           <p:cNvSpPr txBox="1">
-            <a:spLocks noChangeArrowheads="1"/>
+            <a:spLocks noGrp="1" noRot="1" noChangeAspect="1" noChangeArrowheads="1"/>
           </p:cNvSpPr>
           <p:nvPr>
             <p:ph type="sldImg"/>
@@ -1257,7 +1312,7 @@
         <p:nvSpPr>
           <p:cNvPr id="36866" name="Rectangle 2"/>
           <p:cNvSpPr txBox="1">
-            <a:spLocks noChangeArrowheads="1"/>
+            <a:spLocks noGrp="1" noChangeArrowheads="1"/>
           </p:cNvSpPr>
           <p:nvPr>
             <p:ph type="body" idx="1"/>
@@ -1287,6 +1342,11 @@
         </p:txBody>
       </p:sp>
     </p:spTree>
+    <p:extLst>
+      <p:ext uri="{BB962C8B-B14F-4D97-AF65-F5344CB8AC3E}">
+        <p14:creationId xmlns:p14="http://schemas.microsoft.com/office/powerpoint/2010/main" val="114306066"/>
+      </p:ext>
+    </p:extLst>
   </p:cSld>
   <p:clrMapOvr>
     <a:masterClrMapping/>
@@ -1349,7 +1409,7 @@
         <p:nvSpPr>
           <p:cNvPr id="37889" name="Rectangle 1"/>
           <p:cNvSpPr txBox="1">
-            <a:spLocks noChangeArrowheads="1"/>
+            <a:spLocks noGrp="1" noRot="1" noChangeAspect="1" noChangeArrowheads="1"/>
           </p:cNvSpPr>
           <p:nvPr>
             <p:ph type="sldImg"/>
@@ -1380,7 +1440,7 @@
         <p:nvSpPr>
           <p:cNvPr id="37890" name="Rectangle 2"/>
           <p:cNvSpPr txBox="1">
-            <a:spLocks noChangeArrowheads="1"/>
+            <a:spLocks noGrp="1" noChangeArrowheads="1"/>
           </p:cNvSpPr>
           <p:nvPr>
             <p:ph type="body" idx="1"/>
@@ -1410,6 +1470,11 @@
         </p:txBody>
       </p:sp>
     </p:spTree>
+    <p:extLst>
+      <p:ext uri="{BB962C8B-B14F-4D97-AF65-F5344CB8AC3E}">
+        <p14:creationId xmlns:p14="http://schemas.microsoft.com/office/powerpoint/2010/main" val="1775329201"/>
+      </p:ext>
+    </p:extLst>
   </p:cSld>
   <p:clrMapOvr>
     <a:masterClrMapping/>
@@ -1472,7 +1537,7 @@
         <p:nvSpPr>
           <p:cNvPr id="38913" name="Rectangle 1"/>
           <p:cNvSpPr txBox="1">
-            <a:spLocks noChangeArrowheads="1"/>
+            <a:spLocks noGrp="1" noRot="1" noChangeAspect="1" noChangeArrowheads="1"/>
           </p:cNvSpPr>
           <p:nvPr>
             <p:ph type="sldImg"/>
@@ -1503,7 +1568,7 @@
         <p:nvSpPr>
           <p:cNvPr id="38914" name="Rectangle 2"/>
           <p:cNvSpPr txBox="1">
-            <a:spLocks noChangeArrowheads="1"/>
+            <a:spLocks noGrp="1" noChangeArrowheads="1"/>
           </p:cNvSpPr>
           <p:nvPr>
             <p:ph type="body" idx="1"/>
@@ -1533,6 +1598,11 @@
         </p:txBody>
       </p:sp>
     </p:spTree>
+    <p:extLst>
+      <p:ext uri="{BB962C8B-B14F-4D97-AF65-F5344CB8AC3E}">
+        <p14:creationId xmlns:p14="http://schemas.microsoft.com/office/powerpoint/2010/main" val="4139145192"/>
+      </p:ext>
+    </p:extLst>
   </p:cSld>
   <p:clrMapOvr>
     <a:masterClrMapping/>
@@ -1595,7 +1665,7 @@
         <p:nvSpPr>
           <p:cNvPr id="39937" name="Rectangle 1"/>
           <p:cNvSpPr txBox="1">
-            <a:spLocks noChangeArrowheads="1"/>
+            <a:spLocks noGrp="1" noRot="1" noChangeAspect="1" noChangeArrowheads="1"/>
           </p:cNvSpPr>
           <p:nvPr>
             <p:ph type="sldImg"/>
@@ -1626,7 +1696,7 @@
         <p:nvSpPr>
           <p:cNvPr id="39938" name="Rectangle 2"/>
           <p:cNvSpPr txBox="1">
-            <a:spLocks noChangeArrowheads="1"/>
+            <a:spLocks noGrp="1" noChangeArrowheads="1"/>
           </p:cNvSpPr>
           <p:nvPr>
             <p:ph type="body" idx="1"/>
@@ -1656,6 +1726,11 @@
         </p:txBody>
       </p:sp>
     </p:spTree>
+    <p:extLst>
+      <p:ext uri="{BB962C8B-B14F-4D97-AF65-F5344CB8AC3E}">
+        <p14:creationId xmlns:p14="http://schemas.microsoft.com/office/powerpoint/2010/main" val="2586731713"/>
+      </p:ext>
+    </p:extLst>
   </p:cSld>
   <p:clrMapOvr>
     <a:masterClrMapping/>
@@ -1718,7 +1793,7 @@
         <p:nvSpPr>
           <p:cNvPr id="40961" name="Rectangle 1"/>
           <p:cNvSpPr txBox="1">
-            <a:spLocks noChangeArrowheads="1"/>
+            <a:spLocks noGrp="1" noRot="1" noChangeAspect="1" noChangeArrowheads="1"/>
           </p:cNvSpPr>
           <p:nvPr>
             <p:ph type="sldImg"/>
@@ -1749,7 +1824,7 @@
         <p:nvSpPr>
           <p:cNvPr id="40962" name="Rectangle 2"/>
           <p:cNvSpPr txBox="1">
-            <a:spLocks noChangeArrowheads="1"/>
+            <a:spLocks noGrp="1" noChangeArrowheads="1"/>
           </p:cNvSpPr>
           <p:nvPr>
             <p:ph type="body" idx="1"/>
@@ -1779,6 +1854,11 @@
         </p:txBody>
       </p:sp>
     </p:spTree>
+    <p:extLst>
+      <p:ext uri="{BB962C8B-B14F-4D97-AF65-F5344CB8AC3E}">
+        <p14:creationId xmlns:p14="http://schemas.microsoft.com/office/powerpoint/2010/main" val="4283364915"/>
+      </p:ext>
+    </p:extLst>
   </p:cSld>
   <p:clrMapOvr>
     <a:masterClrMapping/>
@@ -1841,7 +1921,7 @@
         <p:nvSpPr>
           <p:cNvPr id="41985" name="Rectangle 1"/>
           <p:cNvSpPr txBox="1">
-            <a:spLocks noChangeArrowheads="1"/>
+            <a:spLocks noGrp="1" noRot="1" noChangeAspect="1" noChangeArrowheads="1"/>
           </p:cNvSpPr>
           <p:nvPr>
             <p:ph type="sldImg"/>
@@ -1872,7 +1952,7 @@
         <p:nvSpPr>
           <p:cNvPr id="41986" name="Rectangle 2"/>
           <p:cNvSpPr txBox="1">
-            <a:spLocks noChangeArrowheads="1"/>
+            <a:spLocks noGrp="1" noChangeArrowheads="1"/>
           </p:cNvSpPr>
           <p:nvPr>
             <p:ph type="body" idx="1"/>
@@ -1902,6 +1982,11 @@
         </p:txBody>
       </p:sp>
     </p:spTree>
+    <p:extLst>
+      <p:ext uri="{BB962C8B-B14F-4D97-AF65-F5344CB8AC3E}">
+        <p14:creationId xmlns:p14="http://schemas.microsoft.com/office/powerpoint/2010/main" val="3430749667"/>
+      </p:ext>
+    </p:extLst>
   </p:cSld>
   <p:clrMapOvr>
     <a:masterClrMapping/>
@@ -1964,7 +2049,7 @@
         <p:nvSpPr>
           <p:cNvPr id="43009" name="Rectangle 1"/>
           <p:cNvSpPr txBox="1">
-            <a:spLocks noChangeArrowheads="1"/>
+            <a:spLocks noGrp="1" noRot="1" noChangeAspect="1" noChangeArrowheads="1"/>
           </p:cNvSpPr>
           <p:nvPr>
             <p:ph type="sldImg"/>
@@ -1995,7 +2080,7 @@
         <p:nvSpPr>
           <p:cNvPr id="43010" name="Rectangle 2"/>
           <p:cNvSpPr txBox="1">
-            <a:spLocks noChangeArrowheads="1"/>
+            <a:spLocks noGrp="1" noChangeArrowheads="1"/>
           </p:cNvSpPr>
           <p:nvPr>
             <p:ph type="body" idx="1"/>
@@ -2025,6 +2110,11 @@
         </p:txBody>
       </p:sp>
     </p:spTree>
+    <p:extLst>
+      <p:ext uri="{BB962C8B-B14F-4D97-AF65-F5344CB8AC3E}">
+        <p14:creationId xmlns:p14="http://schemas.microsoft.com/office/powerpoint/2010/main" val="2196215510"/>
+      </p:ext>
+    </p:extLst>
   </p:cSld>
   <p:clrMapOvr>
     <a:masterClrMapping/>
@@ -2087,7 +2177,7 @@
         <p:nvSpPr>
           <p:cNvPr id="25601" name="Rectangle 1"/>
           <p:cNvSpPr txBox="1">
-            <a:spLocks noChangeArrowheads="1"/>
+            <a:spLocks noGrp="1" noRot="1" noChangeAspect="1" noChangeArrowheads="1"/>
           </p:cNvSpPr>
           <p:nvPr>
             <p:ph type="sldImg"/>
@@ -2118,7 +2208,7 @@
         <p:nvSpPr>
           <p:cNvPr id="25602" name="Rectangle 2"/>
           <p:cNvSpPr txBox="1">
-            <a:spLocks noChangeArrowheads="1"/>
+            <a:spLocks noGrp="1" noChangeArrowheads="1"/>
           </p:cNvSpPr>
           <p:nvPr>
             <p:ph type="body" idx="1"/>
@@ -2148,6 +2238,11 @@
         </p:txBody>
       </p:sp>
     </p:spTree>
+    <p:extLst>
+      <p:ext uri="{BB962C8B-B14F-4D97-AF65-F5344CB8AC3E}">
+        <p14:creationId xmlns:p14="http://schemas.microsoft.com/office/powerpoint/2010/main" val="2868886234"/>
+      </p:ext>
+    </p:extLst>
   </p:cSld>
   <p:clrMapOvr>
     <a:masterClrMapping/>
@@ -2210,7 +2305,7 @@
         <p:nvSpPr>
           <p:cNvPr id="44033" name="Rectangle 1"/>
           <p:cNvSpPr txBox="1">
-            <a:spLocks noChangeArrowheads="1"/>
+            <a:spLocks noGrp="1" noRot="1" noChangeAspect="1" noChangeArrowheads="1"/>
           </p:cNvSpPr>
           <p:nvPr>
             <p:ph type="sldImg"/>
@@ -2241,7 +2336,7 @@
         <p:nvSpPr>
           <p:cNvPr id="44034" name="Rectangle 2"/>
           <p:cNvSpPr txBox="1">
-            <a:spLocks noChangeArrowheads="1"/>
+            <a:spLocks noGrp="1" noChangeArrowheads="1"/>
           </p:cNvSpPr>
           <p:nvPr>
             <p:ph type="body" idx="1"/>
@@ -2271,6 +2366,11 @@
         </p:txBody>
       </p:sp>
     </p:spTree>
+    <p:extLst>
+      <p:ext uri="{BB962C8B-B14F-4D97-AF65-F5344CB8AC3E}">
+        <p14:creationId xmlns:p14="http://schemas.microsoft.com/office/powerpoint/2010/main" val="94074"/>
+      </p:ext>
+    </p:extLst>
   </p:cSld>
   <p:clrMapOvr>
     <a:masterClrMapping/>
@@ -2333,7 +2433,7 @@
         <p:nvSpPr>
           <p:cNvPr id="45057" name="Rectangle 1"/>
           <p:cNvSpPr txBox="1">
-            <a:spLocks noChangeArrowheads="1"/>
+            <a:spLocks noGrp="1" noRot="1" noChangeAspect="1" noChangeArrowheads="1"/>
           </p:cNvSpPr>
           <p:nvPr>
             <p:ph type="sldImg"/>
@@ -2364,7 +2464,7 @@
         <p:nvSpPr>
           <p:cNvPr id="45058" name="Rectangle 2"/>
           <p:cNvSpPr txBox="1">
-            <a:spLocks noChangeArrowheads="1"/>
+            <a:spLocks noGrp="1" noChangeArrowheads="1"/>
           </p:cNvSpPr>
           <p:nvPr>
             <p:ph type="body" idx="1"/>
@@ -2394,6 +2494,11 @@
         </p:txBody>
       </p:sp>
     </p:spTree>
+    <p:extLst>
+      <p:ext uri="{BB962C8B-B14F-4D97-AF65-F5344CB8AC3E}">
+        <p14:creationId xmlns:p14="http://schemas.microsoft.com/office/powerpoint/2010/main" val="2035099145"/>
+      </p:ext>
+    </p:extLst>
   </p:cSld>
   <p:clrMapOvr>
     <a:masterClrMapping/>
@@ -2456,7 +2561,7 @@
         <p:nvSpPr>
           <p:cNvPr id="26625" name="Rectangle 1"/>
           <p:cNvSpPr txBox="1">
-            <a:spLocks noChangeArrowheads="1"/>
+            <a:spLocks noGrp="1" noRot="1" noChangeAspect="1" noChangeArrowheads="1"/>
           </p:cNvSpPr>
           <p:nvPr>
             <p:ph type="sldImg"/>
@@ -2487,7 +2592,7 @@
         <p:nvSpPr>
           <p:cNvPr id="26626" name="Rectangle 2"/>
           <p:cNvSpPr txBox="1">
-            <a:spLocks noChangeArrowheads="1"/>
+            <a:spLocks noGrp="1" noChangeArrowheads="1"/>
           </p:cNvSpPr>
           <p:nvPr>
             <p:ph type="body" idx="1"/>
@@ -2517,6 +2622,11 @@
         </p:txBody>
       </p:sp>
     </p:spTree>
+    <p:extLst>
+      <p:ext uri="{BB962C8B-B14F-4D97-AF65-F5344CB8AC3E}">
+        <p14:creationId xmlns:p14="http://schemas.microsoft.com/office/powerpoint/2010/main" val="3149046120"/>
+      </p:ext>
+    </p:extLst>
   </p:cSld>
   <p:clrMapOvr>
     <a:masterClrMapping/>
@@ -2579,7 +2689,7 @@
         <p:nvSpPr>
           <p:cNvPr id="27649" name="Rectangle 1"/>
           <p:cNvSpPr txBox="1">
-            <a:spLocks noChangeArrowheads="1"/>
+            <a:spLocks noGrp="1" noRot="1" noChangeAspect="1" noChangeArrowheads="1"/>
           </p:cNvSpPr>
           <p:nvPr>
             <p:ph type="sldImg"/>
@@ -2610,7 +2720,7 @@
         <p:nvSpPr>
           <p:cNvPr id="27650" name="Rectangle 2"/>
           <p:cNvSpPr txBox="1">
-            <a:spLocks noChangeArrowheads="1"/>
+            <a:spLocks noGrp="1" noChangeArrowheads="1"/>
           </p:cNvSpPr>
           <p:nvPr>
             <p:ph type="body" idx="1"/>
@@ -2640,6 +2750,11 @@
         </p:txBody>
       </p:sp>
     </p:spTree>
+    <p:extLst>
+      <p:ext uri="{BB962C8B-B14F-4D97-AF65-F5344CB8AC3E}">
+        <p14:creationId xmlns:p14="http://schemas.microsoft.com/office/powerpoint/2010/main" val="2611445554"/>
+      </p:ext>
+    </p:extLst>
   </p:cSld>
   <p:clrMapOvr>
     <a:masterClrMapping/>
@@ -2702,7 +2817,7 @@
         <p:nvSpPr>
           <p:cNvPr id="28673" name="Rectangle 1"/>
           <p:cNvSpPr txBox="1">
-            <a:spLocks noChangeArrowheads="1"/>
+            <a:spLocks noGrp="1" noRot="1" noChangeAspect="1" noChangeArrowheads="1"/>
           </p:cNvSpPr>
           <p:nvPr>
             <p:ph type="sldImg"/>
@@ -2733,7 +2848,7 @@
         <p:nvSpPr>
           <p:cNvPr id="28674" name="Rectangle 2"/>
           <p:cNvSpPr txBox="1">
-            <a:spLocks noChangeArrowheads="1"/>
+            <a:spLocks noGrp="1" noChangeArrowheads="1"/>
           </p:cNvSpPr>
           <p:nvPr>
             <p:ph type="body" idx="1"/>
@@ -2763,6 +2878,11 @@
         </p:txBody>
       </p:sp>
     </p:spTree>
+    <p:extLst>
+      <p:ext uri="{BB962C8B-B14F-4D97-AF65-F5344CB8AC3E}">
+        <p14:creationId xmlns:p14="http://schemas.microsoft.com/office/powerpoint/2010/main" val="3395169254"/>
+      </p:ext>
+    </p:extLst>
   </p:cSld>
   <p:clrMapOvr>
     <a:masterClrMapping/>
@@ -2825,7 +2945,7 @@
         <p:nvSpPr>
           <p:cNvPr id="29697" name="Rectangle 1"/>
           <p:cNvSpPr txBox="1">
-            <a:spLocks noChangeArrowheads="1"/>
+            <a:spLocks noGrp="1" noRot="1" noChangeAspect="1" noChangeArrowheads="1"/>
           </p:cNvSpPr>
           <p:nvPr>
             <p:ph type="sldImg"/>
@@ -2856,7 +2976,7 @@
         <p:nvSpPr>
           <p:cNvPr id="29698" name="Rectangle 2"/>
           <p:cNvSpPr txBox="1">
-            <a:spLocks noChangeArrowheads="1"/>
+            <a:spLocks noGrp="1" noChangeArrowheads="1"/>
           </p:cNvSpPr>
           <p:nvPr>
             <p:ph type="body" idx="1"/>
@@ -2886,6 +3006,11 @@
         </p:txBody>
       </p:sp>
     </p:spTree>
+    <p:extLst>
+      <p:ext uri="{BB962C8B-B14F-4D97-AF65-F5344CB8AC3E}">
+        <p14:creationId xmlns:p14="http://schemas.microsoft.com/office/powerpoint/2010/main" val="2569597804"/>
+      </p:ext>
+    </p:extLst>
   </p:cSld>
   <p:clrMapOvr>
     <a:masterClrMapping/>
@@ -2948,7 +3073,7 @@
         <p:nvSpPr>
           <p:cNvPr id="30721" name="Rectangle 1"/>
           <p:cNvSpPr txBox="1">
-            <a:spLocks noChangeArrowheads="1"/>
+            <a:spLocks noGrp="1" noRot="1" noChangeAspect="1" noChangeArrowheads="1"/>
           </p:cNvSpPr>
           <p:nvPr>
             <p:ph type="sldImg"/>
@@ -2979,7 +3104,7 @@
         <p:nvSpPr>
           <p:cNvPr id="30722" name="Rectangle 2"/>
           <p:cNvSpPr txBox="1">
-            <a:spLocks noChangeArrowheads="1"/>
+            <a:spLocks noGrp="1" noChangeArrowheads="1"/>
           </p:cNvSpPr>
           <p:nvPr>
             <p:ph type="body" idx="1"/>
@@ -3009,6 +3134,11 @@
         </p:txBody>
       </p:sp>
     </p:spTree>
+    <p:extLst>
+      <p:ext uri="{BB962C8B-B14F-4D97-AF65-F5344CB8AC3E}">
+        <p14:creationId xmlns:p14="http://schemas.microsoft.com/office/powerpoint/2010/main" val="1119923877"/>
+      </p:ext>
+    </p:extLst>
   </p:cSld>
   <p:clrMapOvr>
     <a:masterClrMapping/>
@@ -3071,7 +3201,7 @@
         <p:nvSpPr>
           <p:cNvPr id="31745" name="Rectangle 1"/>
           <p:cNvSpPr txBox="1">
-            <a:spLocks noChangeArrowheads="1"/>
+            <a:spLocks noGrp="1" noRot="1" noChangeAspect="1" noChangeArrowheads="1"/>
           </p:cNvSpPr>
           <p:nvPr>
             <p:ph type="sldImg"/>
@@ -3102,7 +3232,7 @@
         <p:nvSpPr>
           <p:cNvPr id="31746" name="Rectangle 2"/>
           <p:cNvSpPr txBox="1">
-            <a:spLocks noChangeArrowheads="1"/>
+            <a:spLocks noGrp="1" noChangeArrowheads="1"/>
           </p:cNvSpPr>
           <p:nvPr>
             <p:ph type="body" idx="1"/>
@@ -3132,6 +3262,11 @@
         </p:txBody>
       </p:sp>
     </p:spTree>
+    <p:extLst>
+      <p:ext uri="{BB962C8B-B14F-4D97-AF65-F5344CB8AC3E}">
+        <p14:creationId xmlns:p14="http://schemas.microsoft.com/office/powerpoint/2010/main" val="3754258008"/>
+      </p:ext>
+    </p:extLst>
   </p:cSld>
   <p:clrMapOvr>
     <a:masterClrMapping/>
@@ -3194,7 +3329,7 @@
         <p:nvSpPr>
           <p:cNvPr id="32769" name="Rectangle 1"/>
           <p:cNvSpPr txBox="1">
-            <a:spLocks noChangeArrowheads="1"/>
+            <a:spLocks noGrp="1" noRot="1" noChangeAspect="1" noChangeArrowheads="1"/>
           </p:cNvSpPr>
           <p:nvPr>
             <p:ph type="sldImg"/>
@@ -3225,7 +3360,7 @@
         <p:nvSpPr>
           <p:cNvPr id="32770" name="Rectangle 2"/>
           <p:cNvSpPr txBox="1">
-            <a:spLocks noChangeArrowheads="1"/>
+            <a:spLocks noGrp="1" noChangeArrowheads="1"/>
           </p:cNvSpPr>
           <p:nvPr>
             <p:ph type="body" idx="1"/>
@@ -3255,6 +3390,11 @@
         </p:txBody>
       </p:sp>
     </p:spTree>
+    <p:extLst>
+      <p:ext uri="{BB962C8B-B14F-4D97-AF65-F5344CB8AC3E}">
+        <p14:creationId xmlns:p14="http://schemas.microsoft.com/office/powerpoint/2010/main" val="1320761474"/>
+      </p:ext>
+    </p:extLst>
   </p:cSld>
   <p:clrMapOvr>
     <a:masterClrMapping/>
@@ -6948,7 +7088,7 @@
   <p:timing>
     <p:tnLst>
       <p:par>
-        <p:cTn id="1" dur="indefinite" nodeType="tmRoot">
+        <p:cTn id="1" dur="indefinite" restart="never" nodeType="tmRoot">
           <p:childTnLst>
             <p:seq concurrent="1" nextAc="seek">
               <p:cTn id="2" dur="0" nodeType="mainSeq"/>
@@ -7439,7 +7579,7 @@
   <p:timing>
     <p:tnLst>
       <p:par>
-        <p:cTn id="1" dur="indefinite" nodeType="tmRoot">
+        <p:cTn id="1" dur="indefinite" restart="never" nodeType="tmRoot">
           <p:childTnLst>
             <p:seq concurrent="1" nextAc="seek">
               <p:cTn id="2" dur="0" nodeType="mainSeq"/>
@@ -7795,7 +7935,7 @@
   <p:timing>
     <p:tnLst>
       <p:par>
-        <p:cTn id="1" dur="indefinite" nodeType="tmRoot">
+        <p:cTn id="1" dur="indefinite" restart="never" nodeType="tmRoot">
           <p:childTnLst>
             <p:seq concurrent="1" nextAc="seek">
               <p:cTn id="2" dur="0" nodeType="mainSeq"/>
@@ -8042,7 +8182,7 @@
   <p:timing>
     <p:tnLst>
       <p:par>
-        <p:cTn id="1" dur="indefinite" nodeType="tmRoot">
+        <p:cTn id="1" dur="indefinite" restart="never" nodeType="tmRoot">
           <p:childTnLst>
             <p:seq concurrent="1" nextAc="seek">
               <p:cTn id="2" dur="0" nodeType="mainSeq"/>
@@ -8622,7 +8762,7 @@
   <p:timing>
     <p:tnLst>
       <p:par>
-        <p:cTn id="1" dur="indefinite" nodeType="tmRoot">
+        <p:cTn id="1" dur="indefinite" restart="never" nodeType="tmRoot">
           <p:childTnLst>
             <p:seq concurrent="1" nextAc="seek">
               <p:cTn id="2" dur="0" nodeType="mainSeq"/>
@@ -9182,7 +9322,7 @@
   <p:timing>
     <p:tnLst>
       <p:par>
-        <p:cTn id="1" dur="indefinite" nodeType="tmRoot">
+        <p:cTn id="1" dur="indefinite" restart="never" nodeType="tmRoot">
           <p:childTnLst>
             <p:seq concurrent="1" nextAc="seek">
               <p:cTn id="2" dur="0" nodeType="mainSeq"/>
@@ -9673,7 +9813,7 @@
   <p:timing>
     <p:tnLst>
       <p:par>
-        <p:cTn id="1" dur="indefinite" nodeType="tmRoot">
+        <p:cTn id="1" dur="indefinite" restart="never" nodeType="tmRoot">
           <p:childTnLst>
             <p:seq concurrent="1" nextAc="seek">
               <p:cTn id="2" dur="0" nodeType="mainSeq"/>
@@ -10213,7 +10353,7 @@
   <p:timing>
     <p:tnLst>
       <p:par>
-        <p:cTn id="1" dur="indefinite" nodeType="tmRoot">
+        <p:cTn id="1" dur="indefinite" restart="never" nodeType="tmRoot">
           <p:childTnLst>
             <p:seq concurrent="1" nextAc="seek">
               <p:cTn id="2" dur="0" nodeType="mainSeq"/>
@@ -10704,7 +10844,7 @@
   <p:timing>
     <p:tnLst>
       <p:par>
-        <p:cTn id="1" dur="indefinite" nodeType="tmRoot">
+        <p:cTn id="1" dur="indefinite" restart="never" nodeType="tmRoot">
           <p:childTnLst>
             <p:seq concurrent="1" nextAc="seek">
               <p:cTn id="2" dur="0" nodeType="mainSeq"/>
@@ -11106,7 +11246,7 @@
   <p:timing>
     <p:tnLst>
       <p:par>
-        <p:cTn id="1" dur="indefinite" nodeType="tmRoot">
+        <p:cTn id="1" dur="indefinite" restart="never" nodeType="tmRoot">
           <p:childTnLst>
             <p:seq concurrent="1" nextAc="seek">
               <p:cTn id="2" dur="0" nodeType="mainSeq"/>
@@ -11577,7 +11717,7 @@
   <p:timing>
     <p:tnLst>
       <p:par>
-        <p:cTn id="1" dur="indefinite" nodeType="tmRoot">
+        <p:cTn id="1" dur="indefinite" restart="never" nodeType="tmRoot">
           <p:childTnLst>
             <p:seq concurrent="1" nextAc="seek">
               <p:cTn id="2" dur="0" nodeType="mainSeq"/>
@@ -11930,7 +12070,7 @@
   <p:timing>
     <p:tnLst>
       <p:par>
-        <p:cTn id="1" dur="indefinite" nodeType="tmRoot">
+        <p:cTn id="1" dur="indefinite" restart="never" nodeType="tmRoot">
           <p:childTnLst>
             <p:seq concurrent="1" nextAc="seek">
               <p:cTn id="2" dur="0" nodeType="mainSeq"/>
@@ -12346,7 +12486,7 @@
   <p:timing>
     <p:tnLst>
       <p:par>
-        <p:cTn id="1" dur="indefinite" nodeType="tmRoot">
+        <p:cTn id="1" dur="indefinite" restart="never" nodeType="tmRoot">
           <p:childTnLst>
             <p:seq concurrent="1" nextAc="seek">
               <p:cTn id="2" dur="0" nodeType="mainSeq"/>
@@ -12687,7 +12827,7 @@
   <p:timing>
     <p:tnLst>
       <p:par>
-        <p:cTn id="1" dur="indefinite" nodeType="tmRoot">
+        <p:cTn id="1" dur="indefinite" restart="never" nodeType="tmRoot">
           <p:childTnLst>
             <p:seq concurrent="1" nextAc="seek">
               <p:cTn id="2" dur="0" nodeType="mainSeq"/>
@@ -13045,7 +13185,7 @@
   <p:timing>
     <p:tnLst>
       <p:par>
-        <p:cTn id="1" dur="indefinite" nodeType="tmRoot">
+        <p:cTn id="1" dur="indefinite" restart="never" nodeType="tmRoot">
           <p:childTnLst>
             <p:seq concurrent="1" nextAc="seek">
               <p:cTn id="2" dur="0" nodeType="mainSeq"/>
@@ -13791,7 +13931,7 @@
   <p:timing>
     <p:tnLst>
       <p:par>
-        <p:cTn id="1" dur="indefinite" nodeType="tmRoot">
+        <p:cTn id="1" dur="indefinite" restart="never" nodeType="tmRoot">
           <p:childTnLst>
             <p:seq concurrent="1" nextAc="seek">
               <p:cTn id="2" dur="0" nodeType="mainSeq"/>
@@ -14165,7 +14305,7 @@
   <p:timing>
     <p:tnLst>
       <p:par>
-        <p:cTn id="1" dur="indefinite" nodeType="tmRoot">
+        <p:cTn id="1" dur="indefinite" restart="never" nodeType="tmRoot">
           <p:childTnLst>
             <p:seq concurrent="1" nextAc="seek">
               <p:cTn id="2" dur="0" nodeType="mainSeq"/>
@@ -14875,7 +15015,7 @@
   <p:timing>
     <p:tnLst>
       <p:par>
-        <p:cTn id="1" dur="indefinite" nodeType="tmRoot">
+        <p:cTn id="1" dur="indefinite" restart="never" nodeType="tmRoot">
           <p:childTnLst>
             <p:seq concurrent="1" nextAc="seek">
               <p:cTn id="2" dur="0" nodeType="mainSeq"/>
@@ -15612,7 +15752,7 @@
   <p:timing>
     <p:tnLst>
       <p:par>
-        <p:cTn id="1" dur="indefinite" nodeType="tmRoot">
+        <p:cTn id="1" dur="indefinite" restart="never" nodeType="tmRoot">
           <p:childTnLst>
             <p:seq concurrent="1" nextAc="seek">
               <p:cTn id="2" dur="0" nodeType="mainSeq"/>
@@ -15944,7 +16084,7 @@
   <p:timing>
     <p:tnLst>
       <p:par>
-        <p:cTn id="1" dur="indefinite" nodeType="tmRoot">
+        <p:cTn id="1" dur="indefinite" restart="never" nodeType="tmRoot">
           <p:childTnLst>
             <p:seq concurrent="1" nextAc="seek">
               <p:cTn id="2" dur="0" nodeType="mainSeq"/>
@@ -16335,7 +16475,7 @@
   <p:timing>
     <p:tnLst>
       <p:par>
-        <p:cTn id="1" dur="indefinite" nodeType="tmRoot">
+        <p:cTn id="1" dur="indefinite" restart="never" nodeType="tmRoot">
           <p:childTnLst>
             <p:seq concurrent="1" nextAc="seek">
               <p:cTn id="2" dur="0" nodeType="mainSeq"/>
@@ -16365,7 +16505,7 @@
 <file path=ppt/theme/theme1.xml><?xml version="1.0" encoding="utf-8"?>
 <a:theme xmlns:a="http://schemas.openxmlformats.org/drawingml/2006/main" name="Larissa-Design">
   <a:themeElements>
-    <a:clrScheme name="Larissa-Design 1">
+    <a:clrScheme name="Benutzerdefiniert 1">
       <a:dk1>
         <a:srgbClr val="000000"/>
       </a:dk1>
@@ -16397,10 +16537,10 @@
         <a:srgbClr val="2D2DB9"/>
       </a:accent6>
       <a:hlink>
-        <a:srgbClr val="CCCCFF"/>
+        <a:srgbClr val="2D2DB9"/>
       </a:hlink>
       <a:folHlink>
-        <a:srgbClr val="B2B2B2"/>
+        <a:srgbClr val="2D2DB9"/>
       </a:folHlink>
     </a:clrScheme>
     <a:fontScheme name="Larissa-Design">

--- a/folien/Semester_03_Termin_08_Kapitel07.pptx
+++ b/folien/Semester_03_Termin_08_Kapitel07.pptx
@@ -5,7 +5,7 @@
     <p:sldMasterId id="2147483648" r:id="rId1"/>
   </p:sldMasterIdLst>
   <p:notesMasterIdLst>
-    <p:notesMasterId r:id="rId23"/>
+    <p:notesMasterId r:id="rId24"/>
   </p:notesMasterIdLst>
   <p:sldIdLst>
     <p:sldId id="256" r:id="rId2"/>
@@ -16,19 +16,20 @@
     <p:sldId id="261" r:id="rId7"/>
     <p:sldId id="262" r:id="rId8"/>
     <p:sldId id="263" r:id="rId9"/>
-    <p:sldId id="264" r:id="rId10"/>
-    <p:sldId id="265" r:id="rId11"/>
-    <p:sldId id="266" r:id="rId12"/>
-    <p:sldId id="267" r:id="rId13"/>
-    <p:sldId id="268" r:id="rId14"/>
-    <p:sldId id="269" r:id="rId15"/>
-    <p:sldId id="270" r:id="rId16"/>
-    <p:sldId id="271" r:id="rId17"/>
-    <p:sldId id="272" r:id="rId18"/>
-    <p:sldId id="273" r:id="rId19"/>
-    <p:sldId id="274" r:id="rId20"/>
-    <p:sldId id="275" r:id="rId21"/>
-    <p:sldId id="276" r:id="rId22"/>
+    <p:sldId id="277" r:id="rId10"/>
+    <p:sldId id="264" r:id="rId11"/>
+    <p:sldId id="265" r:id="rId12"/>
+    <p:sldId id="266" r:id="rId13"/>
+    <p:sldId id="267" r:id="rId14"/>
+    <p:sldId id="268" r:id="rId15"/>
+    <p:sldId id="269" r:id="rId16"/>
+    <p:sldId id="270" r:id="rId17"/>
+    <p:sldId id="271" r:id="rId18"/>
+    <p:sldId id="272" r:id="rId19"/>
+    <p:sldId id="273" r:id="rId20"/>
+    <p:sldId id="274" r:id="rId21"/>
+    <p:sldId id="275" r:id="rId22"/>
+    <p:sldId id="276" r:id="rId23"/>
   </p:sldIdLst>
   <p:sldSz cx="10080625" cy="7559675"/>
   <p:notesSz cx="7559675" cy="10691813"/>
@@ -884,7 +885,7 @@
           <a:bodyPr/>
           <a:lstStyle/>
           <a:p>
-            <a:fld id="{7A9A719F-6EB8-49A4-8AE1-C342F92869DC}" type="slidenum">
+            <a:fld id="{C5B38FE3-B377-4AFD-89D9-CF862998CE14}" type="slidenum">
               <a:rPr lang="de-DE"/>
               <a:pPr/>
               <a:t>10</a:t>
@@ -895,7 +896,7 @@
       </p:sp>
       <p:sp>
         <p:nvSpPr>
-          <p:cNvPr id="33793" name="Rectangle 1"/>
+          <p:cNvPr id="32769" name="Rectangle 1"/>
           <p:cNvSpPr txBox="1">
             <a:spLocks noGrp="1" noRot="1" noChangeAspect="1" noChangeArrowheads="1"/>
           </p:cNvSpPr>
@@ -926,7 +927,7 @@
       </p:sp>
       <p:sp>
         <p:nvSpPr>
-          <p:cNvPr id="33794" name="Rectangle 2"/>
+          <p:cNvPr id="32770" name="Rectangle 2"/>
           <p:cNvSpPr txBox="1">
             <a:spLocks noGrp="1" noChangeArrowheads="1"/>
           </p:cNvSpPr>
@@ -960,7 +961,7 @@
     </p:spTree>
     <p:extLst>
       <p:ext uri="{BB962C8B-B14F-4D97-AF65-F5344CB8AC3E}">
-        <p14:creationId xmlns:p14="http://schemas.microsoft.com/office/powerpoint/2010/main" val="1078201570"/>
+        <p14:creationId xmlns:p14="http://schemas.microsoft.com/office/powerpoint/2010/main" val="1320761474"/>
       </p:ext>
     </p:extLst>
   </p:cSld>
@@ -1012,7 +1013,7 @@
           <a:bodyPr/>
           <a:lstStyle/>
           <a:p>
-            <a:fld id="{ADA343AC-65D3-42CF-9F22-129E68A1B082}" type="slidenum">
+            <a:fld id="{7A9A719F-6EB8-49A4-8AE1-C342F92869DC}" type="slidenum">
               <a:rPr lang="de-DE"/>
               <a:pPr/>
               <a:t>11</a:t>
@@ -1023,7 +1024,7 @@
       </p:sp>
       <p:sp>
         <p:nvSpPr>
-          <p:cNvPr id="34817" name="Rectangle 1"/>
+          <p:cNvPr id="33793" name="Rectangle 1"/>
           <p:cNvSpPr txBox="1">
             <a:spLocks noGrp="1" noRot="1" noChangeAspect="1" noChangeArrowheads="1"/>
           </p:cNvSpPr>
@@ -1054,7 +1055,7 @@
       </p:sp>
       <p:sp>
         <p:nvSpPr>
-          <p:cNvPr id="34818" name="Rectangle 2"/>
+          <p:cNvPr id="33794" name="Rectangle 2"/>
           <p:cNvSpPr txBox="1">
             <a:spLocks noGrp="1" noChangeArrowheads="1"/>
           </p:cNvSpPr>
@@ -1088,7 +1089,7 @@
     </p:spTree>
     <p:extLst>
       <p:ext uri="{BB962C8B-B14F-4D97-AF65-F5344CB8AC3E}">
-        <p14:creationId xmlns:p14="http://schemas.microsoft.com/office/powerpoint/2010/main" val="2049681570"/>
+        <p14:creationId xmlns:p14="http://schemas.microsoft.com/office/powerpoint/2010/main" val="1078201570"/>
       </p:ext>
     </p:extLst>
   </p:cSld>
@@ -1140,7 +1141,7 @@
           <a:bodyPr/>
           <a:lstStyle/>
           <a:p>
-            <a:fld id="{F5E52709-566C-4883-BDEF-9F7AAA9E52F0}" type="slidenum">
+            <a:fld id="{ADA343AC-65D3-42CF-9F22-129E68A1B082}" type="slidenum">
               <a:rPr lang="de-DE"/>
               <a:pPr/>
               <a:t>12</a:t>
@@ -1151,7 +1152,7 @@
       </p:sp>
       <p:sp>
         <p:nvSpPr>
-          <p:cNvPr id="35841" name="Rectangle 1"/>
+          <p:cNvPr id="34817" name="Rectangle 1"/>
           <p:cNvSpPr txBox="1">
             <a:spLocks noGrp="1" noRot="1" noChangeAspect="1" noChangeArrowheads="1"/>
           </p:cNvSpPr>
@@ -1182,7 +1183,7 @@
       </p:sp>
       <p:sp>
         <p:nvSpPr>
-          <p:cNvPr id="35842" name="Rectangle 2"/>
+          <p:cNvPr id="34818" name="Rectangle 2"/>
           <p:cNvSpPr txBox="1">
             <a:spLocks noGrp="1" noChangeArrowheads="1"/>
           </p:cNvSpPr>
@@ -1216,7 +1217,7 @@
     </p:spTree>
     <p:extLst>
       <p:ext uri="{BB962C8B-B14F-4D97-AF65-F5344CB8AC3E}">
-        <p14:creationId xmlns:p14="http://schemas.microsoft.com/office/powerpoint/2010/main" val="2516283845"/>
+        <p14:creationId xmlns:p14="http://schemas.microsoft.com/office/powerpoint/2010/main" val="2049681570"/>
       </p:ext>
     </p:extLst>
   </p:cSld>
@@ -1268,7 +1269,7 @@
           <a:bodyPr/>
           <a:lstStyle/>
           <a:p>
-            <a:fld id="{6C823628-EA2A-4819-869B-9CC766FF6F26}" type="slidenum">
+            <a:fld id="{F5E52709-566C-4883-BDEF-9F7AAA9E52F0}" type="slidenum">
               <a:rPr lang="de-DE"/>
               <a:pPr/>
               <a:t>13</a:t>
@@ -1279,7 +1280,7 @@
       </p:sp>
       <p:sp>
         <p:nvSpPr>
-          <p:cNvPr id="36865" name="Rectangle 1"/>
+          <p:cNvPr id="35841" name="Rectangle 1"/>
           <p:cNvSpPr txBox="1">
             <a:spLocks noGrp="1" noRot="1" noChangeAspect="1" noChangeArrowheads="1"/>
           </p:cNvSpPr>
@@ -1310,7 +1311,7 @@
       </p:sp>
       <p:sp>
         <p:nvSpPr>
-          <p:cNvPr id="36866" name="Rectangle 2"/>
+          <p:cNvPr id="35842" name="Rectangle 2"/>
           <p:cNvSpPr txBox="1">
             <a:spLocks noGrp="1" noChangeArrowheads="1"/>
           </p:cNvSpPr>
@@ -1344,7 +1345,7 @@
     </p:spTree>
     <p:extLst>
       <p:ext uri="{BB962C8B-B14F-4D97-AF65-F5344CB8AC3E}">
-        <p14:creationId xmlns:p14="http://schemas.microsoft.com/office/powerpoint/2010/main" val="114306066"/>
+        <p14:creationId xmlns:p14="http://schemas.microsoft.com/office/powerpoint/2010/main" val="2516283845"/>
       </p:ext>
     </p:extLst>
   </p:cSld>
@@ -1396,7 +1397,7 @@
           <a:bodyPr/>
           <a:lstStyle/>
           <a:p>
-            <a:fld id="{D300FB35-5104-4264-B022-5D554CC79B8E}" type="slidenum">
+            <a:fld id="{6C823628-EA2A-4819-869B-9CC766FF6F26}" type="slidenum">
               <a:rPr lang="de-DE"/>
               <a:pPr/>
               <a:t>14</a:t>
@@ -1407,7 +1408,7 @@
       </p:sp>
       <p:sp>
         <p:nvSpPr>
-          <p:cNvPr id="37889" name="Rectangle 1"/>
+          <p:cNvPr id="36865" name="Rectangle 1"/>
           <p:cNvSpPr txBox="1">
             <a:spLocks noGrp="1" noRot="1" noChangeAspect="1" noChangeArrowheads="1"/>
           </p:cNvSpPr>
@@ -1438,7 +1439,7 @@
       </p:sp>
       <p:sp>
         <p:nvSpPr>
-          <p:cNvPr id="37890" name="Rectangle 2"/>
+          <p:cNvPr id="36866" name="Rectangle 2"/>
           <p:cNvSpPr txBox="1">
             <a:spLocks noGrp="1" noChangeArrowheads="1"/>
           </p:cNvSpPr>
@@ -1472,7 +1473,7 @@
     </p:spTree>
     <p:extLst>
       <p:ext uri="{BB962C8B-B14F-4D97-AF65-F5344CB8AC3E}">
-        <p14:creationId xmlns:p14="http://schemas.microsoft.com/office/powerpoint/2010/main" val="1775329201"/>
+        <p14:creationId xmlns:p14="http://schemas.microsoft.com/office/powerpoint/2010/main" val="114306066"/>
       </p:ext>
     </p:extLst>
   </p:cSld>
@@ -1524,7 +1525,7 @@
           <a:bodyPr/>
           <a:lstStyle/>
           <a:p>
-            <a:fld id="{528BAAC6-2ED0-462D-BB7B-36B9C39096C3}" type="slidenum">
+            <a:fld id="{D300FB35-5104-4264-B022-5D554CC79B8E}" type="slidenum">
               <a:rPr lang="de-DE"/>
               <a:pPr/>
               <a:t>15</a:t>
@@ -1535,7 +1536,7 @@
       </p:sp>
       <p:sp>
         <p:nvSpPr>
-          <p:cNvPr id="38913" name="Rectangle 1"/>
+          <p:cNvPr id="37889" name="Rectangle 1"/>
           <p:cNvSpPr txBox="1">
             <a:spLocks noGrp="1" noRot="1" noChangeAspect="1" noChangeArrowheads="1"/>
           </p:cNvSpPr>
@@ -1566,7 +1567,7 @@
       </p:sp>
       <p:sp>
         <p:nvSpPr>
-          <p:cNvPr id="38914" name="Rectangle 2"/>
+          <p:cNvPr id="37890" name="Rectangle 2"/>
           <p:cNvSpPr txBox="1">
             <a:spLocks noGrp="1" noChangeArrowheads="1"/>
           </p:cNvSpPr>
@@ -1600,7 +1601,7 @@
     </p:spTree>
     <p:extLst>
       <p:ext uri="{BB962C8B-B14F-4D97-AF65-F5344CB8AC3E}">
-        <p14:creationId xmlns:p14="http://schemas.microsoft.com/office/powerpoint/2010/main" val="4139145192"/>
+        <p14:creationId xmlns:p14="http://schemas.microsoft.com/office/powerpoint/2010/main" val="1775329201"/>
       </p:ext>
     </p:extLst>
   </p:cSld>
@@ -1652,7 +1653,7 @@
           <a:bodyPr/>
           <a:lstStyle/>
           <a:p>
-            <a:fld id="{D818BD3C-41F6-4158-83A2-610F4EE83D0A}" type="slidenum">
+            <a:fld id="{528BAAC6-2ED0-462D-BB7B-36B9C39096C3}" type="slidenum">
               <a:rPr lang="de-DE"/>
               <a:pPr/>
               <a:t>16</a:t>
@@ -1663,7 +1664,7 @@
       </p:sp>
       <p:sp>
         <p:nvSpPr>
-          <p:cNvPr id="39937" name="Rectangle 1"/>
+          <p:cNvPr id="38913" name="Rectangle 1"/>
           <p:cNvSpPr txBox="1">
             <a:spLocks noGrp="1" noRot="1" noChangeAspect="1" noChangeArrowheads="1"/>
           </p:cNvSpPr>
@@ -1694,7 +1695,7 @@
       </p:sp>
       <p:sp>
         <p:nvSpPr>
-          <p:cNvPr id="39938" name="Rectangle 2"/>
+          <p:cNvPr id="38914" name="Rectangle 2"/>
           <p:cNvSpPr txBox="1">
             <a:spLocks noGrp="1" noChangeArrowheads="1"/>
           </p:cNvSpPr>
@@ -1728,7 +1729,7 @@
     </p:spTree>
     <p:extLst>
       <p:ext uri="{BB962C8B-B14F-4D97-AF65-F5344CB8AC3E}">
-        <p14:creationId xmlns:p14="http://schemas.microsoft.com/office/powerpoint/2010/main" val="2586731713"/>
+        <p14:creationId xmlns:p14="http://schemas.microsoft.com/office/powerpoint/2010/main" val="4139145192"/>
       </p:ext>
     </p:extLst>
   </p:cSld>
@@ -1780,7 +1781,7 @@
           <a:bodyPr/>
           <a:lstStyle/>
           <a:p>
-            <a:fld id="{9F344347-A1BE-4014-8309-A44D4AF8C4F7}" type="slidenum">
+            <a:fld id="{D818BD3C-41F6-4158-83A2-610F4EE83D0A}" type="slidenum">
               <a:rPr lang="de-DE"/>
               <a:pPr/>
               <a:t>17</a:t>
@@ -1791,7 +1792,7 @@
       </p:sp>
       <p:sp>
         <p:nvSpPr>
-          <p:cNvPr id="40961" name="Rectangle 1"/>
+          <p:cNvPr id="39937" name="Rectangle 1"/>
           <p:cNvSpPr txBox="1">
             <a:spLocks noGrp="1" noRot="1" noChangeAspect="1" noChangeArrowheads="1"/>
           </p:cNvSpPr>
@@ -1822,7 +1823,7 @@
       </p:sp>
       <p:sp>
         <p:nvSpPr>
-          <p:cNvPr id="40962" name="Rectangle 2"/>
+          <p:cNvPr id="39938" name="Rectangle 2"/>
           <p:cNvSpPr txBox="1">
             <a:spLocks noGrp="1" noChangeArrowheads="1"/>
           </p:cNvSpPr>
@@ -1856,7 +1857,7 @@
     </p:spTree>
     <p:extLst>
       <p:ext uri="{BB962C8B-B14F-4D97-AF65-F5344CB8AC3E}">
-        <p14:creationId xmlns:p14="http://schemas.microsoft.com/office/powerpoint/2010/main" val="4283364915"/>
+        <p14:creationId xmlns:p14="http://schemas.microsoft.com/office/powerpoint/2010/main" val="2586731713"/>
       </p:ext>
     </p:extLst>
   </p:cSld>
@@ -1908,7 +1909,7 @@
           <a:bodyPr/>
           <a:lstStyle/>
           <a:p>
-            <a:fld id="{19DEF7DC-2029-45BF-9C05-C7C792AB8724}" type="slidenum">
+            <a:fld id="{9F344347-A1BE-4014-8309-A44D4AF8C4F7}" type="slidenum">
               <a:rPr lang="de-DE"/>
               <a:pPr/>
               <a:t>18</a:t>
@@ -1919,7 +1920,7 @@
       </p:sp>
       <p:sp>
         <p:nvSpPr>
-          <p:cNvPr id="41985" name="Rectangle 1"/>
+          <p:cNvPr id="40961" name="Rectangle 1"/>
           <p:cNvSpPr txBox="1">
             <a:spLocks noGrp="1" noRot="1" noChangeAspect="1" noChangeArrowheads="1"/>
           </p:cNvSpPr>
@@ -1950,7 +1951,7 @@
       </p:sp>
       <p:sp>
         <p:nvSpPr>
-          <p:cNvPr id="41986" name="Rectangle 2"/>
+          <p:cNvPr id="40962" name="Rectangle 2"/>
           <p:cNvSpPr txBox="1">
             <a:spLocks noGrp="1" noChangeArrowheads="1"/>
           </p:cNvSpPr>
@@ -1984,7 +1985,7 @@
     </p:spTree>
     <p:extLst>
       <p:ext uri="{BB962C8B-B14F-4D97-AF65-F5344CB8AC3E}">
-        <p14:creationId xmlns:p14="http://schemas.microsoft.com/office/powerpoint/2010/main" val="3430749667"/>
+        <p14:creationId xmlns:p14="http://schemas.microsoft.com/office/powerpoint/2010/main" val="4283364915"/>
       </p:ext>
     </p:extLst>
   </p:cSld>
@@ -2036,7 +2037,7 @@
           <a:bodyPr/>
           <a:lstStyle/>
           <a:p>
-            <a:fld id="{ADC42B66-E58A-46EF-9B5F-C6DBCF47A411}" type="slidenum">
+            <a:fld id="{19DEF7DC-2029-45BF-9C05-C7C792AB8724}" type="slidenum">
               <a:rPr lang="de-DE"/>
               <a:pPr/>
               <a:t>19</a:t>
@@ -2047,7 +2048,7 @@
       </p:sp>
       <p:sp>
         <p:nvSpPr>
-          <p:cNvPr id="43009" name="Rectangle 1"/>
+          <p:cNvPr id="41985" name="Rectangle 1"/>
           <p:cNvSpPr txBox="1">
             <a:spLocks noGrp="1" noRot="1" noChangeAspect="1" noChangeArrowheads="1"/>
           </p:cNvSpPr>
@@ -2078,7 +2079,7 @@
       </p:sp>
       <p:sp>
         <p:nvSpPr>
-          <p:cNvPr id="43010" name="Rectangle 2"/>
+          <p:cNvPr id="41986" name="Rectangle 2"/>
           <p:cNvSpPr txBox="1">
             <a:spLocks noGrp="1" noChangeArrowheads="1"/>
           </p:cNvSpPr>
@@ -2112,7 +2113,7 @@
     </p:spTree>
     <p:extLst>
       <p:ext uri="{BB962C8B-B14F-4D97-AF65-F5344CB8AC3E}">
-        <p14:creationId xmlns:p14="http://schemas.microsoft.com/office/powerpoint/2010/main" val="2196215510"/>
+        <p14:creationId xmlns:p14="http://schemas.microsoft.com/office/powerpoint/2010/main" val="3430749667"/>
       </p:ext>
     </p:extLst>
   </p:cSld>
@@ -2292,7 +2293,7 @@
           <a:bodyPr/>
           <a:lstStyle/>
           <a:p>
-            <a:fld id="{789CAD4E-6A53-4048-8B87-E2DFC48A6EC4}" type="slidenum">
+            <a:fld id="{ADC42B66-E58A-46EF-9B5F-C6DBCF47A411}" type="slidenum">
               <a:rPr lang="de-DE"/>
               <a:pPr/>
               <a:t>20</a:t>
@@ -2303,7 +2304,7 @@
       </p:sp>
       <p:sp>
         <p:nvSpPr>
-          <p:cNvPr id="44033" name="Rectangle 1"/>
+          <p:cNvPr id="43009" name="Rectangle 1"/>
           <p:cNvSpPr txBox="1">
             <a:spLocks noGrp="1" noRot="1" noChangeAspect="1" noChangeArrowheads="1"/>
           </p:cNvSpPr>
@@ -2334,7 +2335,7 @@
       </p:sp>
       <p:sp>
         <p:nvSpPr>
-          <p:cNvPr id="44034" name="Rectangle 2"/>
+          <p:cNvPr id="43010" name="Rectangle 2"/>
           <p:cNvSpPr txBox="1">
             <a:spLocks noGrp="1" noChangeArrowheads="1"/>
           </p:cNvSpPr>
@@ -2368,7 +2369,7 @@
     </p:spTree>
     <p:extLst>
       <p:ext uri="{BB962C8B-B14F-4D97-AF65-F5344CB8AC3E}">
-        <p14:creationId xmlns:p14="http://schemas.microsoft.com/office/powerpoint/2010/main" val="94074"/>
+        <p14:creationId xmlns:p14="http://schemas.microsoft.com/office/powerpoint/2010/main" val="2196215510"/>
       </p:ext>
     </p:extLst>
   </p:cSld>
@@ -2420,10 +2421,138 @@
           <a:bodyPr/>
           <a:lstStyle/>
           <a:p>
+            <a:fld id="{789CAD4E-6A53-4048-8B87-E2DFC48A6EC4}" type="slidenum">
+              <a:rPr lang="de-DE"/>
+              <a:pPr/>
+              <a:t>21</a:t>
+            </a:fld>
+            <a:endParaRPr lang="de-DE"/>
+          </a:p>
+        </p:txBody>
+      </p:sp>
+      <p:sp>
+        <p:nvSpPr>
+          <p:cNvPr id="44033" name="Rectangle 1"/>
+          <p:cNvSpPr txBox="1">
+            <a:spLocks noGrp="1" noRot="1" noChangeAspect="1" noChangeArrowheads="1"/>
+          </p:cNvSpPr>
+          <p:nvPr>
+            <p:ph type="sldImg"/>
+          </p:nvPr>
+        </p:nvSpPr>
+        <p:spPr bwMode="auto">
+          <a:xfrm>
+            <a:off x="1106488" y="812800"/>
+            <a:ext cx="5345112" cy="4008438"/>
+          </a:xfrm>
+          <a:prstGeom prst="rect">
+            <a:avLst/>
+          </a:prstGeom>
+          <a:solidFill>
+            <a:srgbClr val="FFFFFF"/>
+          </a:solidFill>
+          <a:ln>
+            <a:solidFill>
+              <a:srgbClr val="000000"/>
+            </a:solidFill>
+            <a:miter lim="800000"/>
+            <a:headEnd/>
+            <a:tailEnd/>
+          </a:ln>
+        </p:spPr>
+      </p:sp>
+      <p:sp>
+        <p:nvSpPr>
+          <p:cNvPr id="44034" name="Rectangle 2"/>
+          <p:cNvSpPr txBox="1">
+            <a:spLocks noGrp="1" noChangeArrowheads="1"/>
+          </p:cNvSpPr>
+          <p:nvPr>
+            <p:ph type="body" idx="1"/>
+          </p:nvPr>
+        </p:nvSpPr>
+        <p:spPr bwMode="auto">
+          <a:xfrm>
+            <a:off x="755650" y="5078413"/>
+            <a:ext cx="6048375" cy="4811712"/>
+          </a:xfrm>
+          <a:prstGeom prst="rect">
+            <a:avLst/>
+          </a:prstGeom>
+          <a:noFill/>
+          <a:ln>
+            <a:round/>
+            <a:headEnd/>
+            <a:tailEnd/>
+          </a:ln>
+        </p:spPr>
+        <p:txBody>
+          <a:bodyPr wrap="none" anchor="ctr"/>
+          <a:lstStyle/>
+          <a:p>
+            <a:endParaRPr lang="de-DE"/>
+          </a:p>
+        </p:txBody>
+      </p:sp>
+    </p:spTree>
+    <p:extLst>
+      <p:ext uri="{BB962C8B-B14F-4D97-AF65-F5344CB8AC3E}">
+        <p14:creationId xmlns:p14="http://schemas.microsoft.com/office/powerpoint/2010/main" val="94074"/>
+      </p:ext>
+    </p:extLst>
+  </p:cSld>
+  <p:clrMapOvr>
+    <a:masterClrMapping/>
+  </p:clrMapOvr>
+</p:notes>
+</file>
+
+<file path=ppt/notesSlides/notesSlide22.xml><?xml version="1.0" encoding="utf-8"?>
+<p:notes xmlns:a="http://schemas.openxmlformats.org/drawingml/2006/main" xmlns:r="http://schemas.openxmlformats.org/officeDocument/2006/relationships" xmlns:p="http://schemas.openxmlformats.org/presentationml/2006/main">
+  <p:cSld>
+    <p:bg>
+      <p:bgPr>
+        <a:solidFill>
+          <a:srgbClr val="FFFFFF"/>
+        </a:solidFill>
+        <a:effectLst/>
+      </p:bgPr>
+    </p:bg>
+    <p:spTree>
+      <p:nvGrpSpPr>
+        <p:cNvPr id="1" name=""/>
+        <p:cNvGrpSpPr/>
+        <p:nvPr/>
+      </p:nvGrpSpPr>
+      <p:grpSpPr>
+        <a:xfrm>
+          <a:off x="0" y="0"/>
+          <a:ext cx="0" cy="0"/>
+          <a:chOff x="0" y="0"/>
+          <a:chExt cx="0" cy="0"/>
+        </a:xfrm>
+      </p:grpSpPr>
+      <p:sp>
+        <p:nvSpPr>
+          <p:cNvPr id="7" name="Rectangle 6"/>
+          <p:cNvSpPr>
+            <a:spLocks noGrp="1" noChangeArrowheads="1"/>
+          </p:cNvSpPr>
+          <p:nvPr>
+            <p:ph type="sldNum"/>
+          </p:nvPr>
+        </p:nvSpPr>
+        <p:spPr>
+          <a:ln/>
+        </p:spPr>
+        <p:txBody>
+          <a:bodyPr/>
+          <a:lstStyle/>
+          <a:p>
             <a:fld id="{3B4BC6E7-D035-4DB3-AAAE-F441886F8049}" type="slidenum">
               <a:rPr lang="de-DE"/>
               <a:pPr/>
-              <a:t>21</a:t>
+              <a:t>22</a:t>
             </a:fld>
             <a:endParaRPr lang="de-DE"/>
           </a:p>
@@ -3316,7 +3445,7 @@
           <a:bodyPr/>
           <a:lstStyle/>
           <a:p>
-            <a:fld id="{C5B38FE3-B377-4AFD-89D9-CF862998CE14}" type="slidenum">
+            <a:fld id="{F5E52709-566C-4883-BDEF-9F7AAA9E52F0}" type="slidenum">
               <a:rPr lang="de-DE"/>
               <a:pPr/>
               <a:t>9</a:t>
@@ -3327,7 +3456,7 @@
       </p:sp>
       <p:sp>
         <p:nvSpPr>
-          <p:cNvPr id="32769" name="Rectangle 1"/>
+          <p:cNvPr id="35841" name="Rectangle 1"/>
           <p:cNvSpPr txBox="1">
             <a:spLocks noGrp="1" noRot="1" noChangeAspect="1" noChangeArrowheads="1"/>
           </p:cNvSpPr>
@@ -3358,7 +3487,7 @@
       </p:sp>
       <p:sp>
         <p:nvSpPr>
-          <p:cNvPr id="32770" name="Rectangle 2"/>
+          <p:cNvPr id="35842" name="Rectangle 2"/>
           <p:cNvSpPr txBox="1">
             <a:spLocks noGrp="1" noChangeArrowheads="1"/>
           </p:cNvSpPr>
@@ -3392,7 +3521,7 @@
     </p:spTree>
     <p:extLst>
       <p:ext uri="{BB962C8B-B14F-4D97-AF65-F5344CB8AC3E}">
-        <p14:creationId xmlns:p14="http://schemas.microsoft.com/office/powerpoint/2010/main" val="1320761474"/>
+        <p14:creationId xmlns:p14="http://schemas.microsoft.com/office/powerpoint/2010/main" val="3267253758"/>
       </p:ext>
     </p:extLst>
   </p:cSld>
@@ -7169,7 +7298,7 @@
           <a:bodyPr/>
           <a:lstStyle/>
           <a:p>
-            <a:fld id="{4516F8FE-5A0E-4AF9-AC86-FDE2D3365E11}" type="slidenum">
+            <a:fld id="{478BE305-21FC-4710-9B9C-6EA6816FBB03}" type="slidenum">
               <a:rPr lang="de-DE"/>
               <a:pPr/>
               <a:t>10</a:t>
@@ -7180,7 +7309,7 @@
       </p:sp>
       <p:sp>
         <p:nvSpPr>
-          <p:cNvPr id="12289" name="AutoShape 1"/>
+          <p:cNvPr id="11265" name="AutoShape 1"/>
           <p:cNvSpPr>
             <a:spLocks noChangeArrowheads="1"/>
           </p:cNvSpPr>
@@ -7219,7 +7348,7 @@
       </p:sp>
       <p:sp>
         <p:nvSpPr>
-          <p:cNvPr id="12290" name="Rectangle 2"/>
+          <p:cNvPr id="11266" name="Rectangle 2"/>
           <p:cNvSpPr>
             <a:spLocks noGrp="1" noChangeArrowheads="1"/>
           </p:cNvSpPr>
@@ -7260,14 +7389,14 @@
                   <a:srgbClr val="FFFFFF"/>
                 </a:solidFill>
               </a:rPr>
-              <a:t>final (2)</a:t>
-            </a:r>
-          </a:p>
-        </p:txBody>
-      </p:sp>
-      <p:sp>
-        <p:nvSpPr>
-          <p:cNvPr id="12291" name="Rectangle 3"/>
+              <a:t>final (1)</a:t>
+            </a:r>
+          </a:p>
+        </p:txBody>
+      </p:sp>
+      <p:sp>
+        <p:nvSpPr>
+          <p:cNvPr id="11267" name="Rectangle 3"/>
           <p:cNvSpPr>
             <a:spLocks noGrp="1" noChangeArrowheads="1"/>
           </p:cNvSpPr>
@@ -7278,7 +7407,7 @@
         <p:spPr bwMode="auto">
           <a:xfrm>
             <a:off x="504825" y="1619250"/>
-            <a:ext cx="9070975" cy="4989513"/>
+            <a:ext cx="9070975" cy="6065838"/>
           </a:xfrm>
           <a:prstGeom prst="rect">
             <a:avLst/>
@@ -7287,102 +7416,34 @@
           <a:ln/>
         </p:spPr>
         <p:txBody>
-          <a:bodyPr lIns="0" tIns="24695" rIns="0" bIns="0"/>
+          <a:bodyPr lIns="0" tIns="38808" rIns="0" bIns="0"/>
           <a:lstStyle/>
           <a:p>
             <a:pPr marL="269875" indent="-269875">
-              <a:spcAft>
-                <a:spcPct val="0"/>
-              </a:spcAft>
-              <a:tabLst>
-                <a:tab pos="723900" algn="l"/>
-                <a:tab pos="1447800" algn="l"/>
-                <a:tab pos="2171700" algn="l"/>
-                <a:tab pos="2895600" algn="l"/>
-                <a:tab pos="3619500" algn="l"/>
-                <a:tab pos="4343400" algn="l"/>
-                <a:tab pos="5067300" algn="l"/>
-                <a:tab pos="5791200" algn="l"/>
-                <a:tab pos="6515100" algn="l"/>
-                <a:tab pos="7239000" algn="l"/>
-                <a:tab pos="7962900" algn="l"/>
-                <a:tab pos="8686800" algn="l"/>
-              </a:tabLst>
-            </a:pPr>
-            <a:r>
-              <a:rPr lang="de-DE" sz="2800"/>
-              <a:t>Ein Attribut wird als "final" gekennzeichnet, indem</a:t>
-            </a:r>
-          </a:p>
-          <a:p>
-            <a:pPr marL="269875" indent="-269875">
-              <a:spcAft>
-                <a:spcPct val="0"/>
-              </a:spcAft>
-              <a:tabLst>
-                <a:tab pos="723900" algn="l"/>
-                <a:tab pos="1447800" algn="l"/>
-                <a:tab pos="2171700" algn="l"/>
-                <a:tab pos="2895600" algn="l"/>
-                <a:tab pos="3619500" algn="l"/>
-                <a:tab pos="4343400" algn="l"/>
-                <a:tab pos="5067300" algn="l"/>
-                <a:tab pos="5791200" algn="l"/>
-                <a:tab pos="6515100" algn="l"/>
-                <a:tab pos="7239000" algn="l"/>
-                <a:tab pos="7962900" algn="l"/>
-                <a:tab pos="8686800" algn="l"/>
-              </a:tabLst>
-            </a:pPr>
-            <a:r>
-              <a:rPr lang="de-DE" sz="2800"/>
-              <a:t>unmittelbar nach dem </a:t>
-            </a:r>
-            <a:r>
-              <a:rPr lang="de-DE" sz="2800">
-                <a:latin typeface="Courier New" pitchFamily="49" charset="0"/>
-              </a:rPr>
-              <a:t>private</a:t>
-            </a:r>
-            <a:r>
-              <a:rPr lang="de-DE" sz="2800"/>
-              <a:t> bzw. </a:t>
-            </a:r>
-            <a:r>
-              <a:rPr lang="de-DE" sz="2800">
-                <a:latin typeface="Courier New" pitchFamily="49" charset="0"/>
-              </a:rPr>
-              <a:t>public</a:t>
-            </a:r>
-            <a:r>
-              <a:rPr lang="de-DE" sz="2800"/>
-              <a:t> das</a:t>
-            </a:r>
-          </a:p>
-          <a:p>
-            <a:pPr marL="269875" indent="-269875">
-              <a:spcAft>
-                <a:spcPct val="0"/>
-              </a:spcAft>
-              <a:tabLst>
-                <a:tab pos="723900" algn="l"/>
-                <a:tab pos="1447800" algn="l"/>
-                <a:tab pos="2171700" algn="l"/>
-                <a:tab pos="2895600" algn="l"/>
-                <a:tab pos="3619500" algn="l"/>
-                <a:tab pos="4343400" algn="l"/>
-                <a:tab pos="5067300" algn="l"/>
-                <a:tab pos="5791200" algn="l"/>
-                <a:tab pos="6515100" algn="l"/>
-                <a:tab pos="7239000" algn="l"/>
-                <a:tab pos="7962900" algn="l"/>
-                <a:tab pos="8686800" algn="l"/>
-              </a:tabLst>
-            </a:pPr>
-            <a:r>
-              <a:rPr lang="de-DE" sz="2800"/>
-              <a:t>Schlüsselwort </a:t>
-            </a:r>
+              <a:lnSpc>
+                <a:spcPct val="89000"/>
+              </a:lnSpc>
+              <a:spcAft>
+                <a:spcPct val="0"/>
+              </a:spcAft>
+              <a:buSzPct val="45000"/>
+              <a:buFont typeface="Wingdings" charset="2"/>
+              <a:buChar char=""/>
+              <a:tabLst>
+                <a:tab pos="723900" algn="l"/>
+                <a:tab pos="1447800" algn="l"/>
+                <a:tab pos="2171700" algn="l"/>
+                <a:tab pos="2895600" algn="l"/>
+                <a:tab pos="3619500" algn="l"/>
+                <a:tab pos="4343400" algn="l"/>
+                <a:tab pos="5067300" algn="l"/>
+                <a:tab pos="5791200" algn="l"/>
+                <a:tab pos="6515100" algn="l"/>
+                <a:tab pos="7239000" algn="l"/>
+                <a:tab pos="7962900" algn="l"/>
+                <a:tab pos="8686800" algn="l"/>
+              </a:tabLst>
+            </a:pPr>
             <a:r>
               <a:rPr lang="de-DE" sz="2800">
                 <a:latin typeface="Courier New" pitchFamily="49" charset="0"/>
@@ -7391,132 +7452,100 @@
             </a:r>
             <a:r>
               <a:rPr lang="de-DE" sz="2800"/>
-              <a:t> verwendet wird:</a:t>
-            </a:r>
+              <a:t> ( = "endgültig") bedeutet, dass sich der Wert eines Attributes niemals verändern darf (außer während der Erzeugung eines Objektes).</a:t>
+            </a:r>
+            <a:br>
+              <a:rPr lang="de-DE" sz="2800"/>
+            </a:br>
+            <a:endParaRPr lang="de-DE" sz="2800"/>
           </a:p>
           <a:p>
             <a:pPr marL="269875" indent="-269875">
               <a:spcAft>
                 <a:spcPct val="0"/>
               </a:spcAft>
-              <a:tabLst>
-                <a:tab pos="723900" algn="l"/>
-                <a:tab pos="1447800" algn="l"/>
-                <a:tab pos="2171700" algn="l"/>
-                <a:tab pos="2895600" algn="l"/>
-                <a:tab pos="3619500" algn="l"/>
-                <a:tab pos="4343400" algn="l"/>
-                <a:tab pos="5067300" algn="l"/>
-                <a:tab pos="5791200" algn="l"/>
-                <a:tab pos="6515100" algn="l"/>
-                <a:tab pos="7239000" algn="l"/>
-                <a:tab pos="7962900" algn="l"/>
-                <a:tab pos="8686800" algn="l"/>
-              </a:tabLst>
-            </a:pPr>
-            <a:endParaRPr lang="de-DE" sz="2800"/>
-          </a:p>
-          <a:p>
-            <a:pPr marL="269875" indent="-269875">
-              <a:lnSpc>
-                <a:spcPct val="89000"/>
-              </a:lnSpc>
-              <a:spcAft>
-                <a:spcPct val="0"/>
-              </a:spcAft>
-              <a:tabLst>
-                <a:tab pos="723900" algn="l"/>
-                <a:tab pos="1447800" algn="l"/>
-                <a:tab pos="2171700" algn="l"/>
-                <a:tab pos="2895600" algn="l"/>
-                <a:tab pos="3619500" algn="l"/>
-                <a:tab pos="4343400" algn="l"/>
-                <a:tab pos="5067300" algn="l"/>
-                <a:tab pos="5791200" algn="l"/>
-                <a:tab pos="6515100" algn="l"/>
-                <a:tab pos="7239000" algn="l"/>
-                <a:tab pos="7962900" algn="l"/>
-                <a:tab pos="8686800" algn="l"/>
-              </a:tabLst>
-            </a:pPr>
-            <a:r>
-              <a:rPr lang="de-DE" sz="2800">
+              <a:buSzPct val="45000"/>
+              <a:buFont typeface="Wingdings" charset="2"/>
+              <a:buChar char=""/>
+              <a:tabLst>
+                <a:tab pos="723900" algn="l"/>
+                <a:tab pos="1447800" algn="l"/>
+                <a:tab pos="2171700" algn="l"/>
+                <a:tab pos="2895600" algn="l"/>
+                <a:tab pos="3619500" algn="l"/>
+                <a:tab pos="4343400" algn="l"/>
+                <a:tab pos="5067300" algn="l"/>
+                <a:tab pos="5791200" algn="l"/>
+                <a:tab pos="6515100" algn="l"/>
+                <a:tab pos="7239000" algn="l"/>
+                <a:tab pos="7962900" algn="l"/>
+                <a:tab pos="8686800" algn="l"/>
+              </a:tabLst>
+            </a:pPr>
+            <a:r>
+              <a:rPr lang="de-DE" sz="2800"/>
+              <a:t>Unter "ändern" werden dabei nur neue Zuweisungen an das Attribut verstanden. Ist ein Attribut ein Objekt, kann dessen Zustand über seine Methoden verändert werden:</a:t>
+            </a:r>
+            <a:br>
+              <a:rPr lang="de-DE" sz="2800"/>
+            </a:br>
+            <a:r>
+              <a:rPr lang="de-DE" sz="2800"/>
+              <a:t/>
+            </a:r>
+            <a:br>
+              <a:rPr lang="de-DE" sz="2800"/>
+            </a:br>
+            <a:r>
+              <a:rPr lang="de-DE" sz="2600"/>
+              <a:t>verboten:</a:t>
+            </a:r>
+            <a:r>
+              <a:rPr lang="de-DE" sz="2800"/>
+              <a:t>	</a:t>
+            </a:r>
+            <a:r>
+              <a:rPr lang="de-DE" sz="2200">
                 <a:latin typeface="Courier New" pitchFamily="49" charset="0"/>
               </a:rPr>
-              <a:t>private final double PI = 3.14159;</a:t>
-            </a:r>
-          </a:p>
-          <a:p>
-            <a:pPr marL="269875" indent="-269875">
-              <a:spcAft>
-                <a:spcPct val="0"/>
-              </a:spcAft>
-              <a:tabLst>
-                <a:tab pos="723900" algn="l"/>
-                <a:tab pos="1447800" algn="l"/>
-                <a:tab pos="2171700" algn="l"/>
-                <a:tab pos="2895600" algn="l"/>
-                <a:tab pos="3619500" algn="l"/>
-                <a:tab pos="4343400" algn="l"/>
-                <a:tab pos="5067300" algn="l"/>
-                <a:tab pos="5791200" algn="l"/>
-                <a:tab pos="6515100" algn="l"/>
-                <a:tab pos="7239000" algn="l"/>
-                <a:tab pos="7962900" algn="l"/>
-                <a:tab pos="8686800" algn="l"/>
-              </a:tabLst>
-            </a:pPr>
+              <a:t>einFinalesAttribut = neuerWert;</a:t>
+            </a:r>
+            <a:r>
+              <a:rPr lang="de-DE" sz="2800"/>
+              <a:t/>
+            </a:r>
+            <a:br>
+              <a:rPr lang="de-DE" sz="2800"/>
+            </a:br>
+            <a:r>
+              <a:rPr lang="de-DE" sz="2800"/>
+              <a:t/>
+            </a:r>
+            <a:br>
+              <a:rPr lang="de-DE" sz="2800"/>
+            </a:br>
+            <a:r>
+              <a:rPr lang="de-DE" sz="2600"/>
+              <a:t>erlaubt:</a:t>
+            </a:r>
+            <a:r>
+              <a:rPr lang="de-DE" sz="2800"/>
+              <a:t>		</a:t>
+            </a:r>
+            <a:r>
+              <a:rPr lang="de-DE" sz="2200">
+                <a:latin typeface="Courier New" pitchFamily="49" charset="0"/>
+              </a:rPr>
+              <a:t>einFinalesAttribut.veraendereDich();</a:t>
+            </a:r>
+            <a:r>
+              <a:rPr lang="de-DE" sz="2800"/>
+              <a:t/>
+            </a:r>
+            <a:br>
+              <a:rPr lang="de-DE" sz="2800"/>
+            </a:br>
             <a:endParaRPr lang="de-DE" sz="2800"/>
-          </a:p>
-          <a:p>
-            <a:pPr marL="269875" indent="-269875">
-              <a:spcAft>
-                <a:spcPct val="0"/>
-              </a:spcAft>
-              <a:tabLst>
-                <a:tab pos="723900" algn="l"/>
-                <a:tab pos="1447800" algn="l"/>
-                <a:tab pos="2171700" algn="l"/>
-                <a:tab pos="2895600" algn="l"/>
-                <a:tab pos="3619500" algn="l"/>
-                <a:tab pos="4343400" algn="l"/>
-                <a:tab pos="5067300" algn="l"/>
-                <a:tab pos="5791200" algn="l"/>
-                <a:tab pos="6515100" algn="l"/>
-                <a:tab pos="7239000" algn="l"/>
-                <a:tab pos="7962900" algn="l"/>
-                <a:tab pos="8686800" algn="l"/>
-              </a:tabLst>
-            </a:pPr>
-            <a:r>
-              <a:rPr lang="de-DE" sz="2800"/>
-              <a:t>Im übrigen kann jede Variablen- oder Attributsdefinition</a:t>
-            </a:r>
-          </a:p>
-          <a:p>
-            <a:pPr marL="269875" indent="-269875">
-              <a:spcAft>
-                <a:spcPct val="0"/>
-              </a:spcAft>
-              <a:tabLst>
-                <a:tab pos="723900" algn="l"/>
-                <a:tab pos="1447800" algn="l"/>
-                <a:tab pos="2171700" algn="l"/>
-                <a:tab pos="2895600" algn="l"/>
-                <a:tab pos="3619500" algn="l"/>
-                <a:tab pos="4343400" algn="l"/>
-                <a:tab pos="5067300" algn="l"/>
-                <a:tab pos="5791200" algn="l"/>
-                <a:tab pos="6515100" algn="l"/>
-                <a:tab pos="7239000" algn="l"/>
-                <a:tab pos="7962900" algn="l"/>
-                <a:tab pos="8686800" algn="l"/>
-              </a:tabLst>
-            </a:pPr>
-            <a:r>
-              <a:rPr lang="de-DE" sz="2800"/>
-              <a:t>"final"-markiert werden.</a:t>
-            </a:r>
           </a:p>
           <a:p>
             <a:pPr marL="269875" indent="-269875">
@@ -7660,7 +7689,7 @@
           <a:bodyPr/>
           <a:lstStyle/>
           <a:p>
-            <a:fld id="{32CAD378-2514-49C1-8B3A-CA3B30598B84}" type="slidenum">
+            <a:fld id="{4516F8FE-5A0E-4AF9-AC86-FDE2D3365E11}" type="slidenum">
               <a:rPr lang="de-DE"/>
               <a:pPr/>
               <a:t>11</a:t>
@@ -7671,7 +7700,7 @@
       </p:sp>
       <p:sp>
         <p:nvSpPr>
-          <p:cNvPr id="13313" name="AutoShape 1"/>
+          <p:cNvPr id="12289" name="AutoShape 1"/>
           <p:cNvSpPr>
             <a:spLocks noChangeArrowheads="1"/>
           </p:cNvSpPr>
@@ -7710,7 +7739,7 @@
       </p:sp>
       <p:sp>
         <p:nvSpPr>
-          <p:cNvPr id="13314" name="Rectangle 2"/>
+          <p:cNvPr id="12290" name="Rectangle 2"/>
           <p:cNvSpPr>
             <a:spLocks noGrp="1" noChangeArrowheads="1"/>
           </p:cNvSpPr>
@@ -7751,14 +7780,14 @@
                   <a:srgbClr val="FFFFFF"/>
                 </a:solidFill>
               </a:rPr>
-              <a:t>final (3)</a:t>
-            </a:r>
-          </a:p>
-        </p:txBody>
-      </p:sp>
-      <p:sp>
-        <p:nvSpPr>
-          <p:cNvPr id="13315" name="Rectangle 3"/>
+              <a:t>final (2)</a:t>
+            </a:r>
+          </a:p>
+        </p:txBody>
+      </p:sp>
+      <p:sp>
+        <p:nvSpPr>
+          <p:cNvPr id="12291" name="Rectangle 3"/>
           <p:cNvSpPr>
             <a:spLocks noGrp="1" noChangeArrowheads="1"/>
           </p:cNvSpPr>
@@ -7781,7 +7810,7 @@
           <a:bodyPr lIns="0" tIns="24695" rIns="0" bIns="0"/>
           <a:lstStyle/>
           <a:p>
-            <a:pPr marL="0" indent="0">
+            <a:pPr marL="269875" indent="-269875">
               <a:spcAft>
                 <a:spcPct val="0"/>
               </a:spcAft>
@@ -7802,11 +7831,91 @@
             </a:pPr>
             <a:r>
               <a:rPr lang="de-DE" sz="2800"/>
-              <a:t>Eine Variable als "final" zu markieren, scheint zuerst einmal nur einzuschränken, aber: Es schützt vor Fehlern!</a:t>
-            </a:r>
-          </a:p>
-          <a:p>
-            <a:pPr marL="0" indent="0">
+              <a:t>Ein Attribut wird als "final" gekennzeichnet, indem</a:t>
+            </a:r>
+          </a:p>
+          <a:p>
+            <a:pPr marL="269875" indent="-269875">
+              <a:spcAft>
+                <a:spcPct val="0"/>
+              </a:spcAft>
+              <a:tabLst>
+                <a:tab pos="723900" algn="l"/>
+                <a:tab pos="1447800" algn="l"/>
+                <a:tab pos="2171700" algn="l"/>
+                <a:tab pos="2895600" algn="l"/>
+                <a:tab pos="3619500" algn="l"/>
+                <a:tab pos="4343400" algn="l"/>
+                <a:tab pos="5067300" algn="l"/>
+                <a:tab pos="5791200" algn="l"/>
+                <a:tab pos="6515100" algn="l"/>
+                <a:tab pos="7239000" algn="l"/>
+                <a:tab pos="7962900" algn="l"/>
+                <a:tab pos="8686800" algn="l"/>
+              </a:tabLst>
+            </a:pPr>
+            <a:r>
+              <a:rPr lang="de-DE" sz="2800"/>
+              <a:t>unmittelbar nach dem </a:t>
+            </a:r>
+            <a:r>
+              <a:rPr lang="de-DE" sz="2800">
+                <a:latin typeface="Courier New" pitchFamily="49" charset="0"/>
+              </a:rPr>
+              <a:t>private</a:t>
+            </a:r>
+            <a:r>
+              <a:rPr lang="de-DE" sz="2800"/>
+              <a:t> bzw. </a:t>
+            </a:r>
+            <a:r>
+              <a:rPr lang="de-DE" sz="2800">
+                <a:latin typeface="Courier New" pitchFamily="49" charset="0"/>
+              </a:rPr>
+              <a:t>public</a:t>
+            </a:r>
+            <a:r>
+              <a:rPr lang="de-DE" sz="2800"/>
+              <a:t> das</a:t>
+            </a:r>
+          </a:p>
+          <a:p>
+            <a:pPr marL="269875" indent="-269875">
+              <a:spcAft>
+                <a:spcPct val="0"/>
+              </a:spcAft>
+              <a:tabLst>
+                <a:tab pos="723900" algn="l"/>
+                <a:tab pos="1447800" algn="l"/>
+                <a:tab pos="2171700" algn="l"/>
+                <a:tab pos="2895600" algn="l"/>
+                <a:tab pos="3619500" algn="l"/>
+                <a:tab pos="4343400" algn="l"/>
+                <a:tab pos="5067300" algn="l"/>
+                <a:tab pos="5791200" algn="l"/>
+                <a:tab pos="6515100" algn="l"/>
+                <a:tab pos="7239000" algn="l"/>
+                <a:tab pos="7962900" algn="l"/>
+                <a:tab pos="8686800" algn="l"/>
+              </a:tabLst>
+            </a:pPr>
+            <a:r>
+              <a:rPr lang="de-DE" sz="2800"/>
+              <a:t>Schlüsselwort </a:t>
+            </a:r>
+            <a:r>
+              <a:rPr lang="de-DE" sz="2800">
+                <a:latin typeface="Courier New" pitchFamily="49" charset="0"/>
+              </a:rPr>
+              <a:t>final</a:t>
+            </a:r>
+            <a:r>
+              <a:rPr lang="de-DE" sz="2800"/>
+              <a:t> verwendet wird:</a:t>
+            </a:r>
+          </a:p>
+          <a:p>
+            <a:pPr marL="269875" indent="-269875">
               <a:spcAft>
                 <a:spcPct val="0"/>
               </a:spcAft>
@@ -7828,7 +7937,59 @@
             <a:endParaRPr lang="de-DE" sz="2800"/>
           </a:p>
           <a:p>
-            <a:pPr marL="0" indent="0">
+            <a:pPr marL="269875" indent="-269875">
+              <a:lnSpc>
+                <a:spcPct val="89000"/>
+              </a:lnSpc>
+              <a:spcAft>
+                <a:spcPct val="0"/>
+              </a:spcAft>
+              <a:tabLst>
+                <a:tab pos="723900" algn="l"/>
+                <a:tab pos="1447800" algn="l"/>
+                <a:tab pos="2171700" algn="l"/>
+                <a:tab pos="2895600" algn="l"/>
+                <a:tab pos="3619500" algn="l"/>
+                <a:tab pos="4343400" algn="l"/>
+                <a:tab pos="5067300" algn="l"/>
+                <a:tab pos="5791200" algn="l"/>
+                <a:tab pos="6515100" algn="l"/>
+                <a:tab pos="7239000" algn="l"/>
+                <a:tab pos="7962900" algn="l"/>
+                <a:tab pos="8686800" algn="l"/>
+              </a:tabLst>
+            </a:pPr>
+            <a:r>
+              <a:rPr lang="de-DE" sz="2800">
+                <a:latin typeface="Courier New" pitchFamily="49" charset="0"/>
+              </a:rPr>
+              <a:t>private final double PI = 3.14159;</a:t>
+            </a:r>
+          </a:p>
+          <a:p>
+            <a:pPr marL="269875" indent="-269875">
+              <a:spcAft>
+                <a:spcPct val="0"/>
+              </a:spcAft>
+              <a:tabLst>
+                <a:tab pos="723900" algn="l"/>
+                <a:tab pos="1447800" algn="l"/>
+                <a:tab pos="2171700" algn="l"/>
+                <a:tab pos="2895600" algn="l"/>
+                <a:tab pos="3619500" algn="l"/>
+                <a:tab pos="4343400" algn="l"/>
+                <a:tab pos="5067300" algn="l"/>
+                <a:tab pos="5791200" algn="l"/>
+                <a:tab pos="6515100" algn="l"/>
+                <a:tab pos="7239000" algn="l"/>
+                <a:tab pos="7962900" algn="l"/>
+                <a:tab pos="8686800" algn="l"/>
+              </a:tabLst>
+            </a:pPr>
+            <a:endParaRPr lang="de-DE" sz="2800"/>
+          </a:p>
+          <a:p>
+            <a:pPr marL="269875" indent="-269875">
               <a:spcAft>
                 <a:spcPct val="0"/>
               </a:spcAft>
@@ -7849,33 +8010,11 @@
             </a:pPr>
             <a:r>
               <a:rPr lang="de-DE" sz="2800"/>
-              <a:t>Wenn Sie feststellen, dass eine bestimmte Variable den Charakter einer Konstanten hat, markieren Sie sie als solche.</a:t>
-            </a:r>
-          </a:p>
-          <a:p>
-            <a:pPr marL="0" indent="0">
-              <a:spcAft>
-                <a:spcPct val="0"/>
-              </a:spcAft>
-              <a:tabLst>
-                <a:tab pos="723900" algn="l"/>
-                <a:tab pos="1447800" algn="l"/>
-                <a:tab pos="2171700" algn="l"/>
-                <a:tab pos="2895600" algn="l"/>
-                <a:tab pos="3619500" algn="l"/>
-                <a:tab pos="4343400" algn="l"/>
-                <a:tab pos="5067300" algn="l"/>
-                <a:tab pos="5791200" algn="l"/>
-                <a:tab pos="6515100" algn="l"/>
-                <a:tab pos="7239000" algn="l"/>
-                <a:tab pos="7962900" algn="l"/>
-                <a:tab pos="8686800" algn="l"/>
-              </a:tabLst>
-            </a:pPr>
-            <a:endParaRPr lang="de-DE" sz="2800"/>
-          </a:p>
-          <a:p>
-            <a:pPr marL="0" indent="0">
+              <a:t>Im übrigen kann jede Variablen- oder Attributsdefinition</a:t>
+            </a:r>
+          </a:p>
+          <a:p>
+            <a:pPr marL="269875" indent="-269875">
               <a:spcAft>
                 <a:spcPct val="0"/>
               </a:spcAft>
@@ -7896,11 +8035,36 @@
             </a:pPr>
             <a:r>
               <a:rPr lang="de-DE" sz="2800"/>
-              <a:t>=&gt; Es kann Ihnen nicht der Fehler unterlaufen, dass Sie den Inhalt aus Versehen in einem anderen Programmteil verändern.</a:t>
-            </a:r>
-          </a:p>
-          <a:p>
-            <a:pPr marL="0" indent="0">
+              <a:t>"final"-markiert werden.</a:t>
+            </a:r>
+          </a:p>
+          <a:p>
+            <a:pPr marL="269875" indent="-269875">
+              <a:spcAft>
+                <a:spcPct val="0"/>
+              </a:spcAft>
+              <a:buSzPct val="45000"/>
+              <a:buFont typeface="Wingdings" charset="2"/>
+              <a:buNone/>
+              <a:tabLst>
+                <a:tab pos="723900" algn="l"/>
+                <a:tab pos="1447800" algn="l"/>
+                <a:tab pos="2171700" algn="l"/>
+                <a:tab pos="2895600" algn="l"/>
+                <a:tab pos="3619500" algn="l"/>
+                <a:tab pos="4343400" algn="l"/>
+                <a:tab pos="5067300" algn="l"/>
+                <a:tab pos="5791200" algn="l"/>
+                <a:tab pos="6515100" algn="l"/>
+                <a:tab pos="7239000" algn="l"/>
+                <a:tab pos="7962900" algn="l"/>
+                <a:tab pos="8686800" algn="l"/>
+              </a:tabLst>
+            </a:pPr>
+            <a:endParaRPr lang="de-DE"/>
+          </a:p>
+          <a:p>
+            <a:pPr marL="269875" indent="-269875">
               <a:spcAft>
                 <a:spcPct val="0"/>
               </a:spcAft>
@@ -8016,7 +8180,7 @@
           <a:bodyPr/>
           <a:lstStyle/>
           <a:p>
-            <a:fld id="{C0C61991-BD8E-4FC5-A7CA-84234C1F89BB}" type="slidenum">
+            <a:fld id="{32CAD378-2514-49C1-8B3A-CA3B30598B84}" type="slidenum">
               <a:rPr lang="de-DE"/>
               <a:pPr/>
               <a:t>12</a:t>
@@ -8027,7 +8191,7 @@
       </p:sp>
       <p:sp>
         <p:nvSpPr>
-          <p:cNvPr id="14337" name="AutoShape 1"/>
+          <p:cNvPr id="13313" name="AutoShape 1"/>
           <p:cNvSpPr>
             <a:spLocks noChangeArrowheads="1"/>
           </p:cNvSpPr>
@@ -8066,7 +8230,7 @@
       </p:sp>
       <p:sp>
         <p:nvSpPr>
-          <p:cNvPr id="14338" name="Rectangle 2"/>
+          <p:cNvPr id="13314" name="Rectangle 2"/>
           <p:cNvSpPr>
             <a:spLocks noGrp="1" noChangeArrowheads="1"/>
           </p:cNvSpPr>
@@ -8107,14 +8271,14 @@
                   <a:srgbClr val="FFFFFF"/>
                 </a:solidFill>
               </a:rPr>
-              <a:t>Übung - final</a:t>
-            </a:r>
-          </a:p>
-        </p:txBody>
-      </p:sp>
-      <p:sp>
-        <p:nvSpPr>
-          <p:cNvPr id="14339" name="Rectangle 3"/>
+              <a:t>final (3)</a:t>
+            </a:r>
+          </a:p>
+        </p:txBody>
+      </p:sp>
+      <p:sp>
+        <p:nvSpPr>
+          <p:cNvPr id="13315" name="Rectangle 3"/>
           <p:cNvSpPr>
             <a:spLocks noGrp="1" noChangeArrowheads="1"/>
           </p:cNvSpPr>
@@ -8158,18 +8322,127 @@
             </a:pPr>
             <a:r>
               <a:rPr lang="de-DE" sz="2800"/>
-              <a:t>Ändern Sie die Klasse </a:t>
-            </a:r>
-            <a:r>
-              <a:rPr lang="de-DE" sz="2800">
-                <a:latin typeface="Courier New" pitchFamily="49" charset="0"/>
-              </a:rPr>
-              <a:t>Auto</a:t>
-            </a:r>
+              <a:t>Eine Variable als "final" zu markieren, scheint zuerst einmal nur einzuschränken, aber: Es schützt vor Fehlern!</a:t>
+            </a:r>
+          </a:p>
+          <a:p>
+            <a:pPr marL="0" indent="0">
+              <a:spcAft>
+                <a:spcPct val="0"/>
+              </a:spcAft>
+              <a:tabLst>
+                <a:tab pos="723900" algn="l"/>
+                <a:tab pos="1447800" algn="l"/>
+                <a:tab pos="2171700" algn="l"/>
+                <a:tab pos="2895600" algn="l"/>
+                <a:tab pos="3619500" algn="l"/>
+                <a:tab pos="4343400" algn="l"/>
+                <a:tab pos="5067300" algn="l"/>
+                <a:tab pos="5791200" algn="l"/>
+                <a:tab pos="6515100" algn="l"/>
+                <a:tab pos="7239000" algn="l"/>
+                <a:tab pos="7962900" algn="l"/>
+                <a:tab pos="8686800" algn="l"/>
+              </a:tabLst>
+            </a:pPr>
+            <a:endParaRPr lang="de-DE" sz="2800"/>
+          </a:p>
+          <a:p>
+            <a:pPr marL="0" indent="0">
+              <a:spcAft>
+                <a:spcPct val="0"/>
+              </a:spcAft>
+              <a:tabLst>
+                <a:tab pos="723900" algn="l"/>
+                <a:tab pos="1447800" algn="l"/>
+                <a:tab pos="2171700" algn="l"/>
+                <a:tab pos="2895600" algn="l"/>
+                <a:tab pos="3619500" algn="l"/>
+                <a:tab pos="4343400" algn="l"/>
+                <a:tab pos="5067300" algn="l"/>
+                <a:tab pos="5791200" algn="l"/>
+                <a:tab pos="6515100" algn="l"/>
+                <a:tab pos="7239000" algn="l"/>
+                <a:tab pos="7962900" algn="l"/>
+                <a:tab pos="8686800" algn="l"/>
+              </a:tabLst>
+            </a:pPr>
             <a:r>
               <a:rPr lang="de-DE" sz="2800"/>
-              <a:t> aus der vorangegangenen Veranstaltung derart, dass sich der Verbrauch eines Autos nach der Erzeugung eines Objektes nicht mehr verändern kann.</a:t>
-            </a:r>
+              <a:t>Wenn Sie feststellen, dass eine bestimmte Variable den Charakter einer Konstanten hat, markieren Sie sie als solche.</a:t>
+            </a:r>
+          </a:p>
+          <a:p>
+            <a:pPr marL="0" indent="0">
+              <a:spcAft>
+                <a:spcPct val="0"/>
+              </a:spcAft>
+              <a:tabLst>
+                <a:tab pos="723900" algn="l"/>
+                <a:tab pos="1447800" algn="l"/>
+                <a:tab pos="2171700" algn="l"/>
+                <a:tab pos="2895600" algn="l"/>
+                <a:tab pos="3619500" algn="l"/>
+                <a:tab pos="4343400" algn="l"/>
+                <a:tab pos="5067300" algn="l"/>
+                <a:tab pos="5791200" algn="l"/>
+                <a:tab pos="6515100" algn="l"/>
+                <a:tab pos="7239000" algn="l"/>
+                <a:tab pos="7962900" algn="l"/>
+                <a:tab pos="8686800" algn="l"/>
+              </a:tabLst>
+            </a:pPr>
+            <a:endParaRPr lang="de-DE" sz="2800"/>
+          </a:p>
+          <a:p>
+            <a:pPr marL="0" indent="0">
+              <a:spcAft>
+                <a:spcPct val="0"/>
+              </a:spcAft>
+              <a:tabLst>
+                <a:tab pos="723900" algn="l"/>
+                <a:tab pos="1447800" algn="l"/>
+                <a:tab pos="2171700" algn="l"/>
+                <a:tab pos="2895600" algn="l"/>
+                <a:tab pos="3619500" algn="l"/>
+                <a:tab pos="4343400" algn="l"/>
+                <a:tab pos="5067300" algn="l"/>
+                <a:tab pos="5791200" algn="l"/>
+                <a:tab pos="6515100" algn="l"/>
+                <a:tab pos="7239000" algn="l"/>
+                <a:tab pos="7962900" algn="l"/>
+                <a:tab pos="8686800" algn="l"/>
+              </a:tabLst>
+            </a:pPr>
+            <a:r>
+              <a:rPr lang="de-DE" sz="2800"/>
+              <a:t>=&gt; Es kann Ihnen nicht der Fehler unterlaufen, dass Sie den Inhalt aus Versehen in einem anderen Programmteil verändern.</a:t>
+            </a:r>
+          </a:p>
+          <a:p>
+            <a:pPr marL="0" indent="0">
+              <a:spcAft>
+                <a:spcPct val="0"/>
+              </a:spcAft>
+              <a:buSzPct val="45000"/>
+              <a:buFont typeface="Wingdings" charset="2"/>
+              <a:buNone/>
+              <a:tabLst>
+                <a:tab pos="723900" algn="l"/>
+                <a:tab pos="1447800" algn="l"/>
+                <a:tab pos="2171700" algn="l"/>
+                <a:tab pos="2895600" algn="l"/>
+                <a:tab pos="3619500" algn="l"/>
+                <a:tab pos="4343400" algn="l"/>
+                <a:tab pos="5067300" algn="l"/>
+                <a:tab pos="5791200" algn="l"/>
+                <a:tab pos="6515100" algn="l"/>
+                <a:tab pos="7239000" algn="l"/>
+                <a:tab pos="7962900" algn="l"/>
+                <a:tab pos="8686800" algn="l"/>
+              </a:tabLst>
+            </a:pPr>
+            <a:endParaRPr lang="de-DE"/>
           </a:p>
         </p:txBody>
       </p:sp>
@@ -8263,7 +8536,7 @@
           <a:bodyPr/>
           <a:lstStyle/>
           <a:p>
-            <a:fld id="{BB9AB23E-6FB1-4427-927A-46B7C816D0E7}" type="slidenum">
+            <a:fld id="{C0C61991-BD8E-4FC5-A7CA-84234C1F89BB}" type="slidenum">
               <a:rPr lang="de-DE"/>
               <a:pPr/>
               <a:t>13</a:t>
@@ -8274,7 +8547,7 @@
       </p:sp>
       <p:sp>
         <p:nvSpPr>
-          <p:cNvPr id="15361" name="AutoShape 1"/>
+          <p:cNvPr id="14337" name="AutoShape 1"/>
           <p:cNvSpPr>
             <a:spLocks noChangeArrowheads="1"/>
           </p:cNvSpPr>
@@ -8313,7 +8586,7 @@
       </p:sp>
       <p:sp>
         <p:nvSpPr>
-          <p:cNvPr id="15362" name="Rectangle 2"/>
+          <p:cNvPr id="14338" name="Rectangle 2"/>
           <p:cNvSpPr>
             <a:spLocks noGrp="1" noChangeArrowheads="1"/>
           </p:cNvSpPr>
@@ -8354,14 +8627,14 @@
                   <a:srgbClr val="FFFFFF"/>
                 </a:solidFill>
               </a:rPr>
-              <a:t>static (1)</a:t>
-            </a:r>
-          </a:p>
-        </p:txBody>
-      </p:sp>
-      <p:sp>
-        <p:nvSpPr>
-          <p:cNvPr id="15363" name="Rectangle 3"/>
+              <a:t>Übung - final</a:t>
+            </a:r>
+          </a:p>
+        </p:txBody>
+      </p:sp>
+      <p:sp>
+        <p:nvSpPr>
+          <p:cNvPr id="14339" name="Rectangle 3"/>
           <p:cNvSpPr>
             <a:spLocks noGrp="1" noChangeArrowheads="1"/>
           </p:cNvSpPr>
@@ -8372,7 +8645,7 @@
         <p:spPr bwMode="auto">
           <a:xfrm>
             <a:off x="504825" y="1619250"/>
-            <a:ext cx="9070975" cy="5995988"/>
+            <a:ext cx="9070975" cy="4989513"/>
           </a:xfrm>
           <a:prstGeom prst="rect">
             <a:avLst/>
@@ -8384,372 +8657,41 @@
           <a:bodyPr lIns="0" tIns="24695" rIns="0" bIns="0"/>
           <a:lstStyle/>
           <a:p>
-            <a:pPr marL="269875" indent="-269875">
-              <a:spcAft>
-                <a:spcPct val="0"/>
-              </a:spcAft>
-              <a:tabLst>
-                <a:tab pos="723900" algn="l"/>
-                <a:tab pos="1447800" algn="l"/>
-                <a:tab pos="2171700" algn="l"/>
-                <a:tab pos="2895600" algn="l"/>
-                <a:tab pos="3619500" algn="l"/>
-                <a:tab pos="4343400" algn="l"/>
-                <a:tab pos="5067300" algn="l"/>
-                <a:tab pos="5791200" algn="l"/>
-                <a:tab pos="6515100" algn="l"/>
-                <a:tab pos="7239000" algn="l"/>
-                <a:tab pos="7962900" algn="l"/>
-                <a:tab pos="8686800" algn="l"/>
-              </a:tabLst>
-            </a:pPr>
-            <a:r>
-              <a:rPr lang="de-DE" sz="2800"/>
-              <a:t>Sie haben in der letzten Veranstaltung das Definieren</a:t>
-            </a:r>
-          </a:p>
-          <a:p>
-            <a:pPr marL="269875" indent="-269875">
-              <a:spcAft>
-                <a:spcPct val="0"/>
-              </a:spcAft>
-              <a:tabLst>
-                <a:tab pos="723900" algn="l"/>
-                <a:tab pos="1447800" algn="l"/>
-                <a:tab pos="2171700" algn="l"/>
-                <a:tab pos="2895600" algn="l"/>
-                <a:tab pos="3619500" algn="l"/>
-                <a:tab pos="4343400" algn="l"/>
-                <a:tab pos="5067300" algn="l"/>
-                <a:tab pos="5791200" algn="l"/>
-                <a:tab pos="6515100" algn="l"/>
-                <a:tab pos="7239000" algn="l"/>
-                <a:tab pos="7962900" algn="l"/>
-                <a:tab pos="8686800" algn="l"/>
-              </a:tabLst>
-            </a:pPr>
-            <a:r>
-              <a:rPr lang="de-DE" sz="2800"/>
-              <a:t>von Klassen kennengelernt, mit dem Ziel, Objekte</a:t>
-            </a:r>
-          </a:p>
-          <a:p>
-            <a:pPr marL="269875" indent="-269875">
-              <a:spcAft>
-                <a:spcPct val="0"/>
-              </a:spcAft>
-              <a:tabLst>
-                <a:tab pos="723900" algn="l"/>
-                <a:tab pos="1447800" algn="l"/>
-                <a:tab pos="2171700" algn="l"/>
-                <a:tab pos="2895600" algn="l"/>
-                <a:tab pos="3619500" algn="l"/>
-                <a:tab pos="4343400" algn="l"/>
-                <a:tab pos="5067300" algn="l"/>
-                <a:tab pos="5791200" algn="l"/>
-                <a:tab pos="6515100" algn="l"/>
-                <a:tab pos="7239000" algn="l"/>
-                <a:tab pos="7962900" algn="l"/>
-                <a:tab pos="8686800" algn="l"/>
-              </a:tabLst>
-            </a:pPr>
-            <a:r>
-              <a:rPr lang="de-DE" sz="2800"/>
-              <a:t>dieser Klassen zu erstellen:</a:t>
-            </a:r>
-          </a:p>
-          <a:p>
-            <a:pPr marL="269875" indent="-269875">
-              <a:spcAft>
-                <a:spcPct val="0"/>
-              </a:spcAft>
-              <a:tabLst>
-                <a:tab pos="723900" algn="l"/>
-                <a:tab pos="1447800" algn="l"/>
-                <a:tab pos="2171700" algn="l"/>
-                <a:tab pos="2895600" algn="l"/>
-                <a:tab pos="3619500" algn="l"/>
-                <a:tab pos="4343400" algn="l"/>
-                <a:tab pos="5067300" algn="l"/>
-                <a:tab pos="5791200" algn="l"/>
-                <a:tab pos="6515100" algn="l"/>
-                <a:tab pos="7239000" algn="l"/>
-                <a:tab pos="7962900" algn="l"/>
-                <a:tab pos="8686800" algn="l"/>
-              </a:tabLst>
-            </a:pPr>
-            <a:endParaRPr lang="de-DE" sz="2800"/>
-          </a:p>
-          <a:p>
-            <a:pPr marL="269875" indent="-269875">
-              <a:lnSpc>
-                <a:spcPct val="89000"/>
-              </a:lnSpc>
-              <a:spcAft>
-                <a:spcPct val="0"/>
-              </a:spcAft>
-              <a:tabLst>
-                <a:tab pos="723900" algn="l"/>
-                <a:tab pos="1447800" algn="l"/>
-                <a:tab pos="2171700" algn="l"/>
-                <a:tab pos="2895600" algn="l"/>
-                <a:tab pos="3619500" algn="l"/>
-                <a:tab pos="4343400" algn="l"/>
-                <a:tab pos="5067300" algn="l"/>
-                <a:tab pos="5791200" algn="l"/>
-                <a:tab pos="6515100" algn="l"/>
-                <a:tab pos="7239000" algn="l"/>
-                <a:tab pos="7962900" algn="l"/>
-                <a:tab pos="8686800" algn="l"/>
-              </a:tabLst>
-            </a:pPr>
-            <a:r>
-              <a:rPr lang="de-DE" sz="2800">
+            <a:pPr marL="457200" indent="-457200">
+              <a:spcAft>
+                <a:spcPct val="0"/>
+              </a:spcAft>
+              <a:buFont typeface="Arial" panose="020B0604020202020204" pitchFamily="34" charset="0"/>
+              <a:buChar char="•"/>
+              <a:tabLst>
+                <a:tab pos="723900" algn="l"/>
+                <a:tab pos="1447800" algn="l"/>
+                <a:tab pos="2171700" algn="l"/>
+                <a:tab pos="2895600" algn="l"/>
+                <a:tab pos="3619500" algn="l"/>
+                <a:tab pos="4343400" algn="l"/>
+                <a:tab pos="5067300" algn="l"/>
+                <a:tab pos="5791200" algn="l"/>
+                <a:tab pos="6515100" algn="l"/>
+                <a:tab pos="7239000" algn="l"/>
+                <a:tab pos="7962900" algn="l"/>
+                <a:tab pos="8686800" algn="l"/>
+              </a:tabLst>
+            </a:pPr>
+            <a:r>
+              <a:rPr lang="de-DE" sz="2800" dirty="0"/>
+              <a:t>Ändern Sie die Klasse </a:t>
+            </a:r>
+            <a:r>
+              <a:rPr lang="de-DE" sz="2800" dirty="0">
                 <a:latin typeface="Courier New" pitchFamily="49" charset="0"/>
               </a:rPr>
-              <a:t>Auto testwagen = new Auto();</a:t>
-            </a:r>
-          </a:p>
-          <a:p>
-            <a:pPr marL="269875" indent="-269875">
-              <a:lnSpc>
-                <a:spcPct val="89000"/>
-              </a:lnSpc>
-              <a:spcAft>
-                <a:spcPct val="0"/>
-              </a:spcAft>
-              <a:tabLst>
-                <a:tab pos="723900" algn="l"/>
-                <a:tab pos="1447800" algn="l"/>
-                <a:tab pos="2171700" algn="l"/>
-                <a:tab pos="2895600" algn="l"/>
-                <a:tab pos="3619500" algn="l"/>
-                <a:tab pos="4343400" algn="l"/>
-                <a:tab pos="5067300" algn="l"/>
-                <a:tab pos="5791200" algn="l"/>
-                <a:tab pos="6515100" algn="l"/>
-                <a:tab pos="7239000" algn="l"/>
-                <a:tab pos="7962900" algn="l"/>
-                <a:tab pos="8686800" algn="l"/>
-              </a:tabLst>
-            </a:pPr>
-            <a:endParaRPr lang="de-DE" sz="2800">
-              <a:latin typeface="Courier New" pitchFamily="49" charset="0"/>
-            </a:endParaRPr>
-          </a:p>
-          <a:p>
-            <a:pPr marL="269875" indent="-269875">
-              <a:lnSpc>
-                <a:spcPct val="89000"/>
-              </a:lnSpc>
-              <a:spcAft>
-                <a:spcPct val="0"/>
-              </a:spcAft>
-              <a:tabLst>
-                <a:tab pos="723900" algn="l"/>
-                <a:tab pos="1447800" algn="l"/>
-                <a:tab pos="2171700" algn="l"/>
-                <a:tab pos="2895600" algn="l"/>
-                <a:tab pos="3619500" algn="l"/>
-                <a:tab pos="4343400" algn="l"/>
-                <a:tab pos="5067300" algn="l"/>
-                <a:tab pos="5791200" algn="l"/>
-                <a:tab pos="6515100" algn="l"/>
-                <a:tab pos="7239000" algn="l"/>
-                <a:tab pos="7962900" algn="l"/>
-                <a:tab pos="8686800" algn="l"/>
-              </a:tabLst>
-            </a:pPr>
-            <a:r>
-              <a:rPr lang="de-DE" sz="2800">
-                <a:latin typeface="Courier New" pitchFamily="49" charset="0"/>
-              </a:rPr>
-              <a:t>testwagen.fahre();</a:t>
-            </a:r>
-          </a:p>
-          <a:p>
-            <a:pPr marL="269875" indent="-269875">
-              <a:lnSpc>
-                <a:spcPct val="89000"/>
-              </a:lnSpc>
-              <a:spcAft>
-                <a:spcPct val="0"/>
-              </a:spcAft>
-              <a:tabLst>
-                <a:tab pos="723900" algn="l"/>
-                <a:tab pos="1447800" algn="l"/>
-                <a:tab pos="2171700" algn="l"/>
-                <a:tab pos="2895600" algn="l"/>
-                <a:tab pos="3619500" algn="l"/>
-                <a:tab pos="4343400" algn="l"/>
-                <a:tab pos="5067300" algn="l"/>
-                <a:tab pos="5791200" algn="l"/>
-                <a:tab pos="6515100" algn="l"/>
-                <a:tab pos="7239000" algn="l"/>
-                <a:tab pos="7962900" algn="l"/>
-                <a:tab pos="8686800" algn="l"/>
-              </a:tabLst>
-            </a:pPr>
-            <a:r>
-              <a:rPr lang="de-DE" sz="2800">
-                <a:latin typeface="Courier New" pitchFamily="49" charset="0"/>
-              </a:rPr>
-              <a:t>testwagen.tanke();</a:t>
-            </a:r>
-          </a:p>
-          <a:p>
-            <a:pPr marL="269875" indent="-269875">
-              <a:spcAft>
-                <a:spcPct val="0"/>
-              </a:spcAft>
-              <a:tabLst>
-                <a:tab pos="723900" algn="l"/>
-                <a:tab pos="1447800" algn="l"/>
-                <a:tab pos="2171700" algn="l"/>
-                <a:tab pos="2895600" algn="l"/>
-                <a:tab pos="3619500" algn="l"/>
-                <a:tab pos="4343400" algn="l"/>
-                <a:tab pos="5067300" algn="l"/>
-                <a:tab pos="5791200" algn="l"/>
-                <a:tab pos="6515100" algn="l"/>
-                <a:tab pos="7239000" algn="l"/>
-                <a:tab pos="7962900" algn="l"/>
-                <a:tab pos="8686800" algn="l"/>
-              </a:tabLst>
-            </a:pPr>
-            <a:r>
-              <a:rPr lang="de-DE" sz="2800"/>
-              <a:t/>
-            </a:r>
-            <a:br>
-              <a:rPr lang="de-DE" sz="2800"/>
-            </a:br>
-            <a:endParaRPr lang="de-DE" sz="2800"/>
-          </a:p>
-          <a:p>
-            <a:pPr marL="269875" indent="-269875">
-              <a:spcAft>
-                <a:spcPct val="0"/>
-              </a:spcAft>
-              <a:tabLst>
-                <a:tab pos="723900" algn="l"/>
-                <a:tab pos="1447800" algn="l"/>
-                <a:tab pos="2171700" algn="l"/>
-                <a:tab pos="2895600" algn="l"/>
-                <a:tab pos="3619500" algn="l"/>
-                <a:tab pos="4343400" algn="l"/>
-                <a:tab pos="5067300" algn="l"/>
-                <a:tab pos="5791200" algn="l"/>
-                <a:tab pos="6515100" algn="l"/>
-                <a:tab pos="7239000" algn="l"/>
-                <a:tab pos="7962900" algn="l"/>
-                <a:tab pos="8686800" algn="l"/>
-              </a:tabLst>
-            </a:pPr>
-            <a:r>
-              <a:rPr lang="de-DE" sz="2800"/>
-              <a:t>Dies ist insbesondere deshalb sinnvoll, da es auch</a:t>
-            </a:r>
-          </a:p>
-          <a:p>
-            <a:pPr marL="269875" indent="-269875">
-              <a:spcAft>
-                <a:spcPct val="0"/>
-              </a:spcAft>
-              <a:tabLst>
-                <a:tab pos="723900" algn="l"/>
-                <a:tab pos="1447800" algn="l"/>
-                <a:tab pos="2171700" algn="l"/>
-                <a:tab pos="2895600" algn="l"/>
-                <a:tab pos="3619500" algn="l"/>
-                <a:tab pos="4343400" algn="l"/>
-                <a:tab pos="5067300" algn="l"/>
-                <a:tab pos="5791200" algn="l"/>
-                <a:tab pos="6515100" algn="l"/>
-                <a:tab pos="7239000" algn="l"/>
-                <a:tab pos="7962900" algn="l"/>
-                <a:tab pos="8686800" algn="l"/>
-              </a:tabLst>
-            </a:pPr>
-            <a:r>
-              <a:rPr lang="de-DE" sz="2800"/>
-              <a:t>mehrere Autos mit jeweils individuellem Zustand geben</a:t>
-            </a:r>
-          </a:p>
-          <a:p>
-            <a:pPr marL="269875" indent="-269875">
-              <a:spcAft>
-                <a:spcPct val="0"/>
-              </a:spcAft>
-              <a:tabLst>
-                <a:tab pos="723900" algn="l"/>
-                <a:tab pos="1447800" algn="l"/>
-                <a:tab pos="2171700" algn="l"/>
-                <a:tab pos="2895600" algn="l"/>
-                <a:tab pos="3619500" algn="l"/>
-                <a:tab pos="4343400" algn="l"/>
-                <a:tab pos="5067300" algn="l"/>
-                <a:tab pos="5791200" algn="l"/>
-                <a:tab pos="6515100" algn="l"/>
-                <a:tab pos="7239000" algn="l"/>
-                <a:tab pos="7962900" algn="l"/>
-                <a:tab pos="8686800" algn="l"/>
-              </a:tabLst>
-            </a:pPr>
-            <a:r>
-              <a:rPr lang="de-DE" sz="2800"/>
-              <a:t>kann.</a:t>
-            </a:r>
-          </a:p>
-          <a:p>
-            <a:pPr marL="269875" indent="-269875">
-              <a:spcAft>
-                <a:spcPct val="0"/>
-              </a:spcAft>
-              <a:buSzPct val="45000"/>
-              <a:buFont typeface="Wingdings" charset="2"/>
-              <a:buNone/>
-              <a:tabLst>
-                <a:tab pos="723900" algn="l"/>
-                <a:tab pos="1447800" algn="l"/>
-                <a:tab pos="2171700" algn="l"/>
-                <a:tab pos="2895600" algn="l"/>
-                <a:tab pos="3619500" algn="l"/>
-                <a:tab pos="4343400" algn="l"/>
-                <a:tab pos="5067300" algn="l"/>
-                <a:tab pos="5791200" algn="l"/>
-                <a:tab pos="6515100" algn="l"/>
-                <a:tab pos="7239000" algn="l"/>
-                <a:tab pos="7962900" algn="l"/>
-                <a:tab pos="8686800" algn="l"/>
-              </a:tabLst>
-            </a:pPr>
-            <a:endParaRPr lang="de-DE"/>
-          </a:p>
-          <a:p>
-            <a:pPr marL="269875" indent="-269875">
-              <a:spcAft>
-                <a:spcPct val="0"/>
-              </a:spcAft>
-              <a:buSzPct val="45000"/>
-              <a:buFont typeface="Wingdings" charset="2"/>
-              <a:buNone/>
-              <a:tabLst>
-                <a:tab pos="723900" algn="l"/>
-                <a:tab pos="1447800" algn="l"/>
-                <a:tab pos="2171700" algn="l"/>
-                <a:tab pos="2895600" algn="l"/>
-                <a:tab pos="3619500" algn="l"/>
-                <a:tab pos="4343400" algn="l"/>
-                <a:tab pos="5067300" algn="l"/>
-                <a:tab pos="5791200" algn="l"/>
-                <a:tab pos="6515100" algn="l"/>
-                <a:tab pos="7239000" algn="l"/>
-                <a:tab pos="7962900" algn="l"/>
-                <a:tab pos="8686800" algn="l"/>
-              </a:tabLst>
-            </a:pPr>
-            <a:endParaRPr lang="de-DE"/>
+              <a:t>Auto</a:t>
+            </a:r>
+            <a:r>
+              <a:rPr lang="de-DE" sz="2800" dirty="0"/>
+              <a:t> aus der vorangegangenen Veranstaltung derart, dass sich der Verbrauch eines Autos nach der Erzeugung eines Objektes nicht mehr verändern kann.</a:t>
+            </a:r>
           </a:p>
         </p:txBody>
       </p:sp>
@@ -8843,7 +8785,7 @@
           <a:bodyPr/>
           <a:lstStyle/>
           <a:p>
-            <a:fld id="{FB4CC7AC-653C-4438-B18D-4330F87D86E1}" type="slidenum">
+            <a:fld id="{BB9AB23E-6FB1-4427-927A-46B7C816D0E7}" type="slidenum">
               <a:rPr lang="de-DE"/>
               <a:pPr/>
               <a:t>14</a:t>
@@ -8854,7 +8796,7 @@
       </p:sp>
       <p:sp>
         <p:nvSpPr>
-          <p:cNvPr id="16385" name="AutoShape 1"/>
+          <p:cNvPr id="15361" name="AutoShape 1"/>
           <p:cNvSpPr>
             <a:spLocks noChangeArrowheads="1"/>
           </p:cNvSpPr>
@@ -8893,7 +8835,7 @@
       </p:sp>
       <p:sp>
         <p:nvSpPr>
-          <p:cNvPr id="16386" name="Rectangle 2"/>
+          <p:cNvPr id="15362" name="Rectangle 2"/>
           <p:cNvSpPr>
             <a:spLocks noGrp="1" noChangeArrowheads="1"/>
           </p:cNvSpPr>
@@ -8934,14 +8876,14 @@
                   <a:srgbClr val="FFFFFF"/>
                 </a:solidFill>
               </a:rPr>
-              <a:t>static (2)</a:t>
-            </a:r>
-          </a:p>
-        </p:txBody>
-      </p:sp>
-      <p:sp>
-        <p:nvSpPr>
-          <p:cNvPr id="16387" name="Rectangle 3"/>
+              <a:t>static (1)</a:t>
+            </a:r>
+          </a:p>
+        </p:txBody>
+      </p:sp>
+      <p:sp>
+        <p:nvSpPr>
+          <p:cNvPr id="15363" name="Rectangle 3"/>
           <p:cNvSpPr>
             <a:spLocks noGrp="1" noChangeArrowheads="1"/>
           </p:cNvSpPr>
@@ -8952,7 +8894,7 @@
         <p:spPr bwMode="auto">
           <a:xfrm>
             <a:off x="504825" y="1619250"/>
-            <a:ext cx="9070975" cy="5299075"/>
+            <a:ext cx="9070975" cy="5995988"/>
           </a:xfrm>
           <a:prstGeom prst="rect">
             <a:avLst/>
@@ -8961,8 +8903,105 @@
           <a:ln/>
         </p:spPr>
         <p:txBody>
-          <a:bodyPr lIns="0" tIns="38808" rIns="0" bIns="0"/>
+          <a:bodyPr lIns="0" tIns="24695" rIns="0" bIns="0"/>
           <a:lstStyle/>
+          <a:p>
+            <a:pPr marL="269875" indent="-269875">
+              <a:spcAft>
+                <a:spcPct val="0"/>
+              </a:spcAft>
+              <a:tabLst>
+                <a:tab pos="723900" algn="l"/>
+                <a:tab pos="1447800" algn="l"/>
+                <a:tab pos="2171700" algn="l"/>
+                <a:tab pos="2895600" algn="l"/>
+                <a:tab pos="3619500" algn="l"/>
+                <a:tab pos="4343400" algn="l"/>
+                <a:tab pos="5067300" algn="l"/>
+                <a:tab pos="5791200" algn="l"/>
+                <a:tab pos="6515100" algn="l"/>
+                <a:tab pos="7239000" algn="l"/>
+                <a:tab pos="7962900" algn="l"/>
+                <a:tab pos="8686800" algn="l"/>
+              </a:tabLst>
+            </a:pPr>
+            <a:r>
+              <a:rPr lang="de-DE" sz="2800"/>
+              <a:t>Sie haben in der letzten Veranstaltung das Definieren</a:t>
+            </a:r>
+          </a:p>
+          <a:p>
+            <a:pPr marL="269875" indent="-269875">
+              <a:spcAft>
+                <a:spcPct val="0"/>
+              </a:spcAft>
+              <a:tabLst>
+                <a:tab pos="723900" algn="l"/>
+                <a:tab pos="1447800" algn="l"/>
+                <a:tab pos="2171700" algn="l"/>
+                <a:tab pos="2895600" algn="l"/>
+                <a:tab pos="3619500" algn="l"/>
+                <a:tab pos="4343400" algn="l"/>
+                <a:tab pos="5067300" algn="l"/>
+                <a:tab pos="5791200" algn="l"/>
+                <a:tab pos="6515100" algn="l"/>
+                <a:tab pos="7239000" algn="l"/>
+                <a:tab pos="7962900" algn="l"/>
+                <a:tab pos="8686800" algn="l"/>
+              </a:tabLst>
+            </a:pPr>
+            <a:r>
+              <a:rPr lang="de-DE" sz="2800"/>
+              <a:t>von Klassen kennengelernt, mit dem Ziel, Objekte</a:t>
+            </a:r>
+          </a:p>
+          <a:p>
+            <a:pPr marL="269875" indent="-269875">
+              <a:spcAft>
+                <a:spcPct val="0"/>
+              </a:spcAft>
+              <a:tabLst>
+                <a:tab pos="723900" algn="l"/>
+                <a:tab pos="1447800" algn="l"/>
+                <a:tab pos="2171700" algn="l"/>
+                <a:tab pos="2895600" algn="l"/>
+                <a:tab pos="3619500" algn="l"/>
+                <a:tab pos="4343400" algn="l"/>
+                <a:tab pos="5067300" algn="l"/>
+                <a:tab pos="5791200" algn="l"/>
+                <a:tab pos="6515100" algn="l"/>
+                <a:tab pos="7239000" algn="l"/>
+                <a:tab pos="7962900" algn="l"/>
+                <a:tab pos="8686800" algn="l"/>
+              </a:tabLst>
+            </a:pPr>
+            <a:r>
+              <a:rPr lang="de-DE" sz="2800"/>
+              <a:t>dieser Klassen zu erstellen:</a:t>
+            </a:r>
+          </a:p>
+          <a:p>
+            <a:pPr marL="269875" indent="-269875">
+              <a:spcAft>
+                <a:spcPct val="0"/>
+              </a:spcAft>
+              <a:tabLst>
+                <a:tab pos="723900" algn="l"/>
+                <a:tab pos="1447800" algn="l"/>
+                <a:tab pos="2171700" algn="l"/>
+                <a:tab pos="2895600" algn="l"/>
+                <a:tab pos="3619500" algn="l"/>
+                <a:tab pos="4343400" algn="l"/>
+                <a:tab pos="5067300" algn="l"/>
+                <a:tab pos="5791200" algn="l"/>
+                <a:tab pos="6515100" algn="l"/>
+                <a:tab pos="7239000" algn="l"/>
+                <a:tab pos="7962900" algn="l"/>
+                <a:tab pos="8686800" algn="l"/>
+              </a:tabLst>
+            </a:pPr>
+            <a:endParaRPr lang="de-DE" sz="2800"/>
+          </a:p>
           <a:p>
             <a:pPr marL="269875" indent="-269875">
               <a:lnSpc>
@@ -8990,179 +9029,124 @@
               <a:rPr lang="de-DE" sz="2800">
                 <a:latin typeface="Courier New" pitchFamily="49" charset="0"/>
               </a:rPr>
-              <a:t>fahre()</a:t>
-            </a:r>
-            <a:r>
-              <a:rPr lang="de-DE" sz="2800"/>
-              <a:t> und </a:t>
-            </a:r>
+              <a:t>Auto testwagen = new Auto();</a:t>
+            </a:r>
+          </a:p>
+          <a:p>
+            <a:pPr marL="269875" indent="-269875">
+              <a:lnSpc>
+                <a:spcPct val="89000"/>
+              </a:lnSpc>
+              <a:spcAft>
+                <a:spcPct val="0"/>
+              </a:spcAft>
+              <a:tabLst>
+                <a:tab pos="723900" algn="l"/>
+                <a:tab pos="1447800" algn="l"/>
+                <a:tab pos="2171700" algn="l"/>
+                <a:tab pos="2895600" algn="l"/>
+                <a:tab pos="3619500" algn="l"/>
+                <a:tab pos="4343400" algn="l"/>
+                <a:tab pos="5067300" algn="l"/>
+                <a:tab pos="5791200" algn="l"/>
+                <a:tab pos="6515100" algn="l"/>
+                <a:tab pos="7239000" algn="l"/>
+                <a:tab pos="7962900" algn="l"/>
+                <a:tab pos="8686800" algn="l"/>
+              </a:tabLst>
+            </a:pPr>
+            <a:endParaRPr lang="de-DE" sz="2800">
+              <a:latin typeface="Courier New" pitchFamily="49" charset="0"/>
+            </a:endParaRPr>
+          </a:p>
+          <a:p>
+            <a:pPr marL="269875" indent="-269875">
+              <a:lnSpc>
+                <a:spcPct val="89000"/>
+              </a:lnSpc>
+              <a:spcAft>
+                <a:spcPct val="0"/>
+              </a:spcAft>
+              <a:tabLst>
+                <a:tab pos="723900" algn="l"/>
+                <a:tab pos="1447800" algn="l"/>
+                <a:tab pos="2171700" algn="l"/>
+                <a:tab pos="2895600" algn="l"/>
+                <a:tab pos="3619500" algn="l"/>
+                <a:tab pos="4343400" algn="l"/>
+                <a:tab pos="5067300" algn="l"/>
+                <a:tab pos="5791200" algn="l"/>
+                <a:tab pos="6515100" algn="l"/>
+                <a:tab pos="7239000" algn="l"/>
+                <a:tab pos="7962900" algn="l"/>
+                <a:tab pos="8686800" algn="l"/>
+              </a:tabLst>
+            </a:pPr>
             <a:r>
               <a:rPr lang="de-DE" sz="2800">
                 <a:latin typeface="Courier New" pitchFamily="49" charset="0"/>
               </a:rPr>
-              <a:t>tanke()</a:t>
-            </a:r>
-            <a:r>
-              <a:rPr lang="de-DE" sz="2800"/>
-              <a:t> sind jeweils abhängig vom</a:t>
+              <a:t>testwagen.fahre();</a:t>
             </a:r>
           </a:p>
           <a:p>
             <a:pPr marL="269875" indent="-269875">
-              <a:spcAft>
-                <a:spcPct val="0"/>
-              </a:spcAft>
-              <a:tabLst>
-                <a:tab pos="723900" algn="l"/>
-                <a:tab pos="1447800" algn="l"/>
-                <a:tab pos="2171700" algn="l"/>
-                <a:tab pos="2895600" algn="l"/>
-                <a:tab pos="3619500" algn="l"/>
-                <a:tab pos="4343400" algn="l"/>
-                <a:tab pos="5067300" algn="l"/>
-                <a:tab pos="5791200" algn="l"/>
-                <a:tab pos="6515100" algn="l"/>
-                <a:tab pos="7239000" algn="l"/>
-                <a:tab pos="7962900" algn="l"/>
-                <a:tab pos="8686800" algn="l"/>
-              </a:tabLst>
-            </a:pPr>
-            <a:r>
-              <a:rPr lang="de-DE" sz="2800"/>
-              <a:t>jeweiligen Zustand des Auto-Objektes, auf dem sie</a:t>
-            </a:r>
-          </a:p>
-          <a:p>
-            <a:pPr marL="269875" indent="-269875">
-              <a:spcAft>
-                <a:spcPct val="0"/>
-              </a:spcAft>
-              <a:tabLst>
-                <a:tab pos="723900" algn="l"/>
-                <a:tab pos="1447800" algn="l"/>
-                <a:tab pos="2171700" algn="l"/>
-                <a:tab pos="2895600" algn="l"/>
-                <a:tab pos="3619500" algn="l"/>
-                <a:tab pos="4343400" algn="l"/>
-                <a:tab pos="5067300" algn="l"/>
-                <a:tab pos="5791200" algn="l"/>
-                <a:tab pos="6515100" algn="l"/>
-                <a:tab pos="7239000" algn="l"/>
-                <a:tab pos="7962900" algn="l"/>
-                <a:tab pos="8686800" algn="l"/>
-              </a:tabLst>
-            </a:pPr>
-            <a:r>
-              <a:rPr lang="de-DE" sz="2800"/>
-              <a:t>aufgerufen wurden.</a:t>
-            </a:r>
-          </a:p>
-          <a:p>
-            <a:pPr marL="269875" indent="-269875">
-              <a:spcAft>
-                <a:spcPct val="0"/>
-              </a:spcAft>
-              <a:tabLst>
-                <a:tab pos="723900" algn="l"/>
-                <a:tab pos="1447800" algn="l"/>
-                <a:tab pos="2171700" algn="l"/>
-                <a:tab pos="2895600" algn="l"/>
-                <a:tab pos="3619500" algn="l"/>
-                <a:tab pos="4343400" algn="l"/>
-                <a:tab pos="5067300" algn="l"/>
-                <a:tab pos="5791200" algn="l"/>
-                <a:tab pos="6515100" algn="l"/>
-                <a:tab pos="7239000" algn="l"/>
-                <a:tab pos="7962900" algn="l"/>
-                <a:tab pos="8686800" algn="l"/>
-              </a:tabLst>
-            </a:pPr>
-            <a:endParaRPr lang="de-DE" sz="2800"/>
-          </a:p>
-          <a:p>
-            <a:pPr marL="269875" indent="-269875">
-              <a:spcAft>
-                <a:spcPct val="0"/>
-              </a:spcAft>
-              <a:tabLst>
-                <a:tab pos="723900" algn="l"/>
-                <a:tab pos="1447800" algn="l"/>
-                <a:tab pos="2171700" algn="l"/>
-                <a:tab pos="2895600" algn="l"/>
-                <a:tab pos="3619500" algn="l"/>
-                <a:tab pos="4343400" algn="l"/>
-                <a:tab pos="5067300" algn="l"/>
-                <a:tab pos="5791200" algn="l"/>
-                <a:tab pos="6515100" algn="l"/>
-                <a:tab pos="7239000" algn="l"/>
-                <a:tab pos="7962900" algn="l"/>
-                <a:tab pos="8686800" algn="l"/>
-              </a:tabLst>
-            </a:pPr>
-            <a:r>
-              <a:rPr lang="de-DE" sz="2800"/>
-              <a:t>Funktionen, die unabhängig vom Zustand eines</a:t>
-            </a:r>
-          </a:p>
-          <a:p>
-            <a:pPr marL="269875" indent="-269875">
-              <a:spcAft>
-                <a:spcPct val="0"/>
-              </a:spcAft>
-              <a:tabLst>
-                <a:tab pos="723900" algn="l"/>
-                <a:tab pos="1447800" algn="l"/>
-                <a:tab pos="2171700" algn="l"/>
-                <a:tab pos="2895600" algn="l"/>
-                <a:tab pos="3619500" algn="l"/>
-                <a:tab pos="4343400" algn="l"/>
-                <a:tab pos="5067300" algn="l"/>
-                <a:tab pos="5791200" algn="l"/>
-                <a:tab pos="6515100" algn="l"/>
-                <a:tab pos="7239000" algn="l"/>
-                <a:tab pos="7962900" algn="l"/>
-                <a:tab pos="8686800" algn="l"/>
-              </a:tabLst>
-            </a:pPr>
-            <a:r>
-              <a:rPr lang="de-DE" sz="2800"/>
-              <a:t>einzelnen Objektes sind, können mit dem</a:t>
-            </a:r>
-          </a:p>
-          <a:p>
-            <a:pPr marL="269875" indent="-269875">
-              <a:spcAft>
-                <a:spcPct val="0"/>
-              </a:spcAft>
-              <a:tabLst>
-                <a:tab pos="723900" algn="l"/>
-                <a:tab pos="1447800" algn="l"/>
-                <a:tab pos="2171700" algn="l"/>
-                <a:tab pos="2895600" algn="l"/>
-                <a:tab pos="3619500" algn="l"/>
-                <a:tab pos="4343400" algn="l"/>
-                <a:tab pos="5067300" algn="l"/>
-                <a:tab pos="5791200" algn="l"/>
-                <a:tab pos="6515100" algn="l"/>
-                <a:tab pos="7239000" algn="l"/>
-                <a:tab pos="7962900" algn="l"/>
-                <a:tab pos="8686800" algn="l"/>
-              </a:tabLst>
-            </a:pPr>
-            <a:r>
-              <a:rPr lang="de-DE" sz="2800"/>
-              <a:t>Schlüsselwort </a:t>
-            </a:r>
+              <a:lnSpc>
+                <a:spcPct val="89000"/>
+              </a:lnSpc>
+              <a:spcAft>
+                <a:spcPct val="0"/>
+              </a:spcAft>
+              <a:tabLst>
+                <a:tab pos="723900" algn="l"/>
+                <a:tab pos="1447800" algn="l"/>
+                <a:tab pos="2171700" algn="l"/>
+                <a:tab pos="2895600" algn="l"/>
+                <a:tab pos="3619500" algn="l"/>
+                <a:tab pos="4343400" algn="l"/>
+                <a:tab pos="5067300" algn="l"/>
+                <a:tab pos="5791200" algn="l"/>
+                <a:tab pos="6515100" algn="l"/>
+                <a:tab pos="7239000" algn="l"/>
+                <a:tab pos="7962900" algn="l"/>
+                <a:tab pos="8686800" algn="l"/>
+              </a:tabLst>
+            </a:pPr>
             <a:r>
               <a:rPr lang="de-DE" sz="2800">
                 <a:latin typeface="Courier New" pitchFamily="49" charset="0"/>
               </a:rPr>
-              <a:t>static</a:t>
-            </a:r>
+              <a:t>testwagen.tanke();</a:t>
+            </a:r>
+          </a:p>
+          <a:p>
+            <a:pPr marL="269875" indent="-269875">
+              <a:spcAft>
+                <a:spcPct val="0"/>
+              </a:spcAft>
+              <a:tabLst>
+                <a:tab pos="723900" algn="l"/>
+                <a:tab pos="1447800" algn="l"/>
+                <a:tab pos="2171700" algn="l"/>
+                <a:tab pos="2895600" algn="l"/>
+                <a:tab pos="3619500" algn="l"/>
+                <a:tab pos="4343400" algn="l"/>
+                <a:tab pos="5067300" algn="l"/>
+                <a:tab pos="5791200" algn="l"/>
+                <a:tab pos="6515100" algn="l"/>
+                <a:tab pos="7239000" algn="l"/>
+                <a:tab pos="7962900" algn="l"/>
+                <a:tab pos="8686800" algn="l"/>
+              </a:tabLst>
+            </a:pPr>
             <a:r>
               <a:rPr lang="de-DE" sz="2800"/>
-              <a:t> gekennzeichnet werden.</a:t>
-            </a:r>
+              <a:t/>
+            </a:r>
+            <a:br>
+              <a:rPr lang="de-DE" sz="2800"/>
+            </a:br>
+            <a:endParaRPr lang="de-DE" sz="2800"/>
           </a:p>
           <a:p>
             <a:pPr marL="269875" indent="-269875">
@@ -9184,7 +9168,10 @@
                 <a:tab pos="8686800" algn="l"/>
               </a:tabLst>
             </a:pPr>
-            <a:endParaRPr lang="de-DE" sz="2800"/>
+            <a:r>
+              <a:rPr lang="de-DE" sz="2800"/>
+              <a:t>Dies ist insbesondere deshalb sinnvoll, da es auch</a:t>
+            </a:r>
           </a:p>
           <a:p>
             <a:pPr marL="269875" indent="-269875">
@@ -9208,7 +9195,7 @@
             </a:pPr>
             <a:r>
               <a:rPr lang="de-DE" sz="2800"/>
-              <a:t>Gleiches gilt für Variablen, die kein Attribut eines</a:t>
+              <a:t>mehrere Autos mit jeweils individuellem Zustand geben</a:t>
             </a:r>
           </a:p>
           <a:p>
@@ -9233,32 +9220,7 @@
             </a:pPr>
             <a:r>
               <a:rPr lang="de-DE" sz="2800"/>
-              <a:t>speziellen Objektes sind, sondern global für alle</a:t>
-            </a:r>
-          </a:p>
-          <a:p>
-            <a:pPr marL="269875" indent="-269875">
-              <a:spcAft>
-                <a:spcPct val="0"/>
-              </a:spcAft>
-              <a:tabLst>
-                <a:tab pos="723900" algn="l"/>
-                <a:tab pos="1447800" algn="l"/>
-                <a:tab pos="2171700" algn="l"/>
-                <a:tab pos="2895600" algn="l"/>
-                <a:tab pos="3619500" algn="l"/>
-                <a:tab pos="4343400" algn="l"/>
-                <a:tab pos="5067300" algn="l"/>
-                <a:tab pos="5791200" algn="l"/>
-                <a:tab pos="6515100" algn="l"/>
-                <a:tab pos="7239000" algn="l"/>
-                <a:tab pos="7962900" algn="l"/>
-                <a:tab pos="8686800" algn="l"/>
-              </a:tabLst>
-            </a:pPr>
-            <a:r>
-              <a:rPr lang="de-DE" sz="2800"/>
-              <a:t>Objekte einer Klasse gleich sind.</a:t>
+              <a:t>kann.</a:t>
             </a:r>
           </a:p>
           <a:p>
@@ -9403,7 +9365,7 @@
           <a:bodyPr/>
           <a:lstStyle/>
           <a:p>
-            <a:fld id="{CDB486B3-A0F1-4547-ACA0-EC7512856E02}" type="slidenum">
+            <a:fld id="{FB4CC7AC-653C-4438-B18D-4330F87D86E1}" type="slidenum">
               <a:rPr lang="de-DE"/>
               <a:pPr/>
               <a:t>15</a:t>
@@ -9414,7 +9376,7 @@
       </p:sp>
       <p:sp>
         <p:nvSpPr>
-          <p:cNvPr id="17409" name="AutoShape 1"/>
+          <p:cNvPr id="16385" name="AutoShape 1"/>
           <p:cNvSpPr>
             <a:spLocks noChangeArrowheads="1"/>
           </p:cNvSpPr>
@@ -9453,7 +9415,7 @@
       </p:sp>
       <p:sp>
         <p:nvSpPr>
-          <p:cNvPr id="17410" name="Rectangle 2"/>
+          <p:cNvPr id="16386" name="Rectangle 2"/>
           <p:cNvSpPr>
             <a:spLocks noGrp="1" noChangeArrowheads="1"/>
           </p:cNvSpPr>
@@ -9494,14 +9456,14 @@
                   <a:srgbClr val="FFFFFF"/>
                 </a:solidFill>
               </a:rPr>
-              <a:t>static (3)</a:t>
-            </a:r>
-          </a:p>
-        </p:txBody>
-      </p:sp>
-      <p:sp>
-        <p:nvSpPr>
-          <p:cNvPr id="17411" name="Rectangle 3"/>
+              <a:t>static (2)</a:t>
+            </a:r>
+          </a:p>
+        </p:txBody>
+      </p:sp>
+      <p:sp>
+        <p:nvSpPr>
+          <p:cNvPr id="16387" name="Rectangle 3"/>
           <p:cNvSpPr>
             <a:spLocks noGrp="1" noChangeArrowheads="1"/>
           </p:cNvSpPr>
@@ -9512,7 +9474,7 @@
         <p:spPr bwMode="auto">
           <a:xfrm>
             <a:off x="504825" y="1619250"/>
-            <a:ext cx="9070975" cy="4989513"/>
+            <a:ext cx="9070975" cy="5299075"/>
           </a:xfrm>
           <a:prstGeom prst="rect">
             <a:avLst/>
@@ -9521,31 +9483,197 @@
           <a:ln/>
         </p:spPr>
         <p:txBody>
-          <a:bodyPr lIns="0" tIns="24695" rIns="0" bIns="0"/>
+          <a:bodyPr lIns="0" tIns="38808" rIns="0" bIns="0"/>
           <a:lstStyle/>
           <a:p>
             <a:pPr marL="269875" indent="-269875">
-              <a:spcAft>
-                <a:spcPct val="0"/>
-              </a:spcAft>
-              <a:tabLst>
-                <a:tab pos="723900" algn="l"/>
-                <a:tab pos="1447800" algn="l"/>
-                <a:tab pos="2171700" algn="l"/>
-                <a:tab pos="2895600" algn="l"/>
-                <a:tab pos="3619500" algn="l"/>
-                <a:tab pos="4343400" algn="l"/>
-                <a:tab pos="5067300" algn="l"/>
-                <a:tab pos="5791200" algn="l"/>
-                <a:tab pos="6515100" algn="l"/>
-                <a:tab pos="7239000" algn="l"/>
-                <a:tab pos="7962900" algn="l"/>
-                <a:tab pos="8686800" algn="l"/>
-              </a:tabLst>
-            </a:pPr>
+              <a:lnSpc>
+                <a:spcPct val="89000"/>
+              </a:lnSpc>
+              <a:spcAft>
+                <a:spcPct val="0"/>
+              </a:spcAft>
+              <a:tabLst>
+                <a:tab pos="723900" algn="l"/>
+                <a:tab pos="1447800" algn="l"/>
+                <a:tab pos="2171700" algn="l"/>
+                <a:tab pos="2895600" algn="l"/>
+                <a:tab pos="3619500" algn="l"/>
+                <a:tab pos="4343400" algn="l"/>
+                <a:tab pos="5067300" algn="l"/>
+                <a:tab pos="5791200" algn="l"/>
+                <a:tab pos="6515100" algn="l"/>
+                <a:tab pos="7239000" algn="l"/>
+                <a:tab pos="7962900" algn="l"/>
+                <a:tab pos="8686800" algn="l"/>
+              </a:tabLst>
+            </a:pPr>
+            <a:r>
+              <a:rPr lang="de-DE" sz="2800">
+                <a:latin typeface="Courier New" pitchFamily="49" charset="0"/>
+              </a:rPr>
+              <a:t>fahre()</a:t>
+            </a:r>
             <a:r>
               <a:rPr lang="de-DE" sz="2800"/>
-              <a:t>Eine Methode oder ein Attribut </a:t>
+              <a:t> und </a:t>
+            </a:r>
+            <a:r>
+              <a:rPr lang="de-DE" sz="2800">
+                <a:latin typeface="Courier New" pitchFamily="49" charset="0"/>
+              </a:rPr>
+              <a:t>tanke()</a:t>
+            </a:r>
+            <a:r>
+              <a:rPr lang="de-DE" sz="2800"/>
+              <a:t> sind jeweils abhängig vom</a:t>
+            </a:r>
+          </a:p>
+          <a:p>
+            <a:pPr marL="269875" indent="-269875">
+              <a:spcAft>
+                <a:spcPct val="0"/>
+              </a:spcAft>
+              <a:tabLst>
+                <a:tab pos="723900" algn="l"/>
+                <a:tab pos="1447800" algn="l"/>
+                <a:tab pos="2171700" algn="l"/>
+                <a:tab pos="2895600" algn="l"/>
+                <a:tab pos="3619500" algn="l"/>
+                <a:tab pos="4343400" algn="l"/>
+                <a:tab pos="5067300" algn="l"/>
+                <a:tab pos="5791200" algn="l"/>
+                <a:tab pos="6515100" algn="l"/>
+                <a:tab pos="7239000" algn="l"/>
+                <a:tab pos="7962900" algn="l"/>
+                <a:tab pos="8686800" algn="l"/>
+              </a:tabLst>
+            </a:pPr>
+            <a:r>
+              <a:rPr lang="de-DE" sz="2800"/>
+              <a:t>jeweiligen Zustand des Auto-Objektes, auf dem sie</a:t>
+            </a:r>
+          </a:p>
+          <a:p>
+            <a:pPr marL="269875" indent="-269875">
+              <a:spcAft>
+                <a:spcPct val="0"/>
+              </a:spcAft>
+              <a:tabLst>
+                <a:tab pos="723900" algn="l"/>
+                <a:tab pos="1447800" algn="l"/>
+                <a:tab pos="2171700" algn="l"/>
+                <a:tab pos="2895600" algn="l"/>
+                <a:tab pos="3619500" algn="l"/>
+                <a:tab pos="4343400" algn="l"/>
+                <a:tab pos="5067300" algn="l"/>
+                <a:tab pos="5791200" algn="l"/>
+                <a:tab pos="6515100" algn="l"/>
+                <a:tab pos="7239000" algn="l"/>
+                <a:tab pos="7962900" algn="l"/>
+                <a:tab pos="8686800" algn="l"/>
+              </a:tabLst>
+            </a:pPr>
+            <a:r>
+              <a:rPr lang="de-DE" sz="2800"/>
+              <a:t>aufgerufen wurden.</a:t>
+            </a:r>
+          </a:p>
+          <a:p>
+            <a:pPr marL="269875" indent="-269875">
+              <a:spcAft>
+                <a:spcPct val="0"/>
+              </a:spcAft>
+              <a:tabLst>
+                <a:tab pos="723900" algn="l"/>
+                <a:tab pos="1447800" algn="l"/>
+                <a:tab pos="2171700" algn="l"/>
+                <a:tab pos="2895600" algn="l"/>
+                <a:tab pos="3619500" algn="l"/>
+                <a:tab pos="4343400" algn="l"/>
+                <a:tab pos="5067300" algn="l"/>
+                <a:tab pos="5791200" algn="l"/>
+                <a:tab pos="6515100" algn="l"/>
+                <a:tab pos="7239000" algn="l"/>
+                <a:tab pos="7962900" algn="l"/>
+                <a:tab pos="8686800" algn="l"/>
+              </a:tabLst>
+            </a:pPr>
+            <a:endParaRPr lang="de-DE" sz="2800"/>
+          </a:p>
+          <a:p>
+            <a:pPr marL="269875" indent="-269875">
+              <a:spcAft>
+                <a:spcPct val="0"/>
+              </a:spcAft>
+              <a:tabLst>
+                <a:tab pos="723900" algn="l"/>
+                <a:tab pos="1447800" algn="l"/>
+                <a:tab pos="2171700" algn="l"/>
+                <a:tab pos="2895600" algn="l"/>
+                <a:tab pos="3619500" algn="l"/>
+                <a:tab pos="4343400" algn="l"/>
+                <a:tab pos="5067300" algn="l"/>
+                <a:tab pos="5791200" algn="l"/>
+                <a:tab pos="6515100" algn="l"/>
+                <a:tab pos="7239000" algn="l"/>
+                <a:tab pos="7962900" algn="l"/>
+                <a:tab pos="8686800" algn="l"/>
+              </a:tabLst>
+            </a:pPr>
+            <a:r>
+              <a:rPr lang="de-DE" sz="2800"/>
+              <a:t>Funktionen, die unabhängig vom Zustand eines</a:t>
+            </a:r>
+          </a:p>
+          <a:p>
+            <a:pPr marL="269875" indent="-269875">
+              <a:spcAft>
+                <a:spcPct val="0"/>
+              </a:spcAft>
+              <a:tabLst>
+                <a:tab pos="723900" algn="l"/>
+                <a:tab pos="1447800" algn="l"/>
+                <a:tab pos="2171700" algn="l"/>
+                <a:tab pos="2895600" algn="l"/>
+                <a:tab pos="3619500" algn="l"/>
+                <a:tab pos="4343400" algn="l"/>
+                <a:tab pos="5067300" algn="l"/>
+                <a:tab pos="5791200" algn="l"/>
+                <a:tab pos="6515100" algn="l"/>
+                <a:tab pos="7239000" algn="l"/>
+                <a:tab pos="7962900" algn="l"/>
+                <a:tab pos="8686800" algn="l"/>
+              </a:tabLst>
+            </a:pPr>
+            <a:r>
+              <a:rPr lang="de-DE" sz="2800"/>
+              <a:t>einzelnen Objektes sind, können mit dem</a:t>
+            </a:r>
+          </a:p>
+          <a:p>
+            <a:pPr marL="269875" indent="-269875">
+              <a:spcAft>
+                <a:spcPct val="0"/>
+              </a:spcAft>
+              <a:tabLst>
+                <a:tab pos="723900" algn="l"/>
+                <a:tab pos="1447800" algn="l"/>
+                <a:tab pos="2171700" algn="l"/>
+                <a:tab pos="2895600" algn="l"/>
+                <a:tab pos="3619500" algn="l"/>
+                <a:tab pos="4343400" algn="l"/>
+                <a:tab pos="5067300" algn="l"/>
+                <a:tab pos="5791200" algn="l"/>
+                <a:tab pos="6515100" algn="l"/>
+                <a:tab pos="7239000" algn="l"/>
+                <a:tab pos="7962900" algn="l"/>
+                <a:tab pos="8686800" algn="l"/>
+              </a:tabLst>
+            </a:pPr>
+            <a:r>
+              <a:rPr lang="de-DE" sz="2800"/>
+              <a:t>Schlüsselwort </a:t>
             </a:r>
             <a:r>
               <a:rPr lang="de-DE" sz="2800">
@@ -9555,7 +9683,7 @@
             </a:r>
             <a:r>
               <a:rPr lang="de-DE" sz="2800"/>
-              <a:t> zu machen,</a:t>
+              <a:t> gekennzeichnet werden.</a:t>
             </a:r>
           </a:p>
           <a:p>
@@ -9578,9 +9706,31 @@
                 <a:tab pos="8686800" algn="l"/>
               </a:tabLst>
             </a:pPr>
+            <a:endParaRPr lang="de-DE" sz="2800"/>
+          </a:p>
+          <a:p>
+            <a:pPr marL="269875" indent="-269875">
+              <a:spcAft>
+                <a:spcPct val="0"/>
+              </a:spcAft>
+              <a:tabLst>
+                <a:tab pos="723900" algn="l"/>
+                <a:tab pos="1447800" algn="l"/>
+                <a:tab pos="2171700" algn="l"/>
+                <a:tab pos="2895600" algn="l"/>
+                <a:tab pos="3619500" algn="l"/>
+                <a:tab pos="4343400" algn="l"/>
+                <a:tab pos="5067300" algn="l"/>
+                <a:tab pos="5791200" algn="l"/>
+                <a:tab pos="6515100" algn="l"/>
+                <a:tab pos="7239000" algn="l"/>
+                <a:tab pos="7962900" algn="l"/>
+                <a:tab pos="8686800" algn="l"/>
+              </a:tabLst>
+            </a:pPr>
             <a:r>
               <a:rPr lang="de-DE" sz="2800"/>
-              <a:t>bedeutet, dass sie/es nicht zum Bauplan eines</a:t>
+              <a:t>Gleiches gilt für Variablen, die kein Attribut eines</a:t>
             </a:r>
           </a:p>
           <a:p>
@@ -9605,7 +9755,7 @@
             </a:pPr>
             <a:r>
               <a:rPr lang="de-DE" sz="2800"/>
-              <a:t>Objektes gehört.</a:t>
+              <a:t>speziellen Objektes sind, sondern global für alle</a:t>
             </a:r>
           </a:p>
           <a:p>
@@ -9628,128 +9778,9 @@
                 <a:tab pos="8686800" algn="l"/>
               </a:tabLst>
             </a:pPr>
-            <a:endParaRPr lang="de-DE" sz="2800"/>
-          </a:p>
-          <a:p>
-            <a:pPr marL="269875" indent="-269875">
-              <a:spcAft>
-                <a:spcPct val="0"/>
-              </a:spcAft>
-              <a:tabLst>
-                <a:tab pos="723900" algn="l"/>
-                <a:tab pos="1447800" algn="l"/>
-                <a:tab pos="2171700" algn="l"/>
-                <a:tab pos="2895600" algn="l"/>
-                <a:tab pos="3619500" algn="l"/>
-                <a:tab pos="4343400" algn="l"/>
-                <a:tab pos="5067300" algn="l"/>
-                <a:tab pos="5791200" algn="l"/>
-                <a:tab pos="6515100" algn="l"/>
-                <a:tab pos="7239000" algn="l"/>
-                <a:tab pos="7962900" algn="l"/>
-                <a:tab pos="8686800" algn="l"/>
-              </a:tabLst>
-            </a:pPr>
             <a:r>
               <a:rPr lang="de-DE" sz="2800"/>
-              <a:t>Man spricht von "statischen" Methoden und Attributen.</a:t>
-            </a:r>
-          </a:p>
-          <a:p>
-            <a:pPr marL="269875" indent="-269875">
-              <a:spcAft>
-                <a:spcPct val="0"/>
-              </a:spcAft>
-              <a:tabLst>
-                <a:tab pos="723900" algn="l"/>
-                <a:tab pos="1447800" algn="l"/>
-                <a:tab pos="2171700" algn="l"/>
-                <a:tab pos="2895600" algn="l"/>
-                <a:tab pos="3619500" algn="l"/>
-                <a:tab pos="4343400" algn="l"/>
-                <a:tab pos="5067300" algn="l"/>
-                <a:tab pos="5791200" algn="l"/>
-                <a:tab pos="6515100" algn="l"/>
-                <a:tab pos="7239000" algn="l"/>
-                <a:tab pos="7962900" algn="l"/>
-                <a:tab pos="8686800" algn="l"/>
-              </a:tabLst>
-            </a:pPr>
-            <a:endParaRPr lang="de-DE" sz="2800"/>
-          </a:p>
-          <a:p>
-            <a:pPr marL="269875" indent="-269875">
-              <a:spcAft>
-                <a:spcPct val="0"/>
-              </a:spcAft>
-              <a:tabLst>
-                <a:tab pos="723900" algn="l"/>
-                <a:tab pos="1447800" algn="l"/>
-                <a:tab pos="2171700" algn="l"/>
-                <a:tab pos="2895600" algn="l"/>
-                <a:tab pos="3619500" algn="l"/>
-                <a:tab pos="4343400" algn="l"/>
-                <a:tab pos="5067300" algn="l"/>
-                <a:tab pos="5791200" algn="l"/>
-                <a:tab pos="6515100" algn="l"/>
-                <a:tab pos="7239000" algn="l"/>
-                <a:tab pos="7962900" algn="l"/>
-                <a:tab pos="8686800" algn="l"/>
-              </a:tabLst>
-            </a:pPr>
-            <a:r>
-              <a:rPr lang="de-DE" sz="2800"/>
-              <a:t>=&gt; Werden Objekte der Klasse erzeugt, so werden die</a:t>
-            </a:r>
-          </a:p>
-          <a:p>
-            <a:pPr marL="269875" indent="-269875">
-              <a:spcAft>
-                <a:spcPct val="0"/>
-              </a:spcAft>
-              <a:tabLst>
-                <a:tab pos="723900" algn="l"/>
-                <a:tab pos="1447800" algn="l"/>
-                <a:tab pos="2171700" algn="l"/>
-                <a:tab pos="2895600" algn="l"/>
-                <a:tab pos="3619500" algn="l"/>
-                <a:tab pos="4343400" algn="l"/>
-                <a:tab pos="5067300" algn="l"/>
-                <a:tab pos="5791200" algn="l"/>
-                <a:tab pos="6515100" algn="l"/>
-                <a:tab pos="7239000" algn="l"/>
-                <a:tab pos="7962900" algn="l"/>
-                <a:tab pos="8686800" algn="l"/>
-              </a:tabLst>
-            </a:pPr>
-            <a:r>
-              <a:rPr lang="de-DE" sz="2800"/>
-              <a:t>static-Methoden und -Attribute kein individueller</a:t>
-            </a:r>
-          </a:p>
-          <a:p>
-            <a:pPr marL="269875" indent="-269875">
-              <a:spcAft>
-                <a:spcPct val="0"/>
-              </a:spcAft>
-              <a:tabLst>
-                <a:tab pos="723900" algn="l"/>
-                <a:tab pos="1447800" algn="l"/>
-                <a:tab pos="2171700" algn="l"/>
-                <a:tab pos="2895600" algn="l"/>
-                <a:tab pos="3619500" algn="l"/>
-                <a:tab pos="4343400" algn="l"/>
-                <a:tab pos="5067300" algn="l"/>
-                <a:tab pos="5791200" algn="l"/>
-                <a:tab pos="6515100" algn="l"/>
-                <a:tab pos="7239000" algn="l"/>
-                <a:tab pos="7962900" algn="l"/>
-                <a:tab pos="8686800" algn="l"/>
-              </a:tabLst>
-            </a:pPr>
-            <a:r>
-              <a:rPr lang="de-DE" sz="2800"/>
-              <a:t>Bestandteil der späteren Objekte.</a:t>
+              <a:t>Objekte einer Klasse gleich sind.</a:t>
             </a:r>
           </a:p>
           <a:p>
@@ -9894,7 +9925,7 @@
           <a:bodyPr/>
           <a:lstStyle/>
           <a:p>
-            <a:fld id="{CEC66F19-8651-414C-A55F-2D70CE8E3023}" type="slidenum">
+            <a:fld id="{CDB486B3-A0F1-4547-ACA0-EC7512856E02}" type="slidenum">
               <a:rPr lang="de-DE"/>
               <a:pPr/>
               <a:t>16</a:t>
@@ -9905,7 +9936,7 @@
       </p:sp>
       <p:sp>
         <p:nvSpPr>
-          <p:cNvPr id="18433" name="AutoShape 1"/>
+          <p:cNvPr id="17409" name="AutoShape 1"/>
           <p:cNvSpPr>
             <a:spLocks noChangeArrowheads="1"/>
           </p:cNvSpPr>
@@ -9944,7 +9975,7 @@
       </p:sp>
       <p:sp>
         <p:nvSpPr>
-          <p:cNvPr id="18434" name="Rectangle 2"/>
+          <p:cNvPr id="17410" name="Rectangle 2"/>
           <p:cNvSpPr>
             <a:spLocks noGrp="1" noChangeArrowheads="1"/>
           </p:cNvSpPr>
@@ -9985,14 +10016,14 @@
                   <a:srgbClr val="FFFFFF"/>
                 </a:solidFill>
               </a:rPr>
-              <a:t>static (4)</a:t>
-            </a:r>
-          </a:p>
-        </p:txBody>
-      </p:sp>
-      <p:sp>
-        <p:nvSpPr>
-          <p:cNvPr id="18435" name="Rectangle 3"/>
+              <a:t>static (3)</a:t>
+            </a:r>
+          </a:p>
+        </p:txBody>
+      </p:sp>
+      <p:sp>
+        <p:nvSpPr>
+          <p:cNvPr id="17411" name="Rectangle 3"/>
           <p:cNvSpPr>
             <a:spLocks noGrp="1" noChangeArrowheads="1"/>
           </p:cNvSpPr>
@@ -10003,7 +10034,7 @@
         <p:spPr bwMode="auto">
           <a:xfrm>
             <a:off x="504825" y="1619250"/>
-            <a:ext cx="9070975" cy="5265738"/>
+            <a:ext cx="9070975" cy="4989513"/>
           </a:xfrm>
           <a:prstGeom prst="rect">
             <a:avLst/>
@@ -10036,136 +10067,17 @@
             </a:pPr>
             <a:r>
               <a:rPr lang="de-DE" sz="2800"/>
-              <a:t>Statische Methoden können unmittelbar auf einer Klasse</a:t>
-            </a:r>
-          </a:p>
-          <a:p>
-            <a:pPr marL="269875" indent="-269875">
-              <a:spcAft>
-                <a:spcPct val="0"/>
-              </a:spcAft>
-              <a:tabLst>
-                <a:tab pos="723900" algn="l"/>
-                <a:tab pos="1447800" algn="l"/>
-                <a:tab pos="2171700" algn="l"/>
-                <a:tab pos="2895600" algn="l"/>
-                <a:tab pos="3619500" algn="l"/>
-                <a:tab pos="4343400" algn="l"/>
-                <a:tab pos="5067300" algn="l"/>
-                <a:tab pos="5791200" algn="l"/>
-                <a:tab pos="6515100" algn="l"/>
-                <a:tab pos="7239000" algn="l"/>
-                <a:tab pos="7962900" algn="l"/>
-                <a:tab pos="8686800" algn="l"/>
-              </a:tabLst>
-            </a:pPr>
-            <a:r>
-              <a:rPr lang="de-DE" sz="2800"/>
-              <a:t>aufgerufen werden – ohne ein Objekt zu erzeugen.</a:t>
-            </a:r>
-          </a:p>
-          <a:p>
-            <a:pPr marL="269875" indent="-269875">
-              <a:spcAft>
-                <a:spcPct val="0"/>
-              </a:spcAft>
-              <a:tabLst>
-                <a:tab pos="723900" algn="l"/>
-                <a:tab pos="1447800" algn="l"/>
-                <a:tab pos="2171700" algn="l"/>
-                <a:tab pos="2895600" algn="l"/>
-                <a:tab pos="3619500" algn="l"/>
-                <a:tab pos="4343400" algn="l"/>
-                <a:tab pos="5067300" algn="l"/>
-                <a:tab pos="5791200" algn="l"/>
-                <a:tab pos="6515100" algn="l"/>
-                <a:tab pos="7239000" algn="l"/>
-                <a:tab pos="7962900" algn="l"/>
-                <a:tab pos="8686800" algn="l"/>
-              </a:tabLst>
-            </a:pPr>
-            <a:endParaRPr lang="de-DE" sz="2800"/>
-          </a:p>
-          <a:p>
-            <a:pPr marL="269875" indent="-269875">
-              <a:spcAft>
-                <a:spcPct val="0"/>
-              </a:spcAft>
-              <a:tabLst>
-                <a:tab pos="723900" algn="l"/>
-                <a:tab pos="1447800" algn="l"/>
-                <a:tab pos="2171700" algn="l"/>
-                <a:tab pos="2895600" algn="l"/>
-                <a:tab pos="3619500" algn="l"/>
-                <a:tab pos="4343400" algn="l"/>
-                <a:tab pos="5067300" algn="l"/>
-                <a:tab pos="5791200" algn="l"/>
-                <a:tab pos="6515100" algn="l"/>
-                <a:tab pos="7239000" algn="l"/>
-                <a:tab pos="7962900" algn="l"/>
-                <a:tab pos="8686800" algn="l"/>
-              </a:tabLst>
-            </a:pPr>
-            <a:r>
-              <a:rPr lang="de-DE" sz="2800"/>
-              <a:t>Beispiel:</a:t>
-            </a:r>
-          </a:p>
-          <a:p>
-            <a:pPr marL="269875" indent="-269875">
-              <a:spcAft>
-                <a:spcPct val="0"/>
-              </a:spcAft>
-              <a:tabLst>
-                <a:tab pos="723900" algn="l"/>
-                <a:tab pos="1447800" algn="l"/>
-                <a:tab pos="2171700" algn="l"/>
-                <a:tab pos="2895600" algn="l"/>
-                <a:tab pos="3619500" algn="l"/>
-                <a:tab pos="4343400" algn="l"/>
-                <a:tab pos="5067300" algn="l"/>
-                <a:tab pos="5791200" algn="l"/>
-                <a:tab pos="6515100" algn="l"/>
-                <a:tab pos="7239000" algn="l"/>
-                <a:tab pos="7962900" algn="l"/>
-                <a:tab pos="8686800" algn="l"/>
-              </a:tabLst>
-            </a:pPr>
-            <a:endParaRPr lang="de-DE" sz="2800"/>
-          </a:p>
-          <a:p>
-            <a:pPr marL="269875" indent="-269875">
-              <a:spcAft>
-                <a:spcPct val="0"/>
-              </a:spcAft>
-              <a:tabLst>
-                <a:tab pos="723900" algn="l"/>
-                <a:tab pos="1447800" algn="l"/>
-                <a:tab pos="2171700" algn="l"/>
-                <a:tab pos="2895600" algn="l"/>
-                <a:tab pos="3619500" algn="l"/>
-                <a:tab pos="4343400" algn="l"/>
-                <a:tab pos="5067300" algn="l"/>
-                <a:tab pos="5791200" algn="l"/>
-                <a:tab pos="6515100" algn="l"/>
-                <a:tab pos="7239000" algn="l"/>
-                <a:tab pos="7962900" algn="l"/>
-                <a:tab pos="8686800" algn="l"/>
-              </a:tabLst>
-            </a:pPr>
-            <a:r>
-              <a:rPr lang="de-DE" sz="2800"/>
-              <a:t>Die Klasse </a:t>
+              <a:t>Eine Methode oder ein Attribut </a:t>
             </a:r>
             <a:r>
               <a:rPr lang="de-DE" sz="2800">
                 <a:latin typeface="Courier New" pitchFamily="49" charset="0"/>
               </a:rPr>
-              <a:t>Math</a:t>
+              <a:t>static</a:t>
             </a:r>
             <a:r>
               <a:rPr lang="de-DE" sz="2800"/>
-              <a:t> bietet eine ganze Reihe statischer</a:t>
+              <a:t> zu machen,</a:t>
             </a:r>
           </a:p>
           <a:p>
@@ -10190,7 +10102,7 @@
             </a:pPr>
             <a:r>
               <a:rPr lang="de-DE" sz="2800"/>
-              <a:t>Methoden – Sie müssen kein Math-Objekt erzeugen,</a:t>
+              <a:t>bedeutet, dass sie/es nicht zum Bauplan eines</a:t>
             </a:r>
           </a:p>
           <a:p>
@@ -10215,7 +10127,7 @@
             </a:pPr>
             <a:r>
               <a:rPr lang="de-DE" sz="2800"/>
-              <a:t>um sie zu benutzen:</a:t>
+              <a:t>Objektes gehört.</a:t>
             </a:r>
           </a:p>
           <a:p>
@@ -10242,32 +10154,27 @@
           </a:p>
           <a:p>
             <a:pPr marL="269875" indent="-269875">
-              <a:lnSpc>
-                <a:spcPct val="89000"/>
-              </a:lnSpc>
-              <a:spcAft>
-                <a:spcPct val="0"/>
-              </a:spcAft>
-              <a:tabLst>
-                <a:tab pos="723900" algn="l"/>
-                <a:tab pos="1447800" algn="l"/>
-                <a:tab pos="2171700" algn="l"/>
-                <a:tab pos="2895600" algn="l"/>
-                <a:tab pos="3619500" algn="l"/>
-                <a:tab pos="4343400" algn="l"/>
-                <a:tab pos="5067300" algn="l"/>
-                <a:tab pos="5791200" algn="l"/>
-                <a:tab pos="6515100" algn="l"/>
-                <a:tab pos="7239000" algn="l"/>
-                <a:tab pos="7962900" algn="l"/>
-                <a:tab pos="8686800" algn="l"/>
-              </a:tabLst>
-            </a:pPr>
-            <a:r>
-              <a:rPr lang="de-DE" sz="2800">
-                <a:latin typeface="Courier New" pitchFamily="49" charset="0"/>
-              </a:rPr>
-              <a:t>double siebenQuadrat = Math.pow(7,2);</a:t>
+              <a:spcAft>
+                <a:spcPct val="0"/>
+              </a:spcAft>
+              <a:tabLst>
+                <a:tab pos="723900" algn="l"/>
+                <a:tab pos="1447800" algn="l"/>
+                <a:tab pos="2171700" algn="l"/>
+                <a:tab pos="2895600" algn="l"/>
+                <a:tab pos="3619500" algn="l"/>
+                <a:tab pos="4343400" algn="l"/>
+                <a:tab pos="5067300" algn="l"/>
+                <a:tab pos="5791200" algn="l"/>
+                <a:tab pos="6515100" algn="l"/>
+                <a:tab pos="7239000" algn="l"/>
+                <a:tab pos="7962900" algn="l"/>
+                <a:tab pos="8686800" algn="l"/>
+              </a:tabLst>
+            </a:pPr>
+            <a:r>
+              <a:rPr lang="de-DE" sz="2800"/>
+              <a:t>Man spricht von "statischen" Methoden und Attributen.</a:t>
             </a:r>
           </a:p>
           <a:p>
@@ -10291,6 +10198,81 @@
               </a:tabLst>
             </a:pPr>
             <a:endParaRPr lang="de-DE" sz="2800"/>
+          </a:p>
+          <a:p>
+            <a:pPr marL="269875" indent="-269875">
+              <a:spcAft>
+                <a:spcPct val="0"/>
+              </a:spcAft>
+              <a:tabLst>
+                <a:tab pos="723900" algn="l"/>
+                <a:tab pos="1447800" algn="l"/>
+                <a:tab pos="2171700" algn="l"/>
+                <a:tab pos="2895600" algn="l"/>
+                <a:tab pos="3619500" algn="l"/>
+                <a:tab pos="4343400" algn="l"/>
+                <a:tab pos="5067300" algn="l"/>
+                <a:tab pos="5791200" algn="l"/>
+                <a:tab pos="6515100" algn="l"/>
+                <a:tab pos="7239000" algn="l"/>
+                <a:tab pos="7962900" algn="l"/>
+                <a:tab pos="8686800" algn="l"/>
+              </a:tabLst>
+            </a:pPr>
+            <a:r>
+              <a:rPr lang="de-DE" sz="2800"/>
+              <a:t>=&gt; Werden Objekte der Klasse erzeugt, so werden die</a:t>
+            </a:r>
+          </a:p>
+          <a:p>
+            <a:pPr marL="269875" indent="-269875">
+              <a:spcAft>
+                <a:spcPct val="0"/>
+              </a:spcAft>
+              <a:tabLst>
+                <a:tab pos="723900" algn="l"/>
+                <a:tab pos="1447800" algn="l"/>
+                <a:tab pos="2171700" algn="l"/>
+                <a:tab pos="2895600" algn="l"/>
+                <a:tab pos="3619500" algn="l"/>
+                <a:tab pos="4343400" algn="l"/>
+                <a:tab pos="5067300" algn="l"/>
+                <a:tab pos="5791200" algn="l"/>
+                <a:tab pos="6515100" algn="l"/>
+                <a:tab pos="7239000" algn="l"/>
+                <a:tab pos="7962900" algn="l"/>
+                <a:tab pos="8686800" algn="l"/>
+              </a:tabLst>
+            </a:pPr>
+            <a:r>
+              <a:rPr lang="de-DE" sz="2800"/>
+              <a:t>static-Methoden und -Attribute kein individueller</a:t>
+            </a:r>
+          </a:p>
+          <a:p>
+            <a:pPr marL="269875" indent="-269875">
+              <a:spcAft>
+                <a:spcPct val="0"/>
+              </a:spcAft>
+              <a:tabLst>
+                <a:tab pos="723900" algn="l"/>
+                <a:tab pos="1447800" algn="l"/>
+                <a:tab pos="2171700" algn="l"/>
+                <a:tab pos="2895600" algn="l"/>
+                <a:tab pos="3619500" algn="l"/>
+                <a:tab pos="4343400" algn="l"/>
+                <a:tab pos="5067300" algn="l"/>
+                <a:tab pos="5791200" algn="l"/>
+                <a:tab pos="6515100" algn="l"/>
+                <a:tab pos="7239000" algn="l"/>
+                <a:tab pos="7962900" algn="l"/>
+                <a:tab pos="8686800" algn="l"/>
+              </a:tabLst>
+            </a:pPr>
+            <a:r>
+              <a:rPr lang="de-DE" sz="2800"/>
+              <a:t>Bestandteil der späteren Objekte.</a:t>
+            </a:r>
           </a:p>
           <a:p>
             <a:pPr marL="269875" indent="-269875">
@@ -10434,7 +10416,7 @@
           <a:bodyPr/>
           <a:lstStyle/>
           <a:p>
-            <a:fld id="{24CAF801-9AD8-4BD5-B19A-C0BFEF8B5015}" type="slidenum">
+            <a:fld id="{CEC66F19-8651-414C-A55F-2D70CE8E3023}" type="slidenum">
               <a:rPr lang="de-DE"/>
               <a:pPr/>
               <a:t>17</a:t>
@@ -10445,7 +10427,7 @@
       </p:sp>
       <p:sp>
         <p:nvSpPr>
-          <p:cNvPr id="19457" name="AutoShape 1"/>
+          <p:cNvPr id="18433" name="AutoShape 1"/>
           <p:cNvSpPr>
             <a:spLocks noChangeArrowheads="1"/>
           </p:cNvSpPr>
@@ -10484,7 +10466,7 @@
       </p:sp>
       <p:sp>
         <p:nvSpPr>
-          <p:cNvPr id="19458" name="Rectangle 2"/>
+          <p:cNvPr id="18434" name="Rectangle 2"/>
           <p:cNvSpPr>
             <a:spLocks noGrp="1" noChangeArrowheads="1"/>
           </p:cNvSpPr>
@@ -10525,14 +10507,14 @@
                   <a:srgbClr val="FFFFFF"/>
                 </a:solidFill>
               </a:rPr>
-              <a:t>Übung - static</a:t>
-            </a:r>
-          </a:p>
-        </p:txBody>
-      </p:sp>
-      <p:sp>
-        <p:nvSpPr>
-          <p:cNvPr id="19459" name="Rectangle 3"/>
+              <a:t>static (4)</a:t>
+            </a:r>
+          </a:p>
+        </p:txBody>
+      </p:sp>
+      <p:sp>
+        <p:nvSpPr>
+          <p:cNvPr id="18435" name="Rectangle 3"/>
           <p:cNvSpPr>
             <a:spLocks noGrp="1" noChangeArrowheads="1"/>
           </p:cNvSpPr>
@@ -10543,7 +10525,7 @@
         <p:spPr bwMode="auto">
           <a:xfrm>
             <a:off x="504825" y="1619250"/>
-            <a:ext cx="9070975" cy="4989513"/>
+            <a:ext cx="9070975" cy="5265738"/>
           </a:xfrm>
           <a:prstGeom prst="rect">
             <a:avLst/>
@@ -10576,7 +10558,7 @@
             </a:pPr>
             <a:r>
               <a:rPr lang="de-DE" sz="2800"/>
-              <a:t>Öffnen Sie das Projekt aus der vorangegangenen</a:t>
+              <a:t>Statische Methoden können unmittelbar auf einer Klasse</a:t>
             </a:r>
           </a:p>
           <a:p>
@@ -10601,7 +10583,7 @@
             </a:pPr>
             <a:r>
               <a:rPr lang="de-DE" sz="2800"/>
-              <a:t>Veranstaltung.</a:t>
+              <a:t>aufgerufen werden – ohne ein Objekt zu erzeugen.</a:t>
             </a:r>
           </a:p>
           <a:p>
@@ -10648,17 +10630,64 @@
             </a:pPr>
             <a:r>
               <a:rPr lang="de-DE" sz="2800"/>
-              <a:t>Modifizieren Sie Ihre Klasse </a:t>
+              <a:t>Beispiel:</a:t>
+            </a:r>
+          </a:p>
+          <a:p>
+            <a:pPr marL="269875" indent="-269875">
+              <a:spcAft>
+                <a:spcPct val="0"/>
+              </a:spcAft>
+              <a:tabLst>
+                <a:tab pos="723900" algn="l"/>
+                <a:tab pos="1447800" algn="l"/>
+                <a:tab pos="2171700" algn="l"/>
+                <a:tab pos="2895600" algn="l"/>
+                <a:tab pos="3619500" algn="l"/>
+                <a:tab pos="4343400" algn="l"/>
+                <a:tab pos="5067300" algn="l"/>
+                <a:tab pos="5791200" algn="l"/>
+                <a:tab pos="6515100" algn="l"/>
+                <a:tab pos="7239000" algn="l"/>
+                <a:tab pos="7962900" algn="l"/>
+                <a:tab pos="8686800" algn="l"/>
+              </a:tabLst>
+            </a:pPr>
+            <a:endParaRPr lang="de-DE" sz="2800"/>
+          </a:p>
+          <a:p>
+            <a:pPr marL="269875" indent="-269875">
+              <a:spcAft>
+                <a:spcPct val="0"/>
+              </a:spcAft>
+              <a:tabLst>
+                <a:tab pos="723900" algn="l"/>
+                <a:tab pos="1447800" algn="l"/>
+                <a:tab pos="2171700" algn="l"/>
+                <a:tab pos="2895600" algn="l"/>
+                <a:tab pos="3619500" algn="l"/>
+                <a:tab pos="4343400" algn="l"/>
+                <a:tab pos="5067300" algn="l"/>
+                <a:tab pos="5791200" algn="l"/>
+                <a:tab pos="6515100" algn="l"/>
+                <a:tab pos="7239000" algn="l"/>
+                <a:tab pos="7962900" algn="l"/>
+                <a:tab pos="8686800" algn="l"/>
+              </a:tabLst>
+            </a:pPr>
+            <a:r>
+              <a:rPr lang="de-DE" sz="2800"/>
+              <a:t>Die Klasse </a:t>
             </a:r>
             <a:r>
               <a:rPr lang="de-DE" sz="2800">
                 <a:latin typeface="Courier New" pitchFamily="49" charset="0"/>
               </a:rPr>
-              <a:t>Auto</a:t>
+              <a:t>Math</a:t>
             </a:r>
             <a:r>
               <a:rPr lang="de-DE" sz="2800"/>
-              <a:t> derart, dass das</a:t>
+              <a:t> bietet eine ganze Reihe statischer</a:t>
             </a:r>
           </a:p>
           <a:p>
@@ -10683,7 +10712,7 @@
             </a:pPr>
             <a:r>
               <a:rPr lang="de-DE" sz="2800"/>
-              <a:t>Tankvolumen als statische Variable implementiert ist.</a:t>
+              <a:t>Methoden – Sie müssen kein Math-Objekt erzeugen,</a:t>
             </a:r>
           </a:p>
           <a:p>
@@ -10706,31 +10735,61 @@
                 <a:tab pos="8686800" algn="l"/>
               </a:tabLst>
             </a:pPr>
+            <a:r>
+              <a:rPr lang="de-DE" sz="2800"/>
+              <a:t>um sie zu benutzen:</a:t>
+            </a:r>
+          </a:p>
+          <a:p>
+            <a:pPr marL="269875" indent="-269875">
+              <a:spcAft>
+                <a:spcPct val="0"/>
+              </a:spcAft>
+              <a:tabLst>
+                <a:tab pos="723900" algn="l"/>
+                <a:tab pos="1447800" algn="l"/>
+                <a:tab pos="2171700" algn="l"/>
+                <a:tab pos="2895600" algn="l"/>
+                <a:tab pos="3619500" algn="l"/>
+                <a:tab pos="4343400" algn="l"/>
+                <a:tab pos="5067300" algn="l"/>
+                <a:tab pos="5791200" algn="l"/>
+                <a:tab pos="6515100" algn="l"/>
+                <a:tab pos="7239000" algn="l"/>
+                <a:tab pos="7962900" algn="l"/>
+                <a:tab pos="8686800" algn="l"/>
+              </a:tabLst>
+            </a:pPr>
             <a:endParaRPr lang="de-DE" sz="2800"/>
           </a:p>
           <a:p>
             <a:pPr marL="269875" indent="-269875">
-              <a:spcAft>
-                <a:spcPct val="0"/>
-              </a:spcAft>
-              <a:tabLst>
-                <a:tab pos="723900" algn="l"/>
-                <a:tab pos="1447800" algn="l"/>
-                <a:tab pos="2171700" algn="l"/>
-                <a:tab pos="2895600" algn="l"/>
-                <a:tab pos="3619500" algn="l"/>
-                <a:tab pos="4343400" algn="l"/>
-                <a:tab pos="5067300" algn="l"/>
-                <a:tab pos="5791200" algn="l"/>
-                <a:tab pos="6515100" algn="l"/>
-                <a:tab pos="7239000" algn="l"/>
-                <a:tab pos="7962900" algn="l"/>
-                <a:tab pos="8686800" algn="l"/>
-              </a:tabLst>
-            </a:pPr>
-            <a:r>
-              <a:rPr lang="de-DE" sz="2800"/>
-              <a:t>=&gt; Jedes Auto soll dasselbe Tankvolumen haben, das</a:t>
+              <a:lnSpc>
+                <a:spcPct val="89000"/>
+              </a:lnSpc>
+              <a:spcAft>
+                <a:spcPct val="0"/>
+              </a:spcAft>
+              <a:tabLst>
+                <a:tab pos="723900" algn="l"/>
+                <a:tab pos="1447800" algn="l"/>
+                <a:tab pos="2171700" algn="l"/>
+                <a:tab pos="2895600" algn="l"/>
+                <a:tab pos="3619500" algn="l"/>
+                <a:tab pos="4343400" algn="l"/>
+                <a:tab pos="5067300" algn="l"/>
+                <a:tab pos="5791200" algn="l"/>
+                <a:tab pos="6515100" algn="l"/>
+                <a:tab pos="7239000" algn="l"/>
+                <a:tab pos="7962900" algn="l"/>
+                <a:tab pos="8686800" algn="l"/>
+              </a:tabLst>
+            </a:pPr>
+            <a:r>
+              <a:rPr lang="de-DE" sz="2800">
+                <a:latin typeface="Courier New" pitchFamily="49" charset="0"/>
+              </a:rPr>
+              <a:t>double siebenQuadrat = Math.pow(7,2);</a:t>
             </a:r>
           </a:p>
           <a:p>
@@ -10753,35 +10812,7 @@
                 <a:tab pos="8686800" algn="l"/>
               </a:tabLst>
             </a:pPr>
-            <a:r>
-              <a:rPr lang="de-DE" sz="2800"/>
-              <a:t>Tankvolumen darf nicht mehr individuell verschieden</a:t>
-            </a:r>
-          </a:p>
-          <a:p>
-            <a:pPr marL="269875" indent="-269875">
-              <a:spcAft>
-                <a:spcPct val="0"/>
-              </a:spcAft>
-              <a:tabLst>
-                <a:tab pos="723900" algn="l"/>
-                <a:tab pos="1447800" algn="l"/>
-                <a:tab pos="2171700" algn="l"/>
-                <a:tab pos="2895600" algn="l"/>
-                <a:tab pos="3619500" algn="l"/>
-                <a:tab pos="4343400" algn="l"/>
-                <a:tab pos="5067300" algn="l"/>
-                <a:tab pos="5791200" algn="l"/>
-                <a:tab pos="6515100" algn="l"/>
-                <a:tab pos="7239000" algn="l"/>
-                <a:tab pos="7962900" algn="l"/>
-                <a:tab pos="8686800" algn="l"/>
-              </a:tabLst>
-            </a:pPr>
-            <a:r>
-              <a:rPr lang="de-DE" sz="2800"/>
-              <a:t>sein.</a:t>
-            </a:r>
+            <a:endParaRPr lang="de-DE" sz="2800"/>
           </a:p>
           <a:p>
             <a:pPr marL="269875" indent="-269875">
@@ -10925,7 +10956,7 @@
           <a:bodyPr/>
           <a:lstStyle/>
           <a:p>
-            <a:fld id="{B649E9A8-7C5E-40DF-8837-0C53252841C1}" type="slidenum">
+            <a:fld id="{24CAF801-9AD8-4BD5-B19A-C0BFEF8B5015}" type="slidenum">
               <a:rPr lang="de-DE"/>
               <a:pPr/>
               <a:t>18</a:t>
@@ -10936,7 +10967,7 @@
       </p:sp>
       <p:sp>
         <p:nvSpPr>
-          <p:cNvPr id="20481" name="AutoShape 1"/>
+          <p:cNvPr id="19457" name="AutoShape 1"/>
           <p:cNvSpPr>
             <a:spLocks noChangeArrowheads="1"/>
           </p:cNvSpPr>
@@ -10975,7 +11006,7 @@
       </p:sp>
       <p:sp>
         <p:nvSpPr>
-          <p:cNvPr id="20482" name="Rectangle 2"/>
+          <p:cNvPr id="19458" name="Rectangle 2"/>
           <p:cNvSpPr>
             <a:spLocks noGrp="1" noChangeArrowheads="1"/>
           </p:cNvSpPr>
@@ -11016,14 +11047,14 @@
                   <a:srgbClr val="FFFFFF"/>
                 </a:solidFill>
               </a:rPr>
-              <a:t>static (5)</a:t>
-            </a:r>
-          </a:p>
-        </p:txBody>
-      </p:sp>
-      <p:sp>
-        <p:nvSpPr>
-          <p:cNvPr id="20483" name="Rectangle 3"/>
+              <a:t>Übung - static</a:t>
+            </a:r>
+          </a:p>
+        </p:txBody>
+      </p:sp>
+      <p:sp>
+        <p:nvSpPr>
+          <p:cNvPr id="19459" name="Rectangle 3"/>
           <p:cNvSpPr>
             <a:spLocks noGrp="1" noChangeArrowheads="1"/>
           </p:cNvSpPr>
@@ -11046,6 +11077,47 @@
           <a:bodyPr lIns="0" tIns="24695" rIns="0" bIns="0"/>
           <a:lstStyle/>
           <a:p>
+            <a:pPr marL="457200" indent="-457200">
+              <a:spcAft>
+                <a:spcPct val="0"/>
+              </a:spcAft>
+              <a:buFont typeface="Arial" panose="020B0604020202020204" pitchFamily="34" charset="0"/>
+              <a:buChar char="•"/>
+              <a:tabLst>
+                <a:tab pos="723900" algn="l"/>
+                <a:tab pos="1447800" algn="l"/>
+                <a:tab pos="2171700" algn="l"/>
+                <a:tab pos="2895600" algn="l"/>
+                <a:tab pos="3619500" algn="l"/>
+                <a:tab pos="4343400" algn="l"/>
+                <a:tab pos="5067300" algn="l"/>
+                <a:tab pos="5791200" algn="l"/>
+                <a:tab pos="6515100" algn="l"/>
+                <a:tab pos="7239000" algn="l"/>
+                <a:tab pos="7962900" algn="l"/>
+                <a:tab pos="8686800" algn="l"/>
+              </a:tabLst>
+            </a:pPr>
+            <a:r>
+              <a:rPr lang="de-DE" sz="2800" dirty="0" smtClean="0"/>
+              <a:t>Modifizieren </a:t>
+            </a:r>
+            <a:r>
+              <a:rPr lang="de-DE" sz="2800" dirty="0"/>
+              <a:t>Sie Ihre Klasse </a:t>
+            </a:r>
+            <a:r>
+              <a:rPr lang="de-DE" sz="2800" dirty="0">
+                <a:latin typeface="Courier New" pitchFamily="49" charset="0"/>
+              </a:rPr>
+              <a:t>Auto</a:t>
+            </a:r>
+            <a:r>
+              <a:rPr lang="de-DE" sz="2800" dirty="0"/>
+              <a:t> derart, dass das</a:t>
+            </a:r>
+          </a:p>
+          <a:p>
             <a:pPr marL="269875" indent="-269875">
               <a:spcAft>
                 <a:spcPct val="0"/>
@@ -11066,13 +11138,112 @@
               </a:tabLst>
             </a:pPr>
             <a:r>
-              <a:rPr lang="de-DE" sz="2800"/>
-              <a:t>Weitere Beispiele für statische Methoden in Java:</a:t>
-            </a:r>
-            <a:br>
-              <a:rPr lang="de-DE" sz="2800"/>
-            </a:br>
-            <a:endParaRPr lang="de-DE" sz="2800"/>
+              <a:rPr lang="de-DE" sz="2800" dirty="0"/>
+              <a:t>Tankvolumen als statische Variable implementiert ist.</a:t>
+            </a:r>
+          </a:p>
+          <a:p>
+            <a:pPr marL="269875" indent="-269875">
+              <a:spcAft>
+                <a:spcPct val="0"/>
+              </a:spcAft>
+              <a:tabLst>
+                <a:tab pos="723900" algn="l"/>
+                <a:tab pos="1447800" algn="l"/>
+                <a:tab pos="2171700" algn="l"/>
+                <a:tab pos="2895600" algn="l"/>
+                <a:tab pos="3619500" algn="l"/>
+                <a:tab pos="4343400" algn="l"/>
+                <a:tab pos="5067300" algn="l"/>
+                <a:tab pos="5791200" algn="l"/>
+                <a:tab pos="6515100" algn="l"/>
+                <a:tab pos="7239000" algn="l"/>
+                <a:tab pos="7962900" algn="l"/>
+                <a:tab pos="8686800" algn="l"/>
+              </a:tabLst>
+            </a:pPr>
+            <a:endParaRPr lang="de-DE" sz="2800" dirty="0"/>
+          </a:p>
+          <a:p>
+            <a:pPr marL="457200" indent="-457200">
+              <a:spcAft>
+                <a:spcPct val="0"/>
+              </a:spcAft>
+              <a:buFont typeface="Arial" panose="020B0604020202020204" pitchFamily="34" charset="0"/>
+              <a:buChar char="•"/>
+              <a:tabLst>
+                <a:tab pos="723900" algn="l"/>
+                <a:tab pos="1447800" algn="l"/>
+                <a:tab pos="2171700" algn="l"/>
+                <a:tab pos="2895600" algn="l"/>
+                <a:tab pos="3619500" algn="l"/>
+                <a:tab pos="4343400" algn="l"/>
+                <a:tab pos="5067300" algn="l"/>
+                <a:tab pos="5791200" algn="l"/>
+                <a:tab pos="6515100" algn="l"/>
+                <a:tab pos="7239000" algn="l"/>
+                <a:tab pos="7962900" algn="l"/>
+                <a:tab pos="8686800" algn="l"/>
+              </a:tabLst>
+            </a:pPr>
+            <a:r>
+              <a:rPr lang="de-DE" sz="2800" dirty="0" smtClean="0"/>
+              <a:t>Jedes </a:t>
+            </a:r>
+            <a:r>
+              <a:rPr lang="de-DE" sz="2800" dirty="0"/>
+              <a:t>Auto soll dasselbe Tankvolumen haben, das</a:t>
+            </a:r>
+          </a:p>
+          <a:p>
+            <a:pPr marL="269875" indent="-269875">
+              <a:spcAft>
+                <a:spcPct val="0"/>
+              </a:spcAft>
+              <a:tabLst>
+                <a:tab pos="723900" algn="l"/>
+                <a:tab pos="1447800" algn="l"/>
+                <a:tab pos="2171700" algn="l"/>
+                <a:tab pos="2895600" algn="l"/>
+                <a:tab pos="3619500" algn="l"/>
+                <a:tab pos="4343400" algn="l"/>
+                <a:tab pos="5067300" algn="l"/>
+                <a:tab pos="5791200" algn="l"/>
+                <a:tab pos="6515100" algn="l"/>
+                <a:tab pos="7239000" algn="l"/>
+                <a:tab pos="7962900" algn="l"/>
+                <a:tab pos="8686800" algn="l"/>
+              </a:tabLst>
+            </a:pPr>
+            <a:r>
+              <a:rPr lang="de-DE" sz="2800" dirty="0"/>
+              <a:t>Tankvolumen darf nicht mehr individuell verschieden</a:t>
+            </a:r>
+          </a:p>
+          <a:p>
+            <a:pPr marL="269875" indent="-269875">
+              <a:spcAft>
+                <a:spcPct val="0"/>
+              </a:spcAft>
+              <a:tabLst>
+                <a:tab pos="723900" algn="l"/>
+                <a:tab pos="1447800" algn="l"/>
+                <a:tab pos="2171700" algn="l"/>
+                <a:tab pos="2895600" algn="l"/>
+                <a:tab pos="3619500" algn="l"/>
+                <a:tab pos="4343400" algn="l"/>
+                <a:tab pos="5067300" algn="l"/>
+                <a:tab pos="5791200" algn="l"/>
+                <a:tab pos="6515100" algn="l"/>
+                <a:tab pos="7239000" algn="l"/>
+                <a:tab pos="7962900" algn="l"/>
+                <a:tab pos="8686800" algn="l"/>
+              </a:tabLst>
+            </a:pPr>
+            <a:r>
+              <a:rPr lang="de-DE" sz="2800" dirty="0"/>
+              <a:t>sein.</a:t>
+            </a:r>
           </a:p>
           <a:p>
             <a:pPr marL="269875" indent="-269875">
@@ -11097,93 +11268,7 @@
                 <a:tab pos="8686800" algn="l"/>
               </a:tabLst>
             </a:pPr>
-            <a:endParaRPr lang="de-DE" sz="2800"/>
-          </a:p>
-          <a:p>
-            <a:pPr marL="269875" indent="-269875">
-              <a:spcAft>
-                <a:spcPct val="0"/>
-              </a:spcAft>
-              <a:buSzPct val="45000"/>
-              <a:buFont typeface="Wingdings" charset="2"/>
-              <a:buChar char=""/>
-              <a:tabLst>
-                <a:tab pos="723900" algn="l"/>
-                <a:tab pos="1447800" algn="l"/>
-                <a:tab pos="2171700" algn="l"/>
-                <a:tab pos="2895600" algn="l"/>
-                <a:tab pos="3619500" algn="l"/>
-                <a:tab pos="4343400" algn="l"/>
-                <a:tab pos="5067300" algn="l"/>
-                <a:tab pos="5791200" algn="l"/>
-                <a:tab pos="6515100" algn="l"/>
-                <a:tab pos="7239000" algn="l"/>
-                <a:tab pos="7962900" algn="l"/>
-                <a:tab pos="8686800" algn="l"/>
-              </a:tabLst>
-            </a:pPr>
-            <a:r>
-              <a:rPr lang="de-DE" sz="2800"/>
-              <a:t>Die Methoden der Klasse </a:t>
-            </a:r>
-            <a:r>
-              <a:rPr lang="de-DE" sz="2800">
-                <a:latin typeface="Courier New" pitchFamily="49" charset="0"/>
-              </a:rPr>
-              <a:t>Math</a:t>
-            </a:r>
-            <a:r>
-              <a:rPr lang="de-DE" sz="2800"/>
-              <a:t> sind allesamt statisch.</a:t>
-            </a:r>
-            <a:br>
-              <a:rPr lang="de-DE" sz="2800"/>
-            </a:br>
-            <a:endParaRPr lang="de-DE" sz="2800"/>
-          </a:p>
-          <a:p>
-            <a:pPr marL="269875" indent="-269875">
-              <a:spcAft>
-                <a:spcPct val="0"/>
-              </a:spcAft>
-              <a:buSzPct val="45000"/>
-              <a:buFont typeface="Wingdings" charset="2"/>
-              <a:buChar char=""/>
-              <a:tabLst>
-                <a:tab pos="723900" algn="l"/>
-                <a:tab pos="1447800" algn="l"/>
-                <a:tab pos="2171700" algn="l"/>
-                <a:tab pos="2895600" algn="l"/>
-                <a:tab pos="3619500" algn="l"/>
-                <a:tab pos="4343400" algn="l"/>
-                <a:tab pos="5067300" algn="l"/>
-                <a:tab pos="5791200" algn="l"/>
-                <a:tab pos="6515100" algn="l"/>
-                <a:tab pos="7239000" algn="l"/>
-                <a:tab pos="7962900" algn="l"/>
-                <a:tab pos="8686800" algn="l"/>
-              </a:tabLst>
-            </a:pPr>
-            <a:r>
-              <a:rPr lang="de-DE" sz="2800"/>
-              <a:t>Für jeden primitiven Datentyp gibt es eine korrespondierende Klasse, die u. a. statische Methoden anbietet:</a:t>
-            </a:r>
-            <a:br>
-              <a:rPr lang="de-DE" sz="2800"/>
-            </a:br>
-            <a:r>
-              <a:rPr lang="de-DE" sz="2800"/>
-              <a:t/>
-            </a:r>
-            <a:br>
-              <a:rPr lang="de-DE" sz="2800"/>
-            </a:br>
-            <a:r>
-              <a:rPr lang="de-DE" sz="2800">
-                <a:latin typeface="Courier New" pitchFamily="49" charset="0"/>
-              </a:rPr>
-              <a:t>Double.valueOf("0.1");</a:t>
-            </a:r>
+            <a:endParaRPr lang="de-DE" dirty="0"/>
           </a:p>
           <a:p>
             <a:pPr marL="269875" indent="-269875">
@@ -11208,32 +11293,7 @@
                 <a:tab pos="8686800" algn="l"/>
               </a:tabLst>
             </a:pPr>
-            <a:endParaRPr lang="de-DE"/>
-          </a:p>
-          <a:p>
-            <a:pPr marL="269875" indent="-269875">
-              <a:spcAft>
-                <a:spcPct val="0"/>
-              </a:spcAft>
-              <a:buSzPct val="45000"/>
-              <a:buFont typeface="Wingdings" charset="2"/>
-              <a:buNone/>
-              <a:tabLst>
-                <a:tab pos="723900" algn="l"/>
-                <a:tab pos="1447800" algn="l"/>
-                <a:tab pos="2171700" algn="l"/>
-                <a:tab pos="2895600" algn="l"/>
-                <a:tab pos="3619500" algn="l"/>
-                <a:tab pos="4343400" algn="l"/>
-                <a:tab pos="5067300" algn="l"/>
-                <a:tab pos="5791200" algn="l"/>
-                <a:tab pos="6515100" algn="l"/>
-                <a:tab pos="7239000" algn="l"/>
-                <a:tab pos="7962900" algn="l"/>
-                <a:tab pos="8686800" algn="l"/>
-              </a:tabLst>
-            </a:pPr>
-            <a:endParaRPr lang="de-DE"/>
+            <a:endParaRPr lang="de-DE" dirty="0"/>
           </a:p>
         </p:txBody>
       </p:sp>
@@ -11327,7 +11387,7 @@
           <a:bodyPr/>
           <a:lstStyle/>
           <a:p>
-            <a:fld id="{910258F3-5C4C-489E-82D6-CE6671241802}" type="slidenum">
+            <a:fld id="{B649E9A8-7C5E-40DF-8837-0C53252841C1}" type="slidenum">
               <a:rPr lang="de-DE"/>
               <a:pPr/>
               <a:t>19</a:t>
@@ -11338,7 +11398,7 @@
       </p:sp>
       <p:sp>
         <p:nvSpPr>
-          <p:cNvPr id="21505" name="AutoShape 1"/>
+          <p:cNvPr id="20481" name="AutoShape 1"/>
           <p:cNvSpPr>
             <a:spLocks noChangeArrowheads="1"/>
           </p:cNvSpPr>
@@ -11377,7 +11437,7 @@
       </p:sp>
       <p:sp>
         <p:nvSpPr>
-          <p:cNvPr id="21506" name="Rectangle 2"/>
+          <p:cNvPr id="20482" name="Rectangle 2"/>
           <p:cNvSpPr>
             <a:spLocks noGrp="1" noChangeArrowheads="1"/>
           </p:cNvSpPr>
@@ -11418,14 +11478,14 @@
                   <a:srgbClr val="FFFFFF"/>
                 </a:solidFill>
               </a:rPr>
-              <a:t>static final</a:t>
-            </a:r>
-          </a:p>
-        </p:txBody>
-      </p:sp>
-      <p:sp>
-        <p:nvSpPr>
-          <p:cNvPr id="21507" name="Rectangle 3"/>
+              <a:t>static (5)</a:t>
+            </a:r>
+          </a:p>
+        </p:txBody>
+      </p:sp>
+      <p:sp>
+        <p:nvSpPr>
+          <p:cNvPr id="20483" name="Rectangle 3"/>
           <p:cNvSpPr>
             <a:spLocks noGrp="1" noChangeArrowheads="1"/>
           </p:cNvSpPr>
@@ -11436,7 +11496,7 @@
         <p:spPr bwMode="auto">
           <a:xfrm>
             <a:off x="504825" y="1619250"/>
-            <a:ext cx="9070975" cy="5770563"/>
+            <a:ext cx="9070975" cy="4989513"/>
           </a:xfrm>
           <a:prstGeom prst="rect">
             <a:avLst/>
@@ -11445,13 +11505,64 @@
           <a:ln/>
         </p:spPr>
         <p:txBody>
-          <a:bodyPr lIns="0" tIns="33264" rIns="0" bIns="0"/>
+          <a:bodyPr lIns="0" tIns="24695" rIns="0" bIns="0"/>
           <a:lstStyle/>
           <a:p>
             <a:pPr marL="269875" indent="-269875">
-              <a:lnSpc>
-                <a:spcPct val="89000"/>
-              </a:lnSpc>
+              <a:spcAft>
+                <a:spcPct val="0"/>
+              </a:spcAft>
+              <a:tabLst>
+                <a:tab pos="723900" algn="l"/>
+                <a:tab pos="1447800" algn="l"/>
+                <a:tab pos="2171700" algn="l"/>
+                <a:tab pos="2895600" algn="l"/>
+                <a:tab pos="3619500" algn="l"/>
+                <a:tab pos="4343400" algn="l"/>
+                <a:tab pos="5067300" algn="l"/>
+                <a:tab pos="5791200" algn="l"/>
+                <a:tab pos="6515100" algn="l"/>
+                <a:tab pos="7239000" algn="l"/>
+                <a:tab pos="7962900" algn="l"/>
+                <a:tab pos="8686800" algn="l"/>
+              </a:tabLst>
+            </a:pPr>
+            <a:r>
+              <a:rPr lang="de-DE" sz="2800"/>
+              <a:t>Weitere Beispiele für statische Methoden in Java:</a:t>
+            </a:r>
+            <a:br>
+              <a:rPr lang="de-DE" sz="2800"/>
+            </a:br>
+            <a:endParaRPr lang="de-DE" sz="2800"/>
+          </a:p>
+          <a:p>
+            <a:pPr marL="269875" indent="-269875">
+              <a:spcAft>
+                <a:spcPct val="0"/>
+              </a:spcAft>
+              <a:buSzPct val="45000"/>
+              <a:buFont typeface="Wingdings" charset="2"/>
+              <a:buNone/>
+              <a:tabLst>
+                <a:tab pos="723900" algn="l"/>
+                <a:tab pos="1447800" algn="l"/>
+                <a:tab pos="2171700" algn="l"/>
+                <a:tab pos="2895600" algn="l"/>
+                <a:tab pos="3619500" algn="l"/>
+                <a:tab pos="4343400" algn="l"/>
+                <a:tab pos="5067300" algn="l"/>
+                <a:tab pos="5791200" algn="l"/>
+                <a:tab pos="6515100" algn="l"/>
+                <a:tab pos="7239000" algn="l"/>
+                <a:tab pos="7962900" algn="l"/>
+                <a:tab pos="8686800" algn="l"/>
+              </a:tabLst>
+            </a:pPr>
+            <a:endParaRPr lang="de-DE" sz="2800"/>
+          </a:p>
+          <a:p>
+            <a:pPr marL="269875" indent="-269875">
               <a:spcAft>
                 <a:spcPct val="0"/>
               </a:spcAft>
@@ -11474,86 +11585,23 @@
               </a:tabLst>
             </a:pPr>
             <a:r>
-              <a:rPr lang="de-DE" sz="2400">
+              <a:rPr lang="de-DE" sz="2800"/>
+              <a:t>Die Methoden der Klasse </a:t>
+            </a:r>
+            <a:r>
+              <a:rPr lang="de-DE" sz="2800">
                 <a:latin typeface="Courier New" pitchFamily="49" charset="0"/>
               </a:rPr>
-              <a:t>static final</a:t>
-            </a:r>
-            <a:r>
-              <a:rPr lang="de-DE" sz="2400"/>
-              <a:t> wird verwendet, um Konstanten, d. h. unveränderliche Werte, zu definieren. In Java sind z. B. bereits definiert:</a:t>
+              <a:t>Math</a:t>
+            </a:r>
+            <a:r>
+              <a:rPr lang="de-DE" sz="2800"/>
+              <a:t> sind allesamt statisch.</a:t>
             </a:r>
             <a:br>
-              <a:rPr lang="de-DE" sz="2400"/>
+              <a:rPr lang="de-DE" sz="2800"/>
             </a:br>
-            <a:r>
-              <a:rPr lang="de-DE" sz="2400"/>
-              <a:t/>
-            </a:r>
-            <a:br>
-              <a:rPr lang="de-DE" sz="2400"/>
-            </a:br>
-            <a:r>
-              <a:rPr lang="de-DE" sz="2400">
-                <a:latin typeface="Courier New" pitchFamily="49" charset="0"/>
-              </a:rPr>
-              <a:t>Math.PI            	</a:t>
-            </a:r>
-            <a:r>
-              <a:rPr lang="de-DE" sz="2400"/>
-              <a:t>die Kreiszahl Pi</a:t>
-            </a:r>
-            <a:br>
-              <a:rPr lang="de-DE" sz="2400"/>
-            </a:br>
-            <a:r>
-              <a:rPr lang="de-DE" sz="2400">
-                <a:latin typeface="Courier New" pitchFamily="49" charset="0"/>
-              </a:rPr>
-              <a:t>Math.E             	</a:t>
-            </a:r>
-            <a:r>
-              <a:rPr lang="de-DE" sz="2400"/>
-              <a:t>die Eulersche Zahl e</a:t>
-            </a:r>
-            <a:br>
-              <a:rPr lang="de-DE" sz="2400"/>
-            </a:br>
-            <a:r>
-              <a:rPr lang="de-DE" sz="2400">
-                <a:latin typeface="Courier New" pitchFamily="49" charset="0"/>
-              </a:rPr>
-              <a:t>Integer.MAX_VALUE</a:t>
-            </a:r>
-            <a:r>
-              <a:rPr lang="de-DE" sz="2400"/>
-              <a:t>		größtmögliche int-Zahl</a:t>
-            </a:r>
-          </a:p>
-          <a:p>
-            <a:pPr marL="269875" indent="-269875">
-              <a:spcAft>
-                <a:spcPct val="0"/>
-              </a:spcAft>
-              <a:buSzPct val="45000"/>
-              <a:buFont typeface="Wingdings" charset="2"/>
-              <a:buNone/>
-              <a:tabLst>
-                <a:tab pos="723900" algn="l"/>
-                <a:tab pos="1447800" algn="l"/>
-                <a:tab pos="2171700" algn="l"/>
-                <a:tab pos="2895600" algn="l"/>
-                <a:tab pos="3619500" algn="l"/>
-                <a:tab pos="4343400" algn="l"/>
-                <a:tab pos="5067300" algn="l"/>
-                <a:tab pos="5791200" algn="l"/>
-                <a:tab pos="6515100" algn="l"/>
-                <a:tab pos="7239000" algn="l"/>
-                <a:tab pos="7962900" algn="l"/>
-                <a:tab pos="8686800" algn="l"/>
-              </a:tabLst>
-            </a:pPr>
-            <a:endParaRPr lang="de-DE" sz="2400"/>
+            <a:endParaRPr lang="de-DE" sz="2800"/>
           </a:p>
           <a:p>
             <a:pPr marL="269875" indent="-269875">
@@ -11579,81 +11627,24 @@
               </a:tabLst>
             </a:pPr>
             <a:r>
-              <a:rPr lang="de-DE" sz="2400"/>
-              <a:t>Es gilt als guter Stil, solche Konstanten grundsätzlich komplett groß zu schreiben, damit man sie auf Anhieb als Konstanten erkennt.</a:t>
-            </a:r>
-          </a:p>
-          <a:p>
-            <a:pPr marL="269875" indent="-269875">
-              <a:spcAft>
-                <a:spcPct val="0"/>
-              </a:spcAft>
-              <a:buSzPct val="45000"/>
-              <a:buFont typeface="Wingdings" charset="2"/>
-              <a:buNone/>
-              <a:tabLst>
-                <a:tab pos="723900" algn="l"/>
-                <a:tab pos="1447800" algn="l"/>
-                <a:tab pos="2171700" algn="l"/>
-                <a:tab pos="2895600" algn="l"/>
-                <a:tab pos="3619500" algn="l"/>
-                <a:tab pos="4343400" algn="l"/>
-                <a:tab pos="5067300" algn="l"/>
-                <a:tab pos="5791200" algn="l"/>
-                <a:tab pos="6515100" algn="l"/>
-                <a:tab pos="7239000" algn="l"/>
-                <a:tab pos="7962900" algn="l"/>
-                <a:tab pos="8686800" algn="l"/>
-              </a:tabLst>
-            </a:pPr>
-            <a:endParaRPr lang="de-DE" sz="2400"/>
-          </a:p>
-          <a:p>
-            <a:pPr marL="269875" indent="-269875">
-              <a:spcAft>
-                <a:spcPct val="0"/>
-              </a:spcAft>
-              <a:buSzPct val="45000"/>
-              <a:buFont typeface="Wingdings" charset="2"/>
-              <a:buChar char=""/>
-              <a:tabLst>
-                <a:tab pos="723900" algn="l"/>
-                <a:tab pos="1447800" algn="l"/>
-                <a:tab pos="2171700" algn="l"/>
-                <a:tab pos="2895600" algn="l"/>
-                <a:tab pos="3619500" algn="l"/>
-                <a:tab pos="4343400" algn="l"/>
-                <a:tab pos="5067300" algn="l"/>
-                <a:tab pos="5791200" algn="l"/>
-                <a:tab pos="6515100" algn="l"/>
-                <a:tab pos="7239000" algn="l"/>
-                <a:tab pos="7962900" algn="l"/>
-                <a:tab pos="8686800" algn="l"/>
-              </a:tabLst>
-            </a:pPr>
-            <a:r>
-              <a:rPr lang="de-DE" sz="2400"/>
-              <a:t>Felder einer Klasse, die </a:t>
-            </a:r>
-            <a:r>
-              <a:rPr lang="de-DE" sz="2400">
+              <a:rPr lang="de-DE" sz="2800"/>
+              <a:t>Für jeden primitiven Datentyp gibt es eine korrespondierende Klasse, die u. a. statische Methoden anbietet:</a:t>
+            </a:r>
+            <a:br>
+              <a:rPr lang="de-DE" sz="2800"/>
+            </a:br>
+            <a:r>
+              <a:rPr lang="de-DE" sz="2800"/>
+              <a:t/>
+            </a:r>
+            <a:br>
+              <a:rPr lang="de-DE" sz="2800"/>
+            </a:br>
+            <a:r>
+              <a:rPr lang="de-DE" sz="2800">
                 <a:latin typeface="Courier New" pitchFamily="49" charset="0"/>
               </a:rPr>
-              <a:t>static final</a:t>
-            </a:r>
-            <a:r>
-              <a:rPr lang="de-DE" sz="2400"/>
-              <a:t> sind, können gefahrlos </a:t>
-            </a:r>
-            <a:r>
-              <a:rPr lang="de-DE" sz="2400">
-                <a:latin typeface="Courier New" pitchFamily="49" charset="0"/>
-              </a:rPr>
-              <a:t>public</a:t>
-            </a:r>
-            <a:r>
-              <a:rPr lang="de-DE" sz="2400"/>
-              <a:t> definiert werden! (Sie sind keine Attribute.)</a:t>
+              <a:t>Double.valueOf("0.1");</a:t>
             </a:r>
           </a:p>
           <a:p>
@@ -12151,7 +12142,7 @@
           <a:bodyPr/>
           <a:lstStyle/>
           <a:p>
-            <a:fld id="{E2249F48-CCA8-49FA-9181-35B029C79B52}" type="slidenum">
+            <a:fld id="{910258F3-5C4C-489E-82D6-CE6671241802}" type="slidenum">
               <a:rPr lang="de-DE"/>
               <a:pPr/>
               <a:t>20</a:t>
@@ -12162,7 +12153,7 @@
       </p:sp>
       <p:sp>
         <p:nvSpPr>
-          <p:cNvPr id="22529" name="AutoShape 1"/>
+          <p:cNvPr id="21505" name="AutoShape 1"/>
           <p:cNvSpPr>
             <a:spLocks noChangeArrowheads="1"/>
           </p:cNvSpPr>
@@ -12201,7 +12192,7 @@
       </p:sp>
       <p:sp>
         <p:nvSpPr>
-          <p:cNvPr id="22530" name="Rectangle 2"/>
+          <p:cNvPr id="21506" name="Rectangle 2"/>
           <p:cNvSpPr>
             <a:spLocks noGrp="1" noChangeArrowheads="1"/>
           </p:cNvSpPr>
@@ -12211,8 +12202,8 @@
         </p:nvSpPr>
         <p:spPr>
           <a:xfrm>
-            <a:off x="539750" y="98425"/>
-            <a:ext cx="9070975" cy="1701800"/>
+            <a:off x="503238" y="301625"/>
+            <a:ext cx="9070975" cy="1262063"/>
           </a:xfrm>
           <a:ln/>
         </p:spPr>
@@ -12242,41 +12233,14 @@
                   <a:srgbClr val="FFFFFF"/>
                 </a:solidFill>
               </a:rPr>
-              <a:t>Zusammenfassung:</a:t>
-            </a:r>
-            <a:br>
-              <a:rPr lang="de-DE" sz="4000">
-                <a:solidFill>
-                  <a:srgbClr val="FFFFFF"/>
-                </a:solidFill>
-              </a:rPr>
-            </a:br>
-            <a:r>
-              <a:rPr lang="de-DE" sz="4000">
-                <a:solidFill>
-                  <a:srgbClr val="FFFFFF"/>
-                </a:solidFill>
-              </a:rPr>
-              <a:t>Was haben wir gelernt?</a:t>
-            </a:r>
-            <a:br>
-              <a:rPr lang="de-DE" sz="4000">
-                <a:solidFill>
-                  <a:srgbClr val="FFFFFF"/>
-                </a:solidFill>
-              </a:rPr>
-            </a:br>
-            <a:endParaRPr lang="de-DE" sz="4000">
-              <a:solidFill>
-                <a:srgbClr val="FFFFFF"/>
-              </a:solidFill>
-            </a:endParaRPr>
-          </a:p>
-        </p:txBody>
-      </p:sp>
-      <p:sp>
-        <p:nvSpPr>
-          <p:cNvPr id="22531" name="Rectangle 3"/>
+              <a:t>static final</a:t>
+            </a:r>
+          </a:p>
+        </p:txBody>
+      </p:sp>
+      <p:sp>
+        <p:nvSpPr>
+          <p:cNvPr id="21507" name="Rectangle 3"/>
           <p:cNvSpPr>
             <a:spLocks noGrp="1" noChangeArrowheads="1"/>
           </p:cNvSpPr>
@@ -12287,7 +12251,7 @@
         <p:spPr bwMode="auto">
           <a:xfrm>
             <a:off x="504825" y="1619250"/>
-            <a:ext cx="9070975" cy="4989513"/>
+            <a:ext cx="9070975" cy="5770563"/>
           </a:xfrm>
           <a:prstGeom prst="rect">
             <a:avLst/>
@@ -12296,10 +12260,93 @@
           <a:ln/>
         </p:spPr>
         <p:txBody>
-          <a:bodyPr lIns="0" tIns="28224" rIns="0" bIns="0" anchor="ctr" anchorCtr="1"/>
+          <a:bodyPr lIns="0" tIns="33264" rIns="0" bIns="0"/>
           <a:lstStyle/>
           <a:p>
-            <a:pPr marL="269875" indent="-269875" algn="ctr">
+            <a:pPr marL="269875" indent="-269875">
+              <a:lnSpc>
+                <a:spcPct val="89000"/>
+              </a:lnSpc>
+              <a:spcAft>
+                <a:spcPct val="0"/>
+              </a:spcAft>
+              <a:buSzPct val="45000"/>
+              <a:buFont typeface="Wingdings" charset="2"/>
+              <a:buChar char=""/>
+              <a:tabLst>
+                <a:tab pos="723900" algn="l"/>
+                <a:tab pos="1447800" algn="l"/>
+                <a:tab pos="2171700" algn="l"/>
+                <a:tab pos="2895600" algn="l"/>
+                <a:tab pos="3619500" algn="l"/>
+                <a:tab pos="4343400" algn="l"/>
+                <a:tab pos="5067300" algn="l"/>
+                <a:tab pos="5791200" algn="l"/>
+                <a:tab pos="6515100" algn="l"/>
+                <a:tab pos="7239000" algn="l"/>
+                <a:tab pos="7962900" algn="l"/>
+                <a:tab pos="8686800" algn="l"/>
+              </a:tabLst>
+            </a:pPr>
+            <a:r>
+              <a:rPr lang="de-DE" sz="2400">
+                <a:latin typeface="Courier New" pitchFamily="49" charset="0"/>
+              </a:rPr>
+              <a:t>static final</a:t>
+            </a:r>
+            <a:r>
+              <a:rPr lang="de-DE" sz="2400"/>
+              <a:t> wird verwendet, um Konstanten, d. h. unveränderliche Werte, zu definieren. In Java sind z. B. bereits definiert:</a:t>
+            </a:r>
+            <a:br>
+              <a:rPr lang="de-DE" sz="2400"/>
+            </a:br>
+            <a:r>
+              <a:rPr lang="de-DE" sz="2400"/>
+              <a:t/>
+            </a:r>
+            <a:br>
+              <a:rPr lang="de-DE" sz="2400"/>
+            </a:br>
+            <a:r>
+              <a:rPr lang="de-DE" sz="2400">
+                <a:latin typeface="Courier New" pitchFamily="49" charset="0"/>
+              </a:rPr>
+              <a:t>Math.PI            	</a:t>
+            </a:r>
+            <a:r>
+              <a:rPr lang="de-DE" sz="2400"/>
+              <a:t>die Kreiszahl Pi</a:t>
+            </a:r>
+            <a:br>
+              <a:rPr lang="de-DE" sz="2400"/>
+            </a:br>
+            <a:r>
+              <a:rPr lang="de-DE" sz="2400">
+                <a:latin typeface="Courier New" pitchFamily="49" charset="0"/>
+              </a:rPr>
+              <a:t>Math.E             	</a:t>
+            </a:r>
+            <a:r>
+              <a:rPr lang="de-DE" sz="2400"/>
+              <a:t>die Eulersche Zahl e</a:t>
+            </a:r>
+            <a:br>
+              <a:rPr lang="de-DE" sz="2400"/>
+            </a:br>
+            <a:r>
+              <a:rPr lang="de-DE" sz="2400">
+                <a:latin typeface="Courier New" pitchFamily="49" charset="0"/>
+              </a:rPr>
+              <a:t>Integer.MAX_VALUE</a:t>
+            </a:r>
+            <a:r>
+              <a:rPr lang="de-DE" sz="2400"/>
+              <a:t>		größtmögliche int-Zahl</a:t>
+            </a:r>
+          </a:p>
+          <a:p>
+            <a:pPr marL="269875" indent="-269875">
               <a:spcAft>
                 <a:spcPct val="0"/>
               </a:spcAft>
@@ -12321,19 +12368,38 @@
                 <a:tab pos="8686800" algn="l"/>
               </a:tabLst>
             </a:pPr>
-            <a:r>
-              <a:rPr lang="de-DE"/>
-              <a:t>Zugriffsbeschränkungen: </a:t>
-            </a:r>
-            <a:r>
-              <a:rPr lang="de-DE">
-                <a:latin typeface="Courier New" pitchFamily="49" charset="0"/>
-              </a:rPr>
-              <a:t>private</a:t>
-            </a:r>
-          </a:p>
-          <a:p>
-            <a:pPr marL="269875" indent="-269875" algn="ctr">
+            <a:endParaRPr lang="de-DE" sz="2400"/>
+          </a:p>
+          <a:p>
+            <a:pPr marL="269875" indent="-269875">
+              <a:spcAft>
+                <a:spcPct val="0"/>
+              </a:spcAft>
+              <a:buSzPct val="45000"/>
+              <a:buFont typeface="Wingdings" charset="2"/>
+              <a:buChar char=""/>
+              <a:tabLst>
+                <a:tab pos="723900" algn="l"/>
+                <a:tab pos="1447800" algn="l"/>
+                <a:tab pos="2171700" algn="l"/>
+                <a:tab pos="2895600" algn="l"/>
+                <a:tab pos="3619500" algn="l"/>
+                <a:tab pos="4343400" algn="l"/>
+                <a:tab pos="5067300" algn="l"/>
+                <a:tab pos="5791200" algn="l"/>
+                <a:tab pos="6515100" algn="l"/>
+                <a:tab pos="7239000" algn="l"/>
+                <a:tab pos="7962900" algn="l"/>
+                <a:tab pos="8686800" algn="l"/>
+              </a:tabLst>
+            </a:pPr>
+            <a:r>
+              <a:rPr lang="de-DE" sz="2400"/>
+              <a:t>Es gilt als guter Stil, solche Konstanten grundsätzlich komplett groß zu schreiben, damit man sie auf Anhieb als Konstanten erkennt.</a:t>
+            </a:r>
+          </a:p>
+          <a:p>
+            <a:pPr marL="269875" indent="-269875">
               <a:spcAft>
                 <a:spcPct val="0"/>
               </a:spcAft>
@@ -12355,10 +12421,58 @@
                 <a:tab pos="8686800" algn="l"/>
               </a:tabLst>
             </a:pPr>
-            <a:endParaRPr lang="de-DE"/>
-          </a:p>
-          <a:p>
-            <a:pPr marL="269875" indent="-269875" algn="ctr">
+            <a:endParaRPr lang="de-DE" sz="2400"/>
+          </a:p>
+          <a:p>
+            <a:pPr marL="269875" indent="-269875">
+              <a:spcAft>
+                <a:spcPct val="0"/>
+              </a:spcAft>
+              <a:buSzPct val="45000"/>
+              <a:buFont typeface="Wingdings" charset="2"/>
+              <a:buChar char=""/>
+              <a:tabLst>
+                <a:tab pos="723900" algn="l"/>
+                <a:tab pos="1447800" algn="l"/>
+                <a:tab pos="2171700" algn="l"/>
+                <a:tab pos="2895600" algn="l"/>
+                <a:tab pos="3619500" algn="l"/>
+                <a:tab pos="4343400" algn="l"/>
+                <a:tab pos="5067300" algn="l"/>
+                <a:tab pos="5791200" algn="l"/>
+                <a:tab pos="6515100" algn="l"/>
+                <a:tab pos="7239000" algn="l"/>
+                <a:tab pos="7962900" algn="l"/>
+                <a:tab pos="8686800" algn="l"/>
+              </a:tabLst>
+            </a:pPr>
+            <a:r>
+              <a:rPr lang="de-DE" sz="2400"/>
+              <a:t>Felder einer Klasse, die </a:t>
+            </a:r>
+            <a:r>
+              <a:rPr lang="de-DE" sz="2400">
+                <a:latin typeface="Courier New" pitchFamily="49" charset="0"/>
+              </a:rPr>
+              <a:t>static final</a:t>
+            </a:r>
+            <a:r>
+              <a:rPr lang="de-DE" sz="2400"/>
+              <a:t> sind, können gefahrlos </a:t>
+            </a:r>
+            <a:r>
+              <a:rPr lang="de-DE" sz="2400">
+                <a:latin typeface="Courier New" pitchFamily="49" charset="0"/>
+              </a:rPr>
+              <a:t>public</a:t>
+            </a:r>
+            <a:r>
+              <a:rPr lang="de-DE" sz="2400"/>
+              <a:t> definiert werden! (Sie sind keine Attribute.)</a:t>
+            </a:r>
+          </a:p>
+          <a:p>
+            <a:pPr marL="269875" indent="-269875">
               <a:spcAft>
                 <a:spcPct val="0"/>
               </a:spcAft>
@@ -12380,25 +12494,15 @@
                 <a:tab pos="8686800" algn="l"/>
               </a:tabLst>
             </a:pPr>
-            <a:r>
-              <a:rPr lang="de-DE"/>
-              <a:t>Definition konstanter Werte: </a:t>
-            </a:r>
-            <a:r>
-              <a:rPr lang="de-DE">
-                <a:latin typeface="Courier New" pitchFamily="49" charset="0"/>
-              </a:rPr>
-              <a:t>final</a:t>
-            </a:r>
-          </a:p>
-          <a:p>
-            <a:pPr marL="269875" indent="-269875" algn="ctr">
-              <a:spcAft>
-                <a:spcPct val="0"/>
-              </a:spcAft>
-              <a:buClrTx/>
-              <a:buSzTx/>
-              <a:buFontTx/>
+            <a:endParaRPr lang="de-DE"/>
+          </a:p>
+          <a:p>
+            <a:pPr marL="269875" indent="-269875">
+              <a:spcAft>
+                <a:spcPct val="0"/>
+              </a:spcAft>
+              <a:buSzPct val="45000"/>
+              <a:buFont typeface="Wingdings" charset="2"/>
               <a:buNone/>
               <a:tabLst>
                 <a:tab pos="723900" algn="l"/>
@@ -12416,64 +12520,6 @@
               </a:tabLst>
             </a:pPr>
             <a:endParaRPr lang="de-DE"/>
-          </a:p>
-          <a:p>
-            <a:pPr marL="269875" indent="-269875" algn="ctr">
-              <a:spcAft>
-                <a:spcPct val="0"/>
-              </a:spcAft>
-              <a:buClrTx/>
-              <a:buSzTx/>
-              <a:buFontTx/>
-              <a:buNone/>
-              <a:tabLst>
-                <a:tab pos="723900" algn="l"/>
-                <a:tab pos="1447800" algn="l"/>
-                <a:tab pos="2171700" algn="l"/>
-                <a:tab pos="2895600" algn="l"/>
-                <a:tab pos="3619500" algn="l"/>
-                <a:tab pos="4343400" algn="l"/>
-                <a:tab pos="5067300" algn="l"/>
-                <a:tab pos="5791200" algn="l"/>
-                <a:tab pos="6515100" algn="l"/>
-                <a:tab pos="7239000" algn="l"/>
-                <a:tab pos="7962900" algn="l"/>
-                <a:tab pos="8686800" algn="l"/>
-              </a:tabLst>
-            </a:pPr>
-            <a:r>
-              <a:rPr lang="de-DE"/>
-              <a:t>Differenzierung zwischen statischen und </a:t>
-            </a:r>
-          </a:p>
-          <a:p>
-            <a:pPr marL="269875" indent="-269875" algn="ctr">
-              <a:spcAft>
-                <a:spcPct val="0"/>
-              </a:spcAft>
-              <a:buClrTx/>
-              <a:buSzTx/>
-              <a:buFontTx/>
-              <a:buNone/>
-              <a:tabLst>
-                <a:tab pos="723900" algn="l"/>
-                <a:tab pos="1447800" algn="l"/>
-                <a:tab pos="2171700" algn="l"/>
-                <a:tab pos="2895600" algn="l"/>
-                <a:tab pos="3619500" algn="l"/>
-                <a:tab pos="4343400" algn="l"/>
-                <a:tab pos="5067300" algn="l"/>
-                <a:tab pos="5791200" algn="l"/>
-                <a:tab pos="6515100" algn="l"/>
-                <a:tab pos="7239000" algn="l"/>
-                <a:tab pos="7962900" algn="l"/>
-                <a:tab pos="8686800" algn="l"/>
-              </a:tabLst>
-            </a:pPr>
-            <a:r>
-              <a:rPr lang="de-DE"/>
-              <a:t>nicht-statischen Zugriffen</a:t>
-            </a:r>
           </a:p>
         </p:txBody>
       </p:sp>
@@ -12567,10 +12613,426 @@
           <a:bodyPr/>
           <a:lstStyle/>
           <a:p>
+            <a:fld id="{E2249F48-CCA8-49FA-9181-35B029C79B52}" type="slidenum">
+              <a:rPr lang="de-DE"/>
+              <a:pPr/>
+              <a:t>21</a:t>
+            </a:fld>
+            <a:endParaRPr lang="de-DE"/>
+          </a:p>
+        </p:txBody>
+      </p:sp>
+      <p:sp>
+        <p:nvSpPr>
+          <p:cNvPr id="22529" name="AutoShape 1"/>
+          <p:cNvSpPr>
+            <a:spLocks noChangeArrowheads="1"/>
+          </p:cNvSpPr>
+          <p:nvPr/>
+        </p:nvSpPr>
+        <p:spPr bwMode="auto">
+          <a:xfrm>
+            <a:off x="0" y="0"/>
+            <a:ext cx="10080625" cy="1260475"/>
+          </a:xfrm>
+          <a:prstGeom prst="roundRect">
+            <a:avLst>
+              <a:gd name="adj" fmla="val 125"/>
+            </a:avLst>
+          </a:prstGeom>
+          <a:solidFill>
+            <a:srgbClr val="0047FF"/>
+          </a:solidFill>
+          <a:ln w="9525">
+            <a:solidFill>
+              <a:srgbClr val="000000"/>
+            </a:solidFill>
+            <a:round/>
+            <a:headEnd/>
+            <a:tailEnd/>
+          </a:ln>
+          <a:effectLst/>
+        </p:spPr>
+        <p:txBody>
+          <a:bodyPr wrap="none" anchor="ctr"/>
+          <a:lstStyle/>
+          <a:p>
+            <a:endParaRPr lang="de-DE"/>
+          </a:p>
+        </p:txBody>
+      </p:sp>
+      <p:sp>
+        <p:nvSpPr>
+          <p:cNvPr id="22530" name="Rectangle 2"/>
+          <p:cNvSpPr>
+            <a:spLocks noGrp="1" noChangeArrowheads="1"/>
+          </p:cNvSpPr>
+          <p:nvPr>
+            <p:ph type="title"/>
+          </p:nvPr>
+        </p:nvSpPr>
+        <p:spPr>
+          <a:xfrm>
+            <a:off x="539750" y="98425"/>
+            <a:ext cx="9070975" cy="1701800"/>
+          </a:xfrm>
+          <a:ln/>
+        </p:spPr>
+        <p:txBody>
+          <a:bodyPr tIns="35280"/>
+          <a:lstStyle/>
+          <a:p>
+            <a:pPr algn="l">
+              <a:tabLst>
+                <a:tab pos="723900" algn="l"/>
+                <a:tab pos="1447800" algn="l"/>
+                <a:tab pos="2171700" algn="l"/>
+                <a:tab pos="2895600" algn="l"/>
+                <a:tab pos="3619500" algn="l"/>
+                <a:tab pos="4343400" algn="l"/>
+                <a:tab pos="5067300" algn="l"/>
+                <a:tab pos="5791200" algn="l"/>
+                <a:tab pos="6515100" algn="l"/>
+                <a:tab pos="7239000" algn="l"/>
+                <a:tab pos="7962900" algn="l"/>
+                <a:tab pos="8686800" algn="l"/>
+              </a:tabLst>
+            </a:pPr>
+            <a:r>
+              <a:rPr lang="de-DE" sz="4000">
+                <a:solidFill>
+                  <a:srgbClr val="FFFFFF"/>
+                </a:solidFill>
+              </a:rPr>
+              <a:t>Zusammenfassung:</a:t>
+            </a:r>
+            <a:br>
+              <a:rPr lang="de-DE" sz="4000">
+                <a:solidFill>
+                  <a:srgbClr val="FFFFFF"/>
+                </a:solidFill>
+              </a:rPr>
+            </a:br>
+            <a:r>
+              <a:rPr lang="de-DE" sz="4000">
+                <a:solidFill>
+                  <a:srgbClr val="FFFFFF"/>
+                </a:solidFill>
+              </a:rPr>
+              <a:t>Was haben wir gelernt?</a:t>
+            </a:r>
+            <a:br>
+              <a:rPr lang="de-DE" sz="4000">
+                <a:solidFill>
+                  <a:srgbClr val="FFFFFF"/>
+                </a:solidFill>
+              </a:rPr>
+            </a:br>
+            <a:endParaRPr lang="de-DE" sz="4000">
+              <a:solidFill>
+                <a:srgbClr val="FFFFFF"/>
+              </a:solidFill>
+            </a:endParaRPr>
+          </a:p>
+        </p:txBody>
+      </p:sp>
+      <p:sp>
+        <p:nvSpPr>
+          <p:cNvPr id="22531" name="Rectangle 3"/>
+          <p:cNvSpPr>
+            <a:spLocks noGrp="1" noChangeArrowheads="1"/>
+          </p:cNvSpPr>
+          <p:nvPr>
+            <p:ph type="subTitle" idx="4294967295"/>
+          </p:nvPr>
+        </p:nvSpPr>
+        <p:spPr bwMode="auto">
+          <a:xfrm>
+            <a:off x="504825" y="1619250"/>
+            <a:ext cx="9070975" cy="4989513"/>
+          </a:xfrm>
+          <a:prstGeom prst="rect">
+            <a:avLst/>
+          </a:prstGeom>
+          <a:noFill/>
+          <a:ln/>
+        </p:spPr>
+        <p:txBody>
+          <a:bodyPr lIns="0" tIns="28224" rIns="0" bIns="0" anchor="ctr" anchorCtr="1"/>
+          <a:lstStyle/>
+          <a:p>
+            <a:pPr marL="269875" indent="-269875" algn="ctr">
+              <a:spcAft>
+                <a:spcPct val="0"/>
+              </a:spcAft>
+              <a:buSzPct val="45000"/>
+              <a:buFont typeface="Wingdings" charset="2"/>
+              <a:buNone/>
+              <a:tabLst>
+                <a:tab pos="723900" algn="l"/>
+                <a:tab pos="1447800" algn="l"/>
+                <a:tab pos="2171700" algn="l"/>
+                <a:tab pos="2895600" algn="l"/>
+                <a:tab pos="3619500" algn="l"/>
+                <a:tab pos="4343400" algn="l"/>
+                <a:tab pos="5067300" algn="l"/>
+                <a:tab pos="5791200" algn="l"/>
+                <a:tab pos="6515100" algn="l"/>
+                <a:tab pos="7239000" algn="l"/>
+                <a:tab pos="7962900" algn="l"/>
+                <a:tab pos="8686800" algn="l"/>
+              </a:tabLst>
+            </a:pPr>
+            <a:r>
+              <a:rPr lang="de-DE"/>
+              <a:t>Zugriffsbeschränkungen: </a:t>
+            </a:r>
+            <a:r>
+              <a:rPr lang="de-DE">
+                <a:latin typeface="Courier New" pitchFamily="49" charset="0"/>
+              </a:rPr>
+              <a:t>private</a:t>
+            </a:r>
+          </a:p>
+          <a:p>
+            <a:pPr marL="269875" indent="-269875" algn="ctr">
+              <a:spcAft>
+                <a:spcPct val="0"/>
+              </a:spcAft>
+              <a:buSzPct val="45000"/>
+              <a:buFont typeface="Wingdings" charset="2"/>
+              <a:buNone/>
+              <a:tabLst>
+                <a:tab pos="723900" algn="l"/>
+                <a:tab pos="1447800" algn="l"/>
+                <a:tab pos="2171700" algn="l"/>
+                <a:tab pos="2895600" algn="l"/>
+                <a:tab pos="3619500" algn="l"/>
+                <a:tab pos="4343400" algn="l"/>
+                <a:tab pos="5067300" algn="l"/>
+                <a:tab pos="5791200" algn="l"/>
+                <a:tab pos="6515100" algn="l"/>
+                <a:tab pos="7239000" algn="l"/>
+                <a:tab pos="7962900" algn="l"/>
+                <a:tab pos="8686800" algn="l"/>
+              </a:tabLst>
+            </a:pPr>
+            <a:endParaRPr lang="de-DE"/>
+          </a:p>
+          <a:p>
+            <a:pPr marL="269875" indent="-269875" algn="ctr">
+              <a:spcAft>
+                <a:spcPct val="0"/>
+              </a:spcAft>
+              <a:buSzPct val="45000"/>
+              <a:buFont typeface="Wingdings" charset="2"/>
+              <a:buNone/>
+              <a:tabLst>
+                <a:tab pos="723900" algn="l"/>
+                <a:tab pos="1447800" algn="l"/>
+                <a:tab pos="2171700" algn="l"/>
+                <a:tab pos="2895600" algn="l"/>
+                <a:tab pos="3619500" algn="l"/>
+                <a:tab pos="4343400" algn="l"/>
+                <a:tab pos="5067300" algn="l"/>
+                <a:tab pos="5791200" algn="l"/>
+                <a:tab pos="6515100" algn="l"/>
+                <a:tab pos="7239000" algn="l"/>
+                <a:tab pos="7962900" algn="l"/>
+                <a:tab pos="8686800" algn="l"/>
+              </a:tabLst>
+            </a:pPr>
+            <a:r>
+              <a:rPr lang="de-DE"/>
+              <a:t>Definition konstanter Werte: </a:t>
+            </a:r>
+            <a:r>
+              <a:rPr lang="de-DE">
+                <a:latin typeface="Courier New" pitchFamily="49" charset="0"/>
+              </a:rPr>
+              <a:t>final</a:t>
+            </a:r>
+          </a:p>
+          <a:p>
+            <a:pPr marL="269875" indent="-269875" algn="ctr">
+              <a:spcAft>
+                <a:spcPct val="0"/>
+              </a:spcAft>
+              <a:buClrTx/>
+              <a:buSzTx/>
+              <a:buFontTx/>
+              <a:buNone/>
+              <a:tabLst>
+                <a:tab pos="723900" algn="l"/>
+                <a:tab pos="1447800" algn="l"/>
+                <a:tab pos="2171700" algn="l"/>
+                <a:tab pos="2895600" algn="l"/>
+                <a:tab pos="3619500" algn="l"/>
+                <a:tab pos="4343400" algn="l"/>
+                <a:tab pos="5067300" algn="l"/>
+                <a:tab pos="5791200" algn="l"/>
+                <a:tab pos="6515100" algn="l"/>
+                <a:tab pos="7239000" algn="l"/>
+                <a:tab pos="7962900" algn="l"/>
+                <a:tab pos="8686800" algn="l"/>
+              </a:tabLst>
+            </a:pPr>
+            <a:endParaRPr lang="de-DE"/>
+          </a:p>
+          <a:p>
+            <a:pPr marL="269875" indent="-269875" algn="ctr">
+              <a:spcAft>
+                <a:spcPct val="0"/>
+              </a:spcAft>
+              <a:buClrTx/>
+              <a:buSzTx/>
+              <a:buFontTx/>
+              <a:buNone/>
+              <a:tabLst>
+                <a:tab pos="723900" algn="l"/>
+                <a:tab pos="1447800" algn="l"/>
+                <a:tab pos="2171700" algn="l"/>
+                <a:tab pos="2895600" algn="l"/>
+                <a:tab pos="3619500" algn="l"/>
+                <a:tab pos="4343400" algn="l"/>
+                <a:tab pos="5067300" algn="l"/>
+                <a:tab pos="5791200" algn="l"/>
+                <a:tab pos="6515100" algn="l"/>
+                <a:tab pos="7239000" algn="l"/>
+                <a:tab pos="7962900" algn="l"/>
+                <a:tab pos="8686800" algn="l"/>
+              </a:tabLst>
+            </a:pPr>
+            <a:r>
+              <a:rPr lang="de-DE"/>
+              <a:t>Differenzierung zwischen statischen und </a:t>
+            </a:r>
+          </a:p>
+          <a:p>
+            <a:pPr marL="269875" indent="-269875" algn="ctr">
+              <a:spcAft>
+                <a:spcPct val="0"/>
+              </a:spcAft>
+              <a:buClrTx/>
+              <a:buSzTx/>
+              <a:buFontTx/>
+              <a:buNone/>
+              <a:tabLst>
+                <a:tab pos="723900" algn="l"/>
+                <a:tab pos="1447800" algn="l"/>
+                <a:tab pos="2171700" algn="l"/>
+                <a:tab pos="2895600" algn="l"/>
+                <a:tab pos="3619500" algn="l"/>
+                <a:tab pos="4343400" algn="l"/>
+                <a:tab pos="5067300" algn="l"/>
+                <a:tab pos="5791200" algn="l"/>
+                <a:tab pos="6515100" algn="l"/>
+                <a:tab pos="7239000" algn="l"/>
+                <a:tab pos="7962900" algn="l"/>
+                <a:tab pos="8686800" algn="l"/>
+              </a:tabLst>
+            </a:pPr>
+            <a:r>
+              <a:rPr lang="de-DE"/>
+              <a:t>nicht-statischen Zugriffen</a:t>
+            </a:r>
+          </a:p>
+        </p:txBody>
+      </p:sp>
+    </p:spTree>
+  </p:cSld>
+  <p:clrMapOvr>
+    <a:masterClrMapping/>
+  </p:clrMapOvr>
+  <p:transition spd="med"/>
+  <p:timing>
+    <p:tnLst>
+      <p:par>
+        <p:cTn id="1" dur="indefinite" restart="never" nodeType="tmRoot">
+          <p:childTnLst>
+            <p:seq concurrent="1" nextAc="seek">
+              <p:cTn id="2" dur="0" nodeType="mainSeq"/>
+              <p:prevCondLst>
+                <p:cond evt="onPrev" delay="0">
+                  <p:tgtEl>
+                    <p:sldTgt/>
+                  </p:tgtEl>
+                </p:cond>
+              </p:prevCondLst>
+              <p:nextCondLst>
+                <p:cond evt="onNext" delay="0">
+                  <p:tgtEl>
+                    <p:sldTgt/>
+                  </p:tgtEl>
+                </p:cond>
+              </p:nextCondLst>
+            </p:seq>
+          </p:childTnLst>
+        </p:cTn>
+      </p:par>
+    </p:tnLst>
+  </p:timing>
+</p:sld>
+</file>
+
+<file path=ppt/slides/slide22.xml><?xml version="1.0" encoding="utf-8"?>
+<p:sld xmlns:a="http://schemas.openxmlformats.org/drawingml/2006/main" xmlns:r="http://schemas.openxmlformats.org/officeDocument/2006/relationships" xmlns:p="http://schemas.openxmlformats.org/presentationml/2006/main">
+  <p:cSld>
+    <p:spTree>
+      <p:nvGrpSpPr>
+        <p:cNvPr id="1" name=""/>
+        <p:cNvGrpSpPr/>
+        <p:nvPr/>
+      </p:nvGrpSpPr>
+      <p:grpSpPr>
+        <a:xfrm>
+          <a:off x="0" y="0"/>
+          <a:ext cx="0" cy="0"/>
+          <a:chOff x="0" y="0"/>
+          <a:chExt cx="0" cy="0"/>
+        </a:xfrm>
+      </p:grpSpPr>
+      <p:sp>
+        <p:nvSpPr>
+          <p:cNvPr id="5" name="Fußzeilenplatzhalter 3"/>
+          <p:cNvSpPr>
+            <a:spLocks noGrp="1"/>
+          </p:cNvSpPr>
+          <p:nvPr>
+            <p:ph type="ftr" idx="11"/>
+          </p:nvPr>
+        </p:nvSpPr>
+        <p:spPr/>
+        <p:txBody>
+          <a:bodyPr/>
+          <a:lstStyle/>
+          <a:p>
+            <a:r>
+              <a:rPr lang="de-DE"/>
+              <a:t>Einführung in die Software-Entwicklung</a:t>
+            </a:r>
+          </a:p>
+        </p:txBody>
+      </p:sp>
+      <p:sp>
+        <p:nvSpPr>
+          <p:cNvPr id="6" name="Foliennummernplatzhalter 4"/>
+          <p:cNvSpPr>
+            <a:spLocks noGrp="1"/>
+          </p:cNvSpPr>
+          <p:nvPr>
+            <p:ph type="sldNum" idx="12"/>
+          </p:nvPr>
+        </p:nvSpPr>
+        <p:spPr/>
+        <p:txBody>
+          <a:bodyPr/>
+          <a:lstStyle/>
+          <a:p>
             <a:fld id="{6939F735-96B3-489A-8F12-B7A3596834C3}" type="slidenum">
               <a:rPr lang="de-DE"/>
               <a:pPr/>
-              <a:t>21</a:t>
+              <a:t>22</a:t>
             </a:fld>
             <a:endParaRPr lang="de-DE"/>
           </a:p>
@@ -16165,7 +16627,7 @@
           <a:bodyPr/>
           <a:lstStyle/>
           <a:p>
-            <a:fld id="{478BE305-21FC-4710-9B9C-6EA6816FBB03}" type="slidenum">
+            <a:fld id="{C0C61991-BD8E-4FC5-A7CA-84234C1F89BB}" type="slidenum">
               <a:rPr lang="de-DE"/>
               <a:pPr/>
               <a:t>9</a:t>
@@ -16176,7 +16638,7 @@
       </p:sp>
       <p:sp>
         <p:nvSpPr>
-          <p:cNvPr id="11265" name="AutoShape 1"/>
+          <p:cNvPr id="14337" name="AutoShape 1"/>
           <p:cNvSpPr>
             <a:spLocks noChangeArrowheads="1"/>
           </p:cNvSpPr>
@@ -16215,7 +16677,7 @@
       </p:sp>
       <p:sp>
         <p:nvSpPr>
-          <p:cNvPr id="11266" name="Rectangle 2"/>
+          <p:cNvPr id="14338" name="Rectangle 2"/>
           <p:cNvSpPr>
             <a:spLocks noGrp="1" noChangeArrowheads="1"/>
           </p:cNvSpPr>
@@ -16251,19 +16713,32 @@
               </a:tabLst>
             </a:pPr>
             <a:r>
-              <a:rPr lang="de-DE" sz="4000">
+              <a:rPr lang="de-DE" sz="4000" dirty="0">
                 <a:solidFill>
                   <a:srgbClr val="FFFFFF"/>
                 </a:solidFill>
               </a:rPr>
-              <a:t>final (1)</a:t>
-            </a:r>
-          </a:p>
-        </p:txBody>
-      </p:sp>
-      <p:sp>
-        <p:nvSpPr>
-          <p:cNvPr id="11267" name="Rectangle 3"/>
+              <a:t>Übung - </a:t>
+            </a:r>
+            <a:r>
+              <a:rPr lang="de-DE" sz="4000" dirty="0" smtClean="0">
+                <a:solidFill>
+                  <a:srgbClr val="FFFFFF"/>
+                </a:solidFill>
+              </a:rPr>
+              <a:t>private</a:t>
+            </a:r>
+            <a:endParaRPr lang="de-DE" sz="4000" dirty="0">
+              <a:solidFill>
+                <a:srgbClr val="FFFFFF"/>
+              </a:solidFill>
+            </a:endParaRPr>
+          </a:p>
+        </p:txBody>
+      </p:sp>
+      <p:sp>
+        <p:nvSpPr>
+          <p:cNvPr id="14339" name="Rectangle 3"/>
           <p:cNvSpPr>
             <a:spLocks noGrp="1" noChangeArrowheads="1"/>
           </p:cNvSpPr>
@@ -16274,7 +16749,7 @@
         <p:spPr bwMode="auto">
           <a:xfrm>
             <a:off x="504825" y="1619250"/>
-            <a:ext cx="9070975" cy="6065838"/>
+            <a:ext cx="9070975" cy="4989513"/>
           </a:xfrm>
           <a:prstGeom prst="rect">
             <a:avLst/>
@@ -16283,190 +16758,119 @@
           <a:ln/>
         </p:spPr>
         <p:txBody>
-          <a:bodyPr lIns="0" tIns="38808" rIns="0" bIns="0"/>
+          <a:bodyPr lIns="0" tIns="24695" rIns="0" bIns="0"/>
           <a:lstStyle/>
           <a:p>
-            <a:pPr marL="269875" indent="-269875">
-              <a:lnSpc>
-                <a:spcPct val="89000"/>
-              </a:lnSpc>
-              <a:spcAft>
-                <a:spcPct val="0"/>
-              </a:spcAft>
-              <a:buSzPct val="45000"/>
-              <a:buFont typeface="Wingdings" charset="2"/>
-              <a:buChar char=""/>
-              <a:tabLst>
-                <a:tab pos="723900" algn="l"/>
-                <a:tab pos="1447800" algn="l"/>
-                <a:tab pos="2171700" algn="l"/>
-                <a:tab pos="2895600" algn="l"/>
-                <a:tab pos="3619500" algn="l"/>
-                <a:tab pos="4343400" algn="l"/>
-                <a:tab pos="5067300" algn="l"/>
-                <a:tab pos="5791200" algn="l"/>
-                <a:tab pos="6515100" algn="l"/>
-                <a:tab pos="7239000" algn="l"/>
-                <a:tab pos="7962900" algn="l"/>
-                <a:tab pos="8686800" algn="l"/>
-              </a:tabLst>
-            </a:pPr>
-            <a:r>
-              <a:rPr lang="de-DE" sz="2800">
+            <a:pPr marL="457200" indent="-457200">
+              <a:spcAft>
+                <a:spcPct val="0"/>
+              </a:spcAft>
+              <a:buFont typeface="Arial" panose="020B0604020202020204" pitchFamily="34" charset="0"/>
+              <a:buChar char="•"/>
+              <a:tabLst>
+                <a:tab pos="723900" algn="l"/>
+                <a:tab pos="1447800" algn="l"/>
+                <a:tab pos="2171700" algn="l"/>
+                <a:tab pos="2895600" algn="l"/>
+                <a:tab pos="3619500" algn="l"/>
+                <a:tab pos="4343400" algn="l"/>
+                <a:tab pos="5067300" algn="l"/>
+                <a:tab pos="5791200" algn="l"/>
+                <a:tab pos="6515100" algn="l"/>
+                <a:tab pos="7239000" algn="l"/>
+                <a:tab pos="7962900" algn="l"/>
+                <a:tab pos="8686800" algn="l"/>
+              </a:tabLst>
+            </a:pPr>
+            <a:r>
+              <a:rPr lang="de-DE" sz="2800" dirty="0"/>
+              <a:t>Ändern Sie die Klasse </a:t>
+            </a:r>
+            <a:r>
+              <a:rPr lang="de-DE" sz="2800" dirty="0">
                 <a:latin typeface="Courier New" pitchFamily="49" charset="0"/>
               </a:rPr>
-              <a:t>final</a:t>
-            </a:r>
-            <a:r>
-              <a:rPr lang="de-DE" sz="2800"/>
-              <a:t> ( = "endgültig") bedeutet, dass sich der Wert eines Attributes niemals verändern darf (außer während der Erzeugung eines Objektes).</a:t>
-            </a:r>
-            <a:br>
-              <a:rPr lang="de-DE" sz="2800"/>
-            </a:br>
-            <a:endParaRPr lang="de-DE" sz="2800"/>
-          </a:p>
-          <a:p>
-            <a:pPr marL="269875" indent="-269875">
-              <a:spcAft>
-                <a:spcPct val="0"/>
-              </a:spcAft>
-              <a:buSzPct val="45000"/>
-              <a:buFont typeface="Wingdings" charset="2"/>
-              <a:buChar char=""/>
-              <a:tabLst>
-                <a:tab pos="723900" algn="l"/>
-                <a:tab pos="1447800" algn="l"/>
-                <a:tab pos="2171700" algn="l"/>
-                <a:tab pos="2895600" algn="l"/>
-                <a:tab pos="3619500" algn="l"/>
-                <a:tab pos="4343400" algn="l"/>
-                <a:tab pos="5067300" algn="l"/>
-                <a:tab pos="5791200" algn="l"/>
-                <a:tab pos="6515100" algn="l"/>
-                <a:tab pos="7239000" algn="l"/>
-                <a:tab pos="7962900" algn="l"/>
-                <a:tab pos="8686800" algn="l"/>
-              </a:tabLst>
-            </a:pPr>
-            <a:r>
-              <a:rPr lang="de-DE" sz="2800"/>
-              <a:t>Unter "ändern" werden dabei nur neue Zuweisungen an das Attribut verstanden. Ist ein Attribut ein Objekt, kann dessen Zustand über seine Methoden verändert werden:</a:t>
-            </a:r>
-            <a:br>
-              <a:rPr lang="de-DE" sz="2800"/>
-            </a:br>
-            <a:r>
-              <a:rPr lang="de-DE" sz="2800"/>
-              <a:t/>
-            </a:r>
-            <a:br>
-              <a:rPr lang="de-DE" sz="2800"/>
-            </a:br>
-            <a:r>
-              <a:rPr lang="de-DE" sz="2600"/>
-              <a:t>verboten:</a:t>
-            </a:r>
-            <a:r>
-              <a:rPr lang="de-DE" sz="2800"/>
-              <a:t>	</a:t>
-            </a:r>
-            <a:r>
-              <a:rPr lang="de-DE" sz="2200">
-                <a:latin typeface="Courier New" pitchFamily="49" charset="0"/>
+              <a:t>Auto</a:t>
+            </a:r>
+            <a:r>
+              <a:rPr lang="de-DE" sz="2800" dirty="0"/>
+              <a:t> aus der vorangegangenen Veranstaltung derart, dass </a:t>
+            </a:r>
+            <a:r>
+              <a:rPr lang="de-DE" sz="2800" dirty="0" smtClean="0"/>
+              <a:t>Sie alle internen Details des Autos als </a:t>
+            </a:r>
+            <a:r>
+              <a:rPr lang="de-DE" sz="2800" dirty="0" smtClean="0">
+                <a:latin typeface="Courier New" panose="02070309020205020404" pitchFamily="49" charset="0"/>
+                <a:cs typeface="Courier New" panose="02070309020205020404" pitchFamily="49" charset="0"/>
               </a:rPr>
-              <a:t>einFinalesAttribut = neuerWert;</a:t>
-            </a:r>
-            <a:r>
-              <a:rPr lang="de-DE" sz="2800"/>
-              <a:t/>
-            </a:r>
-            <a:br>
-              <a:rPr lang="de-DE" sz="2800"/>
-            </a:br>
-            <a:r>
-              <a:rPr lang="de-DE" sz="2800"/>
-              <a:t/>
-            </a:r>
-            <a:br>
-              <a:rPr lang="de-DE" sz="2800"/>
-            </a:br>
-            <a:r>
-              <a:rPr lang="de-DE" sz="2600"/>
-              <a:t>erlaubt:</a:t>
-            </a:r>
-            <a:r>
-              <a:rPr lang="de-DE" sz="2800"/>
-              <a:t>		</a:t>
-            </a:r>
-            <a:r>
-              <a:rPr lang="de-DE" sz="2200">
-                <a:latin typeface="Courier New" pitchFamily="49" charset="0"/>
-              </a:rPr>
-              <a:t>einFinalesAttribut.veraendereDich();</a:t>
-            </a:r>
-            <a:r>
-              <a:rPr lang="de-DE" sz="2800"/>
-              <a:t/>
-            </a:r>
-            <a:br>
-              <a:rPr lang="de-DE" sz="2800"/>
-            </a:br>
-            <a:endParaRPr lang="de-DE" sz="2800"/>
-          </a:p>
-          <a:p>
-            <a:pPr marL="269875" indent="-269875">
-              <a:spcAft>
-                <a:spcPct val="0"/>
-              </a:spcAft>
-              <a:buSzPct val="45000"/>
-              <a:buFont typeface="Wingdings" charset="2"/>
-              <a:buNone/>
-              <a:tabLst>
-                <a:tab pos="723900" algn="l"/>
-                <a:tab pos="1447800" algn="l"/>
-                <a:tab pos="2171700" algn="l"/>
-                <a:tab pos="2895600" algn="l"/>
-                <a:tab pos="3619500" algn="l"/>
-                <a:tab pos="4343400" algn="l"/>
-                <a:tab pos="5067300" algn="l"/>
-                <a:tab pos="5791200" algn="l"/>
-                <a:tab pos="6515100" algn="l"/>
-                <a:tab pos="7239000" algn="l"/>
-                <a:tab pos="7962900" algn="l"/>
-                <a:tab pos="8686800" algn="l"/>
-              </a:tabLst>
-            </a:pPr>
-            <a:endParaRPr lang="de-DE"/>
-          </a:p>
-          <a:p>
-            <a:pPr marL="269875" indent="-269875">
-              <a:spcAft>
-                <a:spcPct val="0"/>
-              </a:spcAft>
-              <a:buSzPct val="45000"/>
-              <a:buFont typeface="Wingdings" charset="2"/>
-              <a:buNone/>
-              <a:tabLst>
-                <a:tab pos="723900" algn="l"/>
-                <a:tab pos="1447800" algn="l"/>
-                <a:tab pos="2171700" algn="l"/>
-                <a:tab pos="2895600" algn="l"/>
-                <a:tab pos="3619500" algn="l"/>
-                <a:tab pos="4343400" algn="l"/>
-                <a:tab pos="5067300" algn="l"/>
-                <a:tab pos="5791200" algn="l"/>
-                <a:tab pos="6515100" algn="l"/>
-                <a:tab pos="7239000" algn="l"/>
-                <a:tab pos="7962900" algn="l"/>
-                <a:tab pos="8686800" algn="l"/>
-              </a:tabLst>
-            </a:pPr>
-            <a:endParaRPr lang="de-DE"/>
+              <a:t>private</a:t>
+            </a:r>
+            <a:r>
+              <a:rPr lang="de-DE" sz="2800" dirty="0" smtClean="0"/>
+              <a:t> deklarieren und nur noch über Hilfsmethoden verändern oder ausgeben lassen.</a:t>
+            </a:r>
+          </a:p>
+          <a:p>
+            <a:pPr marL="457200" indent="-457200">
+              <a:spcAft>
+                <a:spcPct val="0"/>
+              </a:spcAft>
+              <a:buFont typeface="Arial" panose="020B0604020202020204" pitchFamily="34" charset="0"/>
+              <a:buChar char="•"/>
+              <a:tabLst>
+                <a:tab pos="723900" algn="l"/>
+                <a:tab pos="1447800" algn="l"/>
+                <a:tab pos="2171700" algn="l"/>
+                <a:tab pos="2895600" algn="l"/>
+                <a:tab pos="3619500" algn="l"/>
+                <a:tab pos="4343400" algn="l"/>
+                <a:tab pos="5067300" algn="l"/>
+                <a:tab pos="5791200" algn="l"/>
+                <a:tab pos="6515100" algn="l"/>
+                <a:tab pos="7239000" algn="l"/>
+                <a:tab pos="7962900" algn="l"/>
+                <a:tab pos="8686800" algn="l"/>
+              </a:tabLst>
+            </a:pPr>
+            <a:endParaRPr lang="de-DE" sz="2800" dirty="0" smtClean="0"/>
+          </a:p>
+          <a:p>
+            <a:pPr marL="457200" indent="-457200">
+              <a:spcAft>
+                <a:spcPct val="0"/>
+              </a:spcAft>
+              <a:buFont typeface="Arial" panose="020B0604020202020204" pitchFamily="34" charset="0"/>
+              <a:buChar char="•"/>
+              <a:tabLst>
+                <a:tab pos="723900" algn="l"/>
+                <a:tab pos="1447800" algn="l"/>
+                <a:tab pos="2171700" algn="l"/>
+                <a:tab pos="2895600" algn="l"/>
+                <a:tab pos="3619500" algn="l"/>
+                <a:tab pos="4343400" algn="l"/>
+                <a:tab pos="5067300" algn="l"/>
+                <a:tab pos="5791200" algn="l"/>
+                <a:tab pos="6515100" algn="l"/>
+                <a:tab pos="7239000" algn="l"/>
+                <a:tab pos="7962900" algn="l"/>
+                <a:tab pos="8686800" algn="l"/>
+              </a:tabLst>
+            </a:pPr>
+            <a:r>
+              <a:rPr lang="de-DE" sz="2800" dirty="0" smtClean="0"/>
+              <a:t>Erstellen Sie wirklich nur Hilfsmethoden, wenn dies notwendig ist! Das Erstellen von Methoden „auf Verdacht“ oder „auf Vorrat“ ist schlechter Stil!</a:t>
+            </a:r>
           </a:p>
         </p:txBody>
       </p:sp>
     </p:spTree>
+    <p:extLst>
+      <p:ext uri="{BB962C8B-B14F-4D97-AF65-F5344CB8AC3E}">
+        <p14:creationId xmlns:p14="http://schemas.microsoft.com/office/powerpoint/2010/main" val="3974516024"/>
+      </p:ext>
+    </p:extLst>
   </p:cSld>
   <p:clrMapOvr>
     <a:masterClrMapping/>

--- a/folien/Semester_03_Termin_08_Kapitel07.pptx
+++ b/folien/Semester_03_Termin_08_Kapitel07.pptx
@@ -204,7 +204,7 @@
   </p:defaultTextStyle>
   <p:extLst>
     <p:ext uri="{EFAFB233-063F-42B5-8137-9DF3F51BA10A}">
-      <p15:sldGuideLst xmlns:p15="http://schemas.microsoft.com/office/powerpoint/2012/main">
+      <p15:sldGuideLst xmlns:p15="http://schemas.microsoft.com/office/powerpoint/2012/main" xmlns="">
         <p15:guide id="1" orient="horz" pos="2160">
           <p15:clr>
             <a:srgbClr val="A4A3A4"/>
@@ -218,7 +218,7 @@
       </p15:sldGuideLst>
     </p:ext>
     <p:ext uri="{2D200454-40CA-4A62-9FC3-DE9A4176ACB9}">
-      <p15:notesGuideLst xmlns:p15="http://schemas.microsoft.com/office/powerpoint/2012/main">
+      <p15:notesGuideLst xmlns:p15="http://schemas.microsoft.com/office/powerpoint/2012/main" xmlns="">
         <p15:guide id="1" orient="horz" pos="2880">
           <p15:clr>
             <a:srgbClr val="A4A3A4"/>
@@ -12644,15 +12644,7 @@
                   <a:srgbClr val="FFFFFF"/>
                 </a:solidFill>
               </a:rPr>
-              <a:t>Versionsk</a:t>
-            </a:r>
-            <a:r>
-              <a:rPr lang="de-DE" sz="4000" dirty="0" smtClean="0">
-                <a:solidFill>
-                  <a:srgbClr val="FFFFFF"/>
-                </a:solidFill>
-              </a:rPr>
-              <a:t>onflikte auflösen (1)</a:t>
+              <a:t>Versionskonflikte auflösen (1)</a:t>
             </a:r>
             <a:endParaRPr lang="de-DE" sz="4000" dirty="0">
               <a:solidFill>
@@ -16296,15 +16288,7 @@
                   <a:srgbClr val="FFFFFF"/>
                 </a:solidFill>
               </a:rPr>
-              <a:t>Versionsk</a:t>
-            </a:r>
-            <a:r>
-              <a:rPr lang="de-DE" sz="4000" dirty="0" smtClean="0">
-                <a:solidFill>
-                  <a:srgbClr val="FFFFFF"/>
-                </a:solidFill>
-              </a:rPr>
-              <a:t>onflikte auflösen (2)</a:t>
+              <a:t>Versionskonflikte auflösen (2)</a:t>
             </a:r>
             <a:endParaRPr lang="de-DE" sz="4000" dirty="0">
               <a:solidFill>
@@ -16370,7 +16354,23 @@
             </a:r>
             <a:r>
               <a:rPr lang="de-DE" sz="2800" dirty="0" smtClean="0"/>
-              <a:t> ist gut darin, Konflikte selbst aufzulösen, sofern diese überschneidungsfrei sind, z.B.</a:t>
+              <a:t> ist gut darin, </a:t>
+            </a:r>
+            <a:r>
+              <a:rPr lang="de-DE" sz="2800" dirty="0" smtClean="0"/>
+              <a:t>Unterschiede </a:t>
+            </a:r>
+            <a:r>
+              <a:rPr lang="de-DE" sz="2800" dirty="0" smtClean="0"/>
+              <a:t>selbst </a:t>
+            </a:r>
+            <a:r>
+              <a:rPr lang="de-DE" sz="2800" dirty="0" smtClean="0"/>
+              <a:t>zusammenzuführen, </a:t>
+            </a:r>
+            <a:r>
+              <a:rPr lang="de-DE" sz="2800" dirty="0" smtClean="0"/>
+              <a:t>sofern diese überschneidungsfrei sind, z.B.</a:t>
             </a:r>
           </a:p>
           <a:p>
@@ -16738,15 +16738,7 @@
                   <a:srgbClr val="FFFFFF"/>
                 </a:solidFill>
               </a:rPr>
-              <a:t>Versionsk</a:t>
-            </a:r>
-            <a:r>
-              <a:rPr lang="de-DE" sz="4000" dirty="0" smtClean="0">
-                <a:solidFill>
-                  <a:srgbClr val="FFFFFF"/>
-                </a:solidFill>
-              </a:rPr>
-              <a:t>onflikte auflösen (3)</a:t>
+              <a:t>Versionskonflikte auflösen (3)</a:t>
             </a:r>
             <a:endParaRPr lang="de-DE" sz="4000" dirty="0">
               <a:solidFill>

--- a/folien/Semester_03_Termin_08_Kapitel07.pptx
+++ b/folien/Semester_03_Termin_08_Kapitel07.pptx
@@ -11318,7 +11318,11 @@
             </a:r>
             <a:r>
               <a:rPr lang="de-DE" sz="2800" dirty="0"/>
-              <a:t> aus der vorangegangenen Veranstaltung derart, dass sich der Verbrauch eines Autos nach der Erzeugung eines Objektes nicht mehr verändern kann.</a:t>
+              <a:t> aus der vorangegangenen Veranstaltung derart, dass sich der Verbrauch eines Autos nach der Erzeugung eines Objektes nicht mehr verändern kann</a:t>
+            </a:r>
+            <a:r>
+              <a:rPr lang="de-DE" sz="2800" dirty="0" smtClean="0"/>
+              <a:t>.</a:t>
             </a:r>
           </a:p>
         </p:txBody>
@@ -14279,70 +14283,40 @@
               </a:tabLst>
             </a:pPr>
             <a:r>
+              <a:rPr lang="de-DE" sz="2800" dirty="0"/>
+              <a:t>Fügen Sie ein neues Attribut </a:t>
+            </a:r>
+            <a:r>
+              <a:rPr lang="de-DE" sz="2800" dirty="0" err="1">
+                <a:latin typeface="Courier New" pitchFamily="49" charset="0"/>
+                <a:cs typeface="Courier New" pitchFamily="49" charset="0"/>
+              </a:rPr>
+              <a:t>fahrgestellnummer</a:t>
+            </a:r>
+            <a:r>
+              <a:rPr lang="de-DE" sz="2800" dirty="0"/>
+              <a:t> hinzu, welche beim Erzeugen eines Autos automatisch (d.h. </a:t>
+            </a:r>
+            <a:r>
+              <a:rPr lang="de-DE" sz="2800" u="sng" dirty="0"/>
+              <a:t>nicht</a:t>
+            </a:r>
+            <a:r>
+              <a:rPr lang="de-DE" sz="2800" dirty="0"/>
+              <a:t> über einen </a:t>
+            </a:r>
+            <a:r>
+              <a:rPr lang="de-DE" sz="2800" dirty="0" err="1"/>
+              <a:t>Konstruktorparameter</a:t>
+            </a:r>
+            <a:r>
+              <a:rPr lang="de-DE" sz="2800" dirty="0"/>
+              <a:t>) zugewiesen werden </a:t>
+            </a:r>
+            <a:r>
               <a:rPr lang="de-DE" sz="2800" dirty="0" smtClean="0"/>
-              <a:t>Modifizieren </a:t>
-            </a:r>
-            <a:r>
-              <a:rPr lang="de-DE" sz="2800" dirty="0"/>
-              <a:t>Sie Ihre Klasse </a:t>
-            </a:r>
-            <a:r>
-              <a:rPr lang="de-DE" sz="2800" dirty="0">
-                <a:latin typeface="Courier New" pitchFamily="49" charset="0"/>
-              </a:rPr>
-              <a:t>Auto</a:t>
-            </a:r>
-            <a:r>
-              <a:rPr lang="de-DE" sz="2800" dirty="0"/>
-              <a:t> derart, dass das</a:t>
-            </a:r>
-          </a:p>
-          <a:p>
-            <a:pPr marL="269875" indent="-269875">
-              <a:spcAft>
-                <a:spcPct val="0"/>
-              </a:spcAft>
-              <a:tabLst>
-                <a:tab pos="723900" algn="l"/>
-                <a:tab pos="1447800" algn="l"/>
-                <a:tab pos="2171700" algn="l"/>
-                <a:tab pos="2895600" algn="l"/>
-                <a:tab pos="3619500" algn="l"/>
-                <a:tab pos="4343400" algn="l"/>
-                <a:tab pos="5067300" algn="l"/>
-                <a:tab pos="5791200" algn="l"/>
-                <a:tab pos="6515100" algn="l"/>
-                <a:tab pos="7239000" algn="l"/>
-                <a:tab pos="7962900" algn="l"/>
-                <a:tab pos="8686800" algn="l"/>
-              </a:tabLst>
-            </a:pPr>
-            <a:r>
-              <a:rPr lang="de-DE" sz="2800" dirty="0"/>
-              <a:t>Tankvolumen als statische Variable implementiert ist.</a:t>
-            </a:r>
-          </a:p>
-          <a:p>
-            <a:pPr marL="269875" indent="-269875">
-              <a:spcAft>
-                <a:spcPct val="0"/>
-              </a:spcAft>
-              <a:tabLst>
-                <a:tab pos="723900" algn="l"/>
-                <a:tab pos="1447800" algn="l"/>
-                <a:tab pos="2171700" algn="l"/>
-                <a:tab pos="2895600" algn="l"/>
-                <a:tab pos="3619500" algn="l"/>
-                <a:tab pos="4343400" algn="l"/>
-                <a:tab pos="5067300" algn="l"/>
-                <a:tab pos="5791200" algn="l"/>
-                <a:tab pos="6515100" algn="l"/>
-                <a:tab pos="7239000" algn="l"/>
-                <a:tab pos="7962900" algn="l"/>
-                <a:tab pos="8686800" algn="l"/>
-              </a:tabLst>
-            </a:pPr>
-            <a:endParaRPr lang="de-DE" sz="2800" dirty="0"/>
+              <a:t>soll</a:t>
+            </a:r>
           </a:p>
           <a:p>
             <a:pPr marL="457200" indent="-457200">
@@ -14366,20 +14340,15 @@
                 <a:tab pos="8686800" algn="l"/>
               </a:tabLst>
             </a:pPr>
-            <a:r>
-              <a:rPr lang="de-DE" sz="2800" dirty="0" smtClean="0"/>
-              <a:t>Jedes </a:t>
-            </a:r>
-            <a:r>
-              <a:rPr lang="de-DE" sz="2800" dirty="0"/>
-              <a:t>Auto soll dasselbe Tankvolumen haben, das</a:t>
-            </a:r>
-          </a:p>
-          <a:p>
-            <a:pPr marL="269875" indent="-269875">
+            <a:endParaRPr lang="de-DE" sz="2800" dirty="0"/>
+          </a:p>
+          <a:p>
+            <a:pPr marL="457200" indent="-457200">
               <a:spcAft>
                 <a:spcPct val="0"/>
               </a:spcAft>
+              <a:buFont typeface="Arial" panose="020B0604020202020204" pitchFamily="34" charset="0"/>
+              <a:buChar char="•"/>
               <a:tabLst>
                 <a:tab pos="723900" algn="l"/>
                 <a:tab pos="1447800" algn="l"/>
@@ -14397,11 +14366,26 @@
             </a:pPr>
             <a:r>
               <a:rPr lang="de-DE" sz="2800" dirty="0"/>
-              <a:t>Tankvolumen darf nicht mehr individuell verschieden</a:t>
-            </a:r>
-          </a:p>
-          <a:p>
-            <a:pPr marL="269875" indent="-269875">
+              <a:t>Es dürfen niemals zwei Autos dieselbe Fahrgestellnummer </a:t>
+            </a:r>
+            <a:r>
+              <a:rPr lang="de-DE" sz="2800" dirty="0" smtClean="0"/>
+              <a:t>bekommen. Stellen Sie dies sicher, indem Sie sich die zuletzt vergebene Fahrgestellnummer als statisches Attribut der Klasse </a:t>
+            </a:r>
+            <a:r>
+              <a:rPr lang="de-DE" sz="2800" dirty="0" smtClean="0">
+                <a:latin typeface="Courier New" pitchFamily="49" charset="0"/>
+                <a:cs typeface="Courier New" pitchFamily="49" charset="0"/>
+              </a:rPr>
+              <a:t>Auto</a:t>
+            </a:r>
+            <a:r>
+              <a:rPr lang="de-DE" sz="2800" dirty="0" smtClean="0"/>
+              <a:t> merken.</a:t>
+            </a:r>
+          </a:p>
+          <a:p>
+            <a:pPr marL="0" indent="0">
               <a:spcAft>
                 <a:spcPct val="0"/>
               </a:spcAft>
@@ -14420,60 +14404,7 @@
                 <a:tab pos="8686800" algn="l"/>
               </a:tabLst>
             </a:pPr>
-            <a:r>
-              <a:rPr lang="de-DE" sz="2800" dirty="0"/>
-              <a:t>sein.</a:t>
-            </a:r>
-          </a:p>
-          <a:p>
-            <a:pPr marL="269875" indent="-269875">
-              <a:spcAft>
-                <a:spcPct val="0"/>
-              </a:spcAft>
-              <a:buSzPct val="45000"/>
-              <a:buFont typeface="Wingdings" charset="2"/>
-              <a:buNone/>
-              <a:tabLst>
-                <a:tab pos="723900" algn="l"/>
-                <a:tab pos="1447800" algn="l"/>
-                <a:tab pos="2171700" algn="l"/>
-                <a:tab pos="2895600" algn="l"/>
-                <a:tab pos="3619500" algn="l"/>
-                <a:tab pos="4343400" algn="l"/>
-                <a:tab pos="5067300" algn="l"/>
-                <a:tab pos="5791200" algn="l"/>
-                <a:tab pos="6515100" algn="l"/>
-                <a:tab pos="7239000" algn="l"/>
-                <a:tab pos="7962900" algn="l"/>
-                <a:tab pos="8686800" algn="l"/>
-              </a:tabLst>
-            </a:pPr>
-            <a:endParaRPr lang="de-DE" dirty="0"/>
-          </a:p>
-          <a:p>
-            <a:pPr marL="269875" indent="-269875">
-              <a:spcAft>
-                <a:spcPct val="0"/>
-              </a:spcAft>
-              <a:buSzPct val="45000"/>
-              <a:buFont typeface="Wingdings" charset="2"/>
-              <a:buNone/>
-              <a:tabLst>
-                <a:tab pos="723900" algn="l"/>
-                <a:tab pos="1447800" algn="l"/>
-                <a:tab pos="2171700" algn="l"/>
-                <a:tab pos="2895600" algn="l"/>
-                <a:tab pos="3619500" algn="l"/>
-                <a:tab pos="4343400" algn="l"/>
-                <a:tab pos="5067300" algn="l"/>
-                <a:tab pos="5791200" algn="l"/>
-                <a:tab pos="6515100" algn="l"/>
-                <a:tab pos="7239000" algn="l"/>
-                <a:tab pos="7962900" algn="l"/>
-                <a:tab pos="8686800" algn="l"/>
-              </a:tabLst>
-            </a:pPr>
-            <a:endParaRPr lang="de-DE" dirty="0"/>
+            <a:endParaRPr lang="de-DE" sz="2800" dirty="0"/>
           </a:p>
         </p:txBody>
       </p:sp>

--- a/folien/Semester_03_Termin_08_Kapitel07.pptx
+++ b/folien/Semester_03_Termin_08_Kapitel07.pptx
@@ -204,7 +204,7 @@
   </p:defaultTextStyle>
   <p:extLst>
     <p:ext uri="{EFAFB233-063F-42B5-8137-9DF3F51BA10A}">
-      <p15:sldGuideLst xmlns:p15="http://schemas.microsoft.com/office/powerpoint/2012/main" xmlns="">
+      <p15:sldGuideLst xmlns:p15="http://schemas.microsoft.com/office/powerpoint/2012/main">
         <p15:guide id="1" orient="horz" pos="2160">
           <p15:clr>
             <a:srgbClr val="A4A3A4"/>
@@ -218,7 +218,7 @@
       </p15:sldGuideLst>
     </p:ext>
     <p:ext uri="{2D200454-40CA-4A62-9FC3-DE9A4176ACB9}">
-      <p15:notesGuideLst xmlns:p15="http://schemas.microsoft.com/office/powerpoint/2012/main" xmlns="">
+      <p15:notesGuideLst xmlns:p15="http://schemas.microsoft.com/office/powerpoint/2012/main">
         <p15:guide id="1" orient="horz" pos="2880">
           <p15:clr>
             <a:srgbClr val="A4A3A4"/>
@@ -324,7 +324,7 @@
           <a:lstStyle/>
           <a:p>
             <a:pPr lvl="0"/>
-            <a:endParaRPr lang="de-DE" smtClean="0"/>
+            <a:endParaRPr lang="de-DE"/>
           </a:p>
         </p:txBody>
       </p:sp>
@@ -4085,10 +4085,9 @@
           <a:lstStyle/>
           <a:p>
             <a:r>
-              <a:rPr lang="de-DE" smtClean="0"/>
+              <a:rPr lang="de-DE"/>
               <a:t>Titelmasterformat durch Klicken bearbeiten</a:t>
             </a:r>
-            <a:endParaRPr lang="de-DE"/>
           </a:p>
         </p:txBody>
       </p:sp>
@@ -4150,10 +4149,9 @@
           </a:lstStyle>
           <a:p>
             <a:r>
-              <a:rPr lang="de-DE" smtClean="0"/>
+              <a:rPr lang="de-DE"/>
               <a:t>Formatvorlage des Untertitelmasters durch Klicken bearbeiten</a:t>
             </a:r>
-            <a:endParaRPr lang="de-DE"/>
           </a:p>
         </p:txBody>
       </p:sp>
@@ -4272,10 +4270,9 @@
           <a:lstStyle/>
           <a:p>
             <a:r>
-              <a:rPr lang="de-DE" smtClean="0"/>
+              <a:rPr lang="de-DE"/>
               <a:t>Titelmasterformat durch Klicken bearbeiten</a:t>
             </a:r>
-            <a:endParaRPr lang="de-DE"/>
           </a:p>
         </p:txBody>
       </p:sp>
@@ -4296,38 +4293,37 @@
           <a:p>
             <a:pPr lvl="0"/>
             <a:r>
-              <a:rPr lang="de-DE" smtClean="0"/>
+              <a:rPr lang="de-DE"/>
               <a:t>Textmasterformate durch Klicken bearbeiten</a:t>
             </a:r>
           </a:p>
           <a:p>
             <a:pPr lvl="1"/>
             <a:r>
-              <a:rPr lang="de-DE" smtClean="0"/>
+              <a:rPr lang="de-DE"/>
               <a:t>Zweite Ebene</a:t>
             </a:r>
           </a:p>
           <a:p>
             <a:pPr lvl="2"/>
             <a:r>
-              <a:rPr lang="de-DE" smtClean="0"/>
+              <a:rPr lang="de-DE"/>
               <a:t>Dritte Ebene</a:t>
             </a:r>
           </a:p>
           <a:p>
             <a:pPr lvl="3"/>
             <a:r>
-              <a:rPr lang="de-DE" smtClean="0"/>
+              <a:rPr lang="de-DE"/>
               <a:t>Vierte Ebene</a:t>
             </a:r>
           </a:p>
           <a:p>
             <a:pPr lvl="4"/>
             <a:r>
-              <a:rPr lang="de-DE" smtClean="0"/>
+              <a:rPr lang="de-DE"/>
               <a:t>Fünfte Ebene</a:t>
             </a:r>
-            <a:endParaRPr lang="de-DE"/>
           </a:p>
         </p:txBody>
       </p:sp>
@@ -4451,10 +4447,9 @@
           <a:lstStyle/>
           <a:p>
             <a:r>
-              <a:rPr lang="de-DE" smtClean="0"/>
+              <a:rPr lang="de-DE"/>
               <a:t>Titelmasterformat durch Klicken bearbeiten</a:t>
             </a:r>
-            <a:endParaRPr lang="de-DE"/>
           </a:p>
         </p:txBody>
       </p:sp>
@@ -4480,38 +4475,37 @@
           <a:p>
             <a:pPr lvl="0"/>
             <a:r>
-              <a:rPr lang="de-DE" smtClean="0"/>
+              <a:rPr lang="de-DE"/>
               <a:t>Textmasterformate durch Klicken bearbeiten</a:t>
             </a:r>
           </a:p>
           <a:p>
             <a:pPr lvl="1"/>
             <a:r>
-              <a:rPr lang="de-DE" smtClean="0"/>
+              <a:rPr lang="de-DE"/>
               <a:t>Zweite Ebene</a:t>
             </a:r>
           </a:p>
           <a:p>
             <a:pPr lvl="2"/>
             <a:r>
-              <a:rPr lang="de-DE" smtClean="0"/>
+              <a:rPr lang="de-DE"/>
               <a:t>Dritte Ebene</a:t>
             </a:r>
           </a:p>
           <a:p>
             <a:pPr lvl="3"/>
             <a:r>
-              <a:rPr lang="de-DE" smtClean="0"/>
+              <a:rPr lang="de-DE"/>
               <a:t>Vierte Ebene</a:t>
             </a:r>
           </a:p>
           <a:p>
             <a:pPr lvl="4"/>
             <a:r>
-              <a:rPr lang="de-DE" smtClean="0"/>
+              <a:rPr lang="de-DE"/>
               <a:t>Fünfte Ebene</a:t>
             </a:r>
-            <a:endParaRPr lang="de-DE"/>
           </a:p>
         </p:txBody>
       </p:sp>
@@ -4635,10 +4629,9 @@
           <a:lstStyle/>
           <a:p>
             <a:r>
-              <a:rPr lang="de-DE" smtClean="0"/>
+              <a:rPr lang="de-DE"/>
               <a:t>Titelmasterformat durch Klicken bearbeiten</a:t>
             </a:r>
-            <a:endParaRPr lang="de-DE"/>
           </a:p>
         </p:txBody>
       </p:sp>
@@ -4772,10 +4765,9 @@
           <a:lstStyle/>
           <a:p>
             <a:r>
-              <a:rPr lang="de-DE" smtClean="0"/>
+              <a:rPr lang="de-DE"/>
               <a:t>Titelmasterformat durch Klicken bearbeiten</a:t>
             </a:r>
-            <a:endParaRPr lang="de-DE"/>
           </a:p>
         </p:txBody>
       </p:sp>
@@ -4796,38 +4788,37 @@
           <a:p>
             <a:pPr lvl="0"/>
             <a:r>
-              <a:rPr lang="de-DE" smtClean="0"/>
+              <a:rPr lang="de-DE"/>
               <a:t>Textmasterformate durch Klicken bearbeiten</a:t>
             </a:r>
           </a:p>
           <a:p>
             <a:pPr lvl="1"/>
             <a:r>
-              <a:rPr lang="de-DE" smtClean="0"/>
+              <a:rPr lang="de-DE"/>
               <a:t>Zweite Ebene</a:t>
             </a:r>
           </a:p>
           <a:p>
             <a:pPr lvl="2"/>
             <a:r>
-              <a:rPr lang="de-DE" smtClean="0"/>
+              <a:rPr lang="de-DE"/>
               <a:t>Dritte Ebene</a:t>
             </a:r>
           </a:p>
           <a:p>
             <a:pPr lvl="3"/>
             <a:r>
-              <a:rPr lang="de-DE" smtClean="0"/>
+              <a:rPr lang="de-DE"/>
               <a:t>Vierte Ebene</a:t>
             </a:r>
           </a:p>
           <a:p>
             <a:pPr lvl="4"/>
             <a:r>
-              <a:rPr lang="de-DE" smtClean="0"/>
+              <a:rPr lang="de-DE"/>
               <a:t>Fünfte Ebene</a:t>
             </a:r>
-            <a:endParaRPr lang="de-DE"/>
           </a:p>
         </p:txBody>
       </p:sp>
@@ -4955,10 +4946,9 @@
           </a:lstStyle>
           <a:p>
             <a:r>
-              <a:rPr lang="de-DE" smtClean="0"/>
+              <a:rPr lang="de-DE"/>
               <a:t>Titelmasterformat durch Klicken bearbeiten</a:t>
             </a:r>
-            <a:endParaRPr lang="de-DE"/>
           </a:p>
         </p:txBody>
       </p:sp>
@@ -5021,7 +5011,7 @@
           <a:p>
             <a:pPr lvl="0"/>
             <a:r>
-              <a:rPr lang="de-DE" smtClean="0"/>
+              <a:rPr lang="de-DE"/>
               <a:t>Textmasterformate durch Klicken bearbeiten</a:t>
             </a:r>
           </a:p>
@@ -5142,10 +5132,9 @@
           <a:lstStyle/>
           <a:p>
             <a:r>
-              <a:rPr lang="de-DE" smtClean="0"/>
+              <a:rPr lang="de-DE"/>
               <a:t>Titelmasterformat durch Klicken bearbeiten</a:t>
             </a:r>
-            <a:endParaRPr lang="de-DE"/>
           </a:p>
         </p:txBody>
       </p:sp>
@@ -5199,38 +5188,37 @@
           <a:p>
             <a:pPr lvl="0"/>
             <a:r>
-              <a:rPr lang="de-DE" smtClean="0"/>
+              <a:rPr lang="de-DE"/>
               <a:t>Textmasterformate durch Klicken bearbeiten</a:t>
             </a:r>
           </a:p>
           <a:p>
             <a:pPr lvl="1"/>
             <a:r>
-              <a:rPr lang="de-DE" smtClean="0"/>
+              <a:rPr lang="de-DE"/>
               <a:t>Zweite Ebene</a:t>
             </a:r>
           </a:p>
           <a:p>
             <a:pPr lvl="2"/>
             <a:r>
-              <a:rPr lang="de-DE" smtClean="0"/>
+              <a:rPr lang="de-DE"/>
               <a:t>Dritte Ebene</a:t>
             </a:r>
           </a:p>
           <a:p>
             <a:pPr lvl="3"/>
             <a:r>
-              <a:rPr lang="de-DE" smtClean="0"/>
+              <a:rPr lang="de-DE"/>
               <a:t>Vierte Ebene</a:t>
             </a:r>
           </a:p>
           <a:p>
             <a:pPr lvl="4"/>
             <a:r>
-              <a:rPr lang="de-DE" smtClean="0"/>
+              <a:rPr lang="de-DE"/>
               <a:t>Fünfte Ebene</a:t>
             </a:r>
-            <a:endParaRPr lang="de-DE"/>
           </a:p>
         </p:txBody>
       </p:sp>
@@ -5284,38 +5272,37 @@
           <a:p>
             <a:pPr lvl="0"/>
             <a:r>
-              <a:rPr lang="de-DE" smtClean="0"/>
+              <a:rPr lang="de-DE"/>
               <a:t>Textmasterformate durch Klicken bearbeiten</a:t>
             </a:r>
           </a:p>
           <a:p>
             <a:pPr lvl="1"/>
             <a:r>
-              <a:rPr lang="de-DE" smtClean="0"/>
+              <a:rPr lang="de-DE"/>
               <a:t>Zweite Ebene</a:t>
             </a:r>
           </a:p>
           <a:p>
             <a:pPr lvl="2"/>
             <a:r>
-              <a:rPr lang="de-DE" smtClean="0"/>
+              <a:rPr lang="de-DE"/>
               <a:t>Dritte Ebene</a:t>
             </a:r>
           </a:p>
           <a:p>
             <a:pPr lvl="3"/>
             <a:r>
-              <a:rPr lang="de-DE" smtClean="0"/>
+              <a:rPr lang="de-DE"/>
               <a:t>Vierte Ebene</a:t>
             </a:r>
           </a:p>
           <a:p>
             <a:pPr lvl="4"/>
             <a:r>
-              <a:rPr lang="de-DE" smtClean="0"/>
+              <a:rPr lang="de-DE"/>
               <a:t>Fünfte Ebene</a:t>
             </a:r>
-            <a:endParaRPr lang="de-DE"/>
           </a:p>
         </p:txBody>
       </p:sp>
@@ -5443,10 +5430,9 @@
           </a:lstStyle>
           <a:p>
             <a:r>
-              <a:rPr lang="de-DE" smtClean="0"/>
+              <a:rPr lang="de-DE"/>
               <a:t>Titelmasterformat durch Klicken bearbeiten</a:t>
             </a:r>
-            <a:endParaRPr lang="de-DE"/>
           </a:p>
         </p:txBody>
       </p:sp>
@@ -5509,7 +5495,7 @@
           <a:p>
             <a:pPr lvl="0"/>
             <a:r>
-              <a:rPr lang="de-DE" smtClean="0"/>
+              <a:rPr lang="de-DE"/>
               <a:t>Textmasterformate durch Klicken bearbeiten</a:t>
             </a:r>
           </a:p>
@@ -5565,38 +5551,37 @@
           <a:p>
             <a:pPr lvl="0"/>
             <a:r>
-              <a:rPr lang="de-DE" smtClean="0"/>
+              <a:rPr lang="de-DE"/>
               <a:t>Textmasterformate durch Klicken bearbeiten</a:t>
             </a:r>
           </a:p>
           <a:p>
             <a:pPr lvl="1"/>
             <a:r>
-              <a:rPr lang="de-DE" smtClean="0"/>
+              <a:rPr lang="de-DE"/>
               <a:t>Zweite Ebene</a:t>
             </a:r>
           </a:p>
           <a:p>
             <a:pPr lvl="2"/>
             <a:r>
-              <a:rPr lang="de-DE" smtClean="0"/>
+              <a:rPr lang="de-DE"/>
               <a:t>Dritte Ebene</a:t>
             </a:r>
           </a:p>
           <a:p>
             <a:pPr lvl="3"/>
             <a:r>
-              <a:rPr lang="de-DE" smtClean="0"/>
+              <a:rPr lang="de-DE"/>
               <a:t>Vierte Ebene</a:t>
             </a:r>
           </a:p>
           <a:p>
             <a:pPr lvl="4"/>
             <a:r>
-              <a:rPr lang="de-DE" smtClean="0"/>
+              <a:rPr lang="de-DE"/>
               <a:t>Fünfte Ebene</a:t>
             </a:r>
-            <a:endParaRPr lang="de-DE"/>
           </a:p>
         </p:txBody>
       </p:sp>
@@ -5659,7 +5644,7 @@
           <a:p>
             <a:pPr lvl="0"/>
             <a:r>
-              <a:rPr lang="de-DE" smtClean="0"/>
+              <a:rPr lang="de-DE"/>
               <a:t>Textmasterformate durch Klicken bearbeiten</a:t>
             </a:r>
           </a:p>
@@ -5715,38 +5700,37 @@
           <a:p>
             <a:pPr lvl="0"/>
             <a:r>
-              <a:rPr lang="de-DE" smtClean="0"/>
+              <a:rPr lang="de-DE"/>
               <a:t>Textmasterformate durch Klicken bearbeiten</a:t>
             </a:r>
           </a:p>
           <a:p>
             <a:pPr lvl="1"/>
             <a:r>
-              <a:rPr lang="de-DE" smtClean="0"/>
+              <a:rPr lang="de-DE"/>
               <a:t>Zweite Ebene</a:t>
             </a:r>
           </a:p>
           <a:p>
             <a:pPr lvl="2"/>
             <a:r>
-              <a:rPr lang="de-DE" smtClean="0"/>
+              <a:rPr lang="de-DE"/>
               <a:t>Dritte Ebene</a:t>
             </a:r>
           </a:p>
           <a:p>
             <a:pPr lvl="3"/>
             <a:r>
-              <a:rPr lang="de-DE" smtClean="0"/>
+              <a:rPr lang="de-DE"/>
               <a:t>Vierte Ebene</a:t>
             </a:r>
           </a:p>
           <a:p>
             <a:pPr lvl="4"/>
             <a:r>
-              <a:rPr lang="de-DE" smtClean="0"/>
+              <a:rPr lang="de-DE"/>
               <a:t>Fünfte Ebene</a:t>
             </a:r>
-            <a:endParaRPr lang="de-DE"/>
           </a:p>
         </p:txBody>
       </p:sp>
@@ -5865,10 +5849,9 @@
           <a:lstStyle/>
           <a:p>
             <a:r>
-              <a:rPr lang="de-DE" smtClean="0"/>
+              <a:rPr lang="de-DE"/>
               <a:t>Titelmasterformat durch Klicken bearbeiten</a:t>
             </a:r>
-            <a:endParaRPr lang="de-DE"/>
           </a:p>
         </p:txBody>
       </p:sp>
@@ -6095,10 +6078,9 @@
           </a:lstStyle>
           <a:p>
             <a:r>
-              <a:rPr lang="de-DE" smtClean="0"/>
+              <a:rPr lang="de-DE"/>
               <a:t>Titelmasterformat durch Klicken bearbeiten</a:t>
             </a:r>
-            <a:endParaRPr lang="de-DE"/>
           </a:p>
         </p:txBody>
       </p:sp>
@@ -6152,38 +6134,37 @@
           <a:p>
             <a:pPr lvl="0"/>
             <a:r>
-              <a:rPr lang="de-DE" smtClean="0"/>
+              <a:rPr lang="de-DE"/>
               <a:t>Textmasterformate durch Klicken bearbeiten</a:t>
             </a:r>
           </a:p>
           <a:p>
             <a:pPr lvl="1"/>
             <a:r>
-              <a:rPr lang="de-DE" smtClean="0"/>
+              <a:rPr lang="de-DE"/>
               <a:t>Zweite Ebene</a:t>
             </a:r>
           </a:p>
           <a:p>
             <a:pPr lvl="2"/>
             <a:r>
-              <a:rPr lang="de-DE" smtClean="0"/>
+              <a:rPr lang="de-DE"/>
               <a:t>Dritte Ebene</a:t>
             </a:r>
           </a:p>
           <a:p>
             <a:pPr lvl="3"/>
             <a:r>
-              <a:rPr lang="de-DE" smtClean="0"/>
+              <a:rPr lang="de-DE"/>
               <a:t>Vierte Ebene</a:t>
             </a:r>
           </a:p>
           <a:p>
             <a:pPr lvl="4"/>
             <a:r>
-              <a:rPr lang="de-DE" smtClean="0"/>
+              <a:rPr lang="de-DE"/>
               <a:t>Fünfte Ebene</a:t>
             </a:r>
-            <a:endParaRPr lang="de-DE"/>
           </a:p>
         </p:txBody>
       </p:sp>
@@ -6246,7 +6227,7 @@
           <a:p>
             <a:pPr lvl="0"/>
             <a:r>
-              <a:rPr lang="de-DE" smtClean="0"/>
+              <a:rPr lang="de-DE"/>
               <a:t>Textmasterformate durch Klicken bearbeiten</a:t>
             </a:r>
           </a:p>
@@ -6376,10 +6357,9 @@
           </a:lstStyle>
           <a:p>
             <a:r>
-              <a:rPr lang="de-DE" smtClean="0"/>
+              <a:rPr lang="de-DE"/>
               <a:t>Titelmasterformat durch Klicken bearbeiten</a:t>
             </a:r>
-            <a:endParaRPr lang="de-DE"/>
           </a:p>
         </p:txBody>
       </p:sp>
@@ -6503,7 +6483,7 @@
           <a:p>
             <a:pPr lvl="0"/>
             <a:r>
-              <a:rPr lang="de-DE" smtClean="0"/>
+              <a:rPr lang="de-DE"/>
               <a:t>Textmasterformate durch Klicken bearbeiten</a:t>
             </a:r>
           </a:p>
@@ -6653,7 +6633,7 @@
           <a:p>
             <a:pPr lvl="0"/>
             <a:r>
-              <a:rPr lang="en-GB" smtClean="0"/>
+              <a:rPr lang="en-GB"/>
               <a:t>Klicken Sie, um das Format des Titeltextes zu bearbeiten</a:t>
             </a:r>
           </a:p>
@@ -6696,63 +6676,63 @@
           <a:p>
             <a:pPr lvl="0"/>
             <a:r>
-              <a:rPr lang="en-GB" smtClean="0"/>
+              <a:rPr lang="en-GB"/>
               <a:t>Klicken Sie, um die Formate des Gliederungstextes zu bearbeiten</a:t>
             </a:r>
           </a:p>
           <a:p>
             <a:pPr lvl="1"/>
             <a:r>
-              <a:rPr lang="en-GB" smtClean="0"/>
+              <a:rPr lang="en-GB"/>
               <a:t>Zweite Gliederungsebene</a:t>
             </a:r>
           </a:p>
           <a:p>
             <a:pPr lvl="2"/>
             <a:r>
-              <a:rPr lang="en-GB" smtClean="0"/>
+              <a:rPr lang="en-GB"/>
               <a:t>Dritte Gliederungsebene</a:t>
             </a:r>
           </a:p>
           <a:p>
             <a:pPr lvl="3"/>
             <a:r>
-              <a:rPr lang="en-GB" smtClean="0"/>
+              <a:rPr lang="en-GB"/>
               <a:t>Vierte Gliederungsebene</a:t>
             </a:r>
           </a:p>
           <a:p>
             <a:pPr lvl="4"/>
             <a:r>
-              <a:rPr lang="en-GB" smtClean="0"/>
+              <a:rPr lang="en-GB"/>
               <a:t>Fünfte Gliederungsebene</a:t>
             </a:r>
           </a:p>
           <a:p>
             <a:pPr lvl="4"/>
             <a:r>
-              <a:rPr lang="en-GB" smtClean="0"/>
+              <a:rPr lang="en-GB"/>
               <a:t>Sechste Gliederungsebene</a:t>
             </a:r>
           </a:p>
           <a:p>
             <a:pPr lvl="4"/>
             <a:r>
-              <a:rPr lang="en-GB" smtClean="0"/>
+              <a:rPr lang="en-GB"/>
               <a:t>Siebente Gliederungsebene</a:t>
             </a:r>
           </a:p>
           <a:p>
             <a:pPr lvl="4"/>
             <a:r>
-              <a:rPr lang="en-GB" smtClean="0"/>
+              <a:rPr lang="en-GB"/>
               <a:t>Achte Gliederungsebene</a:t>
             </a:r>
           </a:p>
           <a:p>
             <a:pPr lvl="4"/>
             <a:r>
-              <a:rPr lang="en-GB" smtClean="0"/>
+              <a:rPr lang="en-GB"/>
               <a:t>Neunte Gliederungsebene</a:t>
             </a:r>
           </a:p>
@@ -8355,28 +8335,14 @@
               <a:rPr lang="de-DE" sz="2800"/>
               <a:t>andere Klassen nicht mehr direkt verändert werden.</a:t>
             </a:r>
-            <a:r>
-              <a:rPr lang="de-DE" sz="2200">
-                <a:latin typeface="Courier New" pitchFamily="49" charset="0"/>
-              </a:rPr>
-              <a:t/>
-            </a:r>
             <a:br>
               <a:rPr lang="de-DE" sz="2200">
                 <a:latin typeface="Courier New" pitchFamily="49" charset="0"/>
               </a:rPr>
             </a:br>
-            <a:r>
-              <a:rPr lang="de-DE" sz="2800"/>
-              <a:t/>
-            </a:r>
             <a:br>
               <a:rPr lang="de-DE" sz="2800"/>
             </a:br>
-            <a:r>
-              <a:rPr lang="de-DE" sz="2800"/>
-              <a:t/>
-            </a:r>
             <a:br>
               <a:rPr lang="de-DE" sz="2800"/>
             </a:br>
@@ -9684,21 +9650,8 @@
                   <a:srgbClr val="FFFFFF"/>
                 </a:solidFill>
               </a:rPr>
-              <a:t>Übung - </a:t>
-            </a:r>
-            <a:r>
-              <a:rPr lang="de-DE" sz="4000" dirty="0" smtClean="0">
-                <a:solidFill>
-                  <a:srgbClr val="FFFFFF"/>
-                </a:solidFill>
-              </a:rPr>
-              <a:t>private</a:t>
-            </a:r>
-            <a:endParaRPr lang="de-DE" sz="4000" dirty="0">
-              <a:solidFill>
-                <a:srgbClr val="FFFFFF"/>
-              </a:solidFill>
-            </a:endParaRPr>
+              <a:t>Übung - private</a:t>
+            </a:r>
           </a:p>
         </p:txBody>
       </p:sp>
@@ -9760,21 +9713,17 @@
             </a:r>
             <a:r>
               <a:rPr lang="de-DE" sz="2800" dirty="0"/>
-              <a:t> aus der vorangegangenen Veranstaltung derart, dass </a:t>
-            </a:r>
-            <a:r>
-              <a:rPr lang="de-DE" sz="2800" dirty="0" smtClean="0"/>
-              <a:t>Sie alle internen Details des Autos als </a:t>
-            </a:r>
-            <a:r>
-              <a:rPr lang="de-DE" sz="2800" dirty="0" smtClean="0">
+              <a:t> aus der vorangegangenen Veranstaltung derart, dass Sie alle internen Details des Autos als </a:t>
+            </a:r>
+            <a:r>
+              <a:rPr lang="de-DE" sz="2800" dirty="0">
                 <a:latin typeface="Courier New" panose="02070309020205020404" pitchFamily="49" charset="0"/>
                 <a:cs typeface="Courier New" panose="02070309020205020404" pitchFamily="49" charset="0"/>
               </a:rPr>
               <a:t>private</a:t>
             </a:r>
             <a:r>
-              <a:rPr lang="de-DE" sz="2800" dirty="0" smtClean="0"/>
+              <a:rPr lang="de-DE" sz="2800" dirty="0"/>
               <a:t> deklarieren und nur noch über Hilfsmethoden verändern oder ausgeben lassen.</a:t>
             </a:r>
           </a:p>
@@ -9800,7 +9749,7 @@
                 <a:tab pos="8686800" algn="l"/>
               </a:tabLst>
             </a:pPr>
-            <a:endParaRPr lang="de-DE" sz="2800" dirty="0" smtClean="0"/>
+            <a:endParaRPr lang="de-DE" sz="2800" dirty="0"/>
           </a:p>
           <a:p>
             <a:pPr marL="457200" indent="-457200">
@@ -9825,7 +9774,7 @@
               </a:tabLst>
             </a:pPr>
             <a:r>
-              <a:rPr lang="de-DE" sz="2800" dirty="0" smtClean="0"/>
+              <a:rPr lang="de-DE" sz="2800" dirty="0"/>
               <a:t>Erstellen Sie wirklich nur Hilfsmethoden, wenn dies notwendig ist! Das Erstellen von Methoden „auf Verdacht“ oder „auf Vorrat“ ist schlechter Stil!</a:t>
             </a:r>
           </a:p>
@@ -10117,10 +10066,6 @@
             <a:br>
               <a:rPr lang="de-DE" sz="2800"/>
             </a:br>
-            <a:r>
-              <a:rPr lang="de-DE" sz="2800"/>
-              <a:t/>
-            </a:r>
             <a:br>
               <a:rPr lang="de-DE" sz="2800"/>
             </a:br>
@@ -10138,17 +10083,9 @@
               </a:rPr>
               <a:t>einFinalesAttribut = neuerWert;</a:t>
             </a:r>
-            <a:r>
-              <a:rPr lang="de-DE" sz="2800"/>
-              <a:t/>
-            </a:r>
             <a:br>
               <a:rPr lang="de-DE" sz="2800"/>
             </a:br>
-            <a:r>
-              <a:rPr lang="de-DE" sz="2800"/>
-              <a:t/>
-            </a:r>
             <a:br>
               <a:rPr lang="de-DE" sz="2800"/>
             </a:br>
@@ -10165,10 +10102,6 @@
                 <a:latin typeface="Courier New" pitchFamily="49" charset="0"/>
               </a:rPr>
               <a:t>einFinalesAttribut.veraendereDich();</a:t>
-            </a:r>
-            <a:r>
-              <a:rPr lang="de-DE" sz="2800"/>
-              <a:t/>
             </a:r>
             <a:br>
               <a:rPr lang="de-DE" sz="2800"/>
@@ -11318,11 +11251,7 @@
             </a:r>
             <a:r>
               <a:rPr lang="de-DE" sz="2800" dirty="0"/>
-              <a:t> aus der vorangegangenen Veranstaltung derart, dass sich der Verbrauch eines Autos nach der Erzeugung eines Objektes nicht mehr verändern kann</a:t>
-            </a:r>
-            <a:r>
-              <a:rPr lang="de-DE" sz="2800" dirty="0" smtClean="0"/>
-              <a:t>.</a:t>
+              <a:t> aus der vorangegangenen Veranstaltung derart, dass sich der Verbrauch eines Autos nach der Erzeugung eines Objektes nicht mehr verändern kann.</a:t>
             </a:r>
           </a:p>
         </p:txBody>
@@ -11771,10 +11700,6 @@
                 <a:tab pos="8686800" algn="l"/>
               </a:tabLst>
             </a:pPr>
-            <a:r>
-              <a:rPr lang="de-DE" sz="2800"/>
-              <a:t/>
-            </a:r>
             <a:br>
               <a:rPr lang="de-DE" sz="2800"/>
             </a:br>
@@ -12643,18 +12568,13 @@
               </a:tabLst>
             </a:pPr>
             <a:r>
-              <a:rPr lang="de-DE" sz="4000" dirty="0" smtClean="0">
+              <a:rPr lang="de-DE" sz="4000" dirty="0">
                 <a:solidFill>
                   <a:srgbClr val="FFFFFF"/>
                 </a:solidFill>
               </a:rPr>
               <a:t>Versionskonflikte auflösen (1)</a:t>
             </a:r>
-            <a:endParaRPr lang="de-DE" sz="4000" dirty="0">
-              <a:solidFill>
-                <a:srgbClr val="FFFFFF"/>
-              </a:solidFill>
-            </a:endParaRPr>
           </a:p>
         </p:txBody>
       </p:sp>
@@ -12706,26 +12626,26 @@
               </a:tabLst>
             </a:pPr>
             <a:r>
-              <a:rPr lang="de-DE" sz="2800" dirty="0" smtClean="0"/>
+              <a:rPr lang="de-DE" sz="2800" dirty="0"/>
               <a:t>Wenn man alleine auf nur einem Rechner mit </a:t>
             </a:r>
             <a:r>
-              <a:rPr lang="de-DE" sz="2800" dirty="0" err="1" smtClean="0">
+              <a:rPr lang="de-DE" sz="2800" dirty="0" err="1">
                 <a:latin typeface="Courier New" panose="02070309020205020404" pitchFamily="49" charset="0"/>
                 <a:cs typeface="Courier New" panose="02070309020205020404" pitchFamily="49" charset="0"/>
               </a:rPr>
               <a:t>git</a:t>
             </a:r>
             <a:r>
-              <a:rPr lang="de-DE" sz="2800" dirty="0" smtClean="0"/>
+              <a:rPr lang="de-DE" sz="2800" dirty="0"/>
               <a:t> und </a:t>
             </a:r>
             <a:r>
-              <a:rPr lang="de-DE" sz="2800" dirty="0" err="1" smtClean="0"/>
+              <a:rPr lang="de-DE" sz="2800" dirty="0" err="1"/>
               <a:t>GitHub</a:t>
             </a:r>
             <a:r>
-              <a:rPr lang="de-DE" sz="2800" dirty="0" smtClean="0"/>
+              <a:rPr lang="de-DE" sz="2800" dirty="0"/>
               <a:t> arbeitet, funktioniert eigentlich alles reibungslos</a:t>
             </a:r>
           </a:p>
@@ -12753,7 +12673,7 @@
               </a:tabLst>
             </a:pPr>
             <a:r>
-              <a:rPr lang="de-DE" sz="2800" dirty="0" smtClean="0"/>
+              <a:rPr lang="de-DE" sz="2800" dirty="0"/>
               <a:t>Sobald man alleine an wechselnden Rechnern arbeitet, kann es vereinzelt zu Konflikten kommen, z.B.</a:t>
             </a:r>
           </a:p>
@@ -12781,18 +12701,18 @@
               </a:tabLst>
             </a:pPr>
             <a:r>
-              <a:rPr lang="de-DE" sz="2400" dirty="0" smtClean="0"/>
+              <a:rPr lang="de-DE" sz="2400" dirty="0"/>
               <a:t>wenn man vergisst, auf dem Zweitrechner zuerst </a:t>
             </a:r>
             <a:r>
-              <a:rPr lang="de-DE" sz="2400" dirty="0" smtClean="0">
+              <a:rPr lang="de-DE" sz="2400" dirty="0">
                 <a:latin typeface="Courier New" panose="02070309020205020404" pitchFamily="49" charset="0"/>
                 <a:cs typeface="Courier New" panose="02070309020205020404" pitchFamily="49" charset="0"/>
               </a:rPr>
               <a:t>pull</a:t>
             </a:r>
             <a:r>
-              <a:rPr lang="de-DE" sz="2400" dirty="0" smtClean="0"/>
+              <a:rPr lang="de-DE" sz="2400" dirty="0"/>
               <a:t> aufzurufen</a:t>
             </a:r>
           </a:p>
@@ -12820,26 +12740,26 @@
               </a:tabLst>
             </a:pPr>
             <a:r>
-              <a:rPr lang="de-DE" sz="2400" dirty="0" smtClean="0"/>
+              <a:rPr lang="de-DE" sz="2400" dirty="0"/>
               <a:t>wenn man vergessen hat, seinen Zwischenstand zu </a:t>
             </a:r>
             <a:r>
-              <a:rPr lang="de-DE" sz="2400" dirty="0" err="1" smtClean="0"/>
+              <a:rPr lang="de-DE" sz="2400" dirty="0" err="1"/>
               <a:t>GitHub</a:t>
             </a:r>
             <a:r>
-              <a:rPr lang="de-DE" sz="2400" dirty="0" smtClean="0"/>
+              <a:rPr lang="de-DE" sz="2400" dirty="0"/>
               <a:t> zu </a:t>
             </a:r>
             <a:r>
-              <a:rPr lang="de-DE" sz="2400" dirty="0" smtClean="0">
+              <a:rPr lang="de-DE" sz="2400" dirty="0">
                 <a:latin typeface="Courier New" panose="02070309020205020404" pitchFamily="49" charset="0"/>
                 <a:cs typeface="Courier New" panose="02070309020205020404" pitchFamily="49" charset="0"/>
               </a:rPr>
               <a:t>push</a:t>
             </a:r>
             <a:r>
-              <a:rPr lang="de-DE" sz="2400" dirty="0" smtClean="0"/>
+              <a:rPr lang="de-DE" sz="2400" dirty="0"/>
               <a:t>en</a:t>
             </a:r>
           </a:p>
@@ -12892,7 +12812,7 @@
               </a:tabLst>
             </a:pPr>
             <a:r>
-              <a:rPr lang="de-DE" sz="2800" dirty="0" smtClean="0"/>
+              <a:rPr lang="de-DE" sz="2800" dirty="0"/>
               <a:t>Häufiger werden Konflikte erst, wenn man mit mehreren Personen am selben Repository arbeitet, z.B.</a:t>
             </a:r>
           </a:p>
@@ -12920,40 +12840,40 @@
               </a:tabLst>
             </a:pPr>
             <a:r>
-              <a:rPr lang="de-DE" sz="2400" dirty="0" smtClean="0"/>
+              <a:rPr lang="de-DE" sz="2400" dirty="0"/>
               <a:t>bei vielen </a:t>
             </a:r>
             <a:r>
-              <a:rPr lang="de-DE" sz="2400" dirty="0" err="1" smtClean="0"/>
+              <a:rPr lang="de-DE" sz="2400" dirty="0" err="1"/>
               <a:t>Forks</a:t>
             </a:r>
             <a:r>
-              <a:rPr lang="de-DE" sz="2400" dirty="0" smtClean="0"/>
+              <a:rPr lang="de-DE" sz="2400" dirty="0"/>
               <a:t> und Pull </a:t>
             </a:r>
             <a:r>
-              <a:rPr lang="de-DE" sz="2400" dirty="0" err="1" smtClean="0"/>
+              <a:rPr lang="de-DE" sz="2400" dirty="0" err="1"/>
               <a:t>Requests</a:t>
             </a:r>
             <a:r>
-              <a:rPr lang="de-DE" sz="2400" dirty="0" smtClean="0"/>
+              <a:rPr lang="de-DE" sz="2400" dirty="0"/>
               <a:t>, wie bei </a:t>
             </a:r>
             <a:r>
-              <a:rPr lang="de-DE" sz="2400" dirty="0" smtClean="0">
+              <a:rPr lang="de-DE" sz="2400" dirty="0">
                 <a:latin typeface="Courier New" panose="02070309020205020404" pitchFamily="49" charset="0"/>
                 <a:cs typeface="Courier New" panose="02070309020205020404" pitchFamily="49" charset="0"/>
               </a:rPr>
               <a:t>/</a:t>
             </a:r>
             <a:r>
-              <a:rPr lang="de-DE" sz="2400" dirty="0" err="1" smtClean="0">
+              <a:rPr lang="de-DE" sz="2400" dirty="0" err="1">
                 <a:latin typeface="Courier New" panose="02070309020205020404" pitchFamily="49" charset="0"/>
                 <a:cs typeface="Courier New" panose="02070309020205020404" pitchFamily="49" charset="0"/>
               </a:rPr>
               <a:t>studenten</a:t>
             </a:r>
-            <a:endParaRPr lang="de-DE" sz="2400" dirty="0" smtClean="0">
+            <a:endParaRPr lang="de-DE" sz="2400" dirty="0">
               <a:latin typeface="Courier New" panose="02070309020205020404" pitchFamily="49" charset="0"/>
               <a:cs typeface="Courier New" panose="02070309020205020404" pitchFamily="49" charset="0"/>
             </a:endParaRPr>
@@ -12982,10 +12902,9 @@
               </a:tabLst>
             </a:pPr>
             <a:r>
-              <a:rPr lang="de-DE" sz="2400" dirty="0" smtClean="0"/>
+              <a:rPr lang="de-DE" sz="2400" dirty="0"/>
               <a:t>bei der Semesterarbeit, mit einem Repository pro Gruppe</a:t>
             </a:r>
-            <a:endParaRPr lang="de-DE" sz="2400" dirty="0"/>
           </a:p>
           <a:p>
             <a:pPr marL="269875" indent="-269875">
@@ -14311,11 +14230,7 @@
             </a:r>
             <a:r>
               <a:rPr lang="de-DE" sz="2800" dirty="0"/>
-              <a:t>) zugewiesen werden </a:t>
-            </a:r>
-            <a:r>
-              <a:rPr lang="de-DE" sz="2800" dirty="0" smtClean="0"/>
-              <a:t>soll</a:t>
+              <a:t>) zugewiesen werden soll</a:t>
             </a:r>
           </a:p>
           <a:p>
@@ -14366,21 +14281,17 @@
             </a:pPr>
             <a:r>
               <a:rPr lang="de-DE" sz="2800" dirty="0"/>
-              <a:t>Es dürfen niemals zwei Autos dieselbe Fahrgestellnummer </a:t>
-            </a:r>
-            <a:r>
-              <a:rPr lang="de-DE" sz="2800" dirty="0" smtClean="0"/>
-              <a:t>bekommen. Stellen Sie dies sicher, indem Sie sich die zuletzt vergebene Fahrgestellnummer als statisches Attribut der Klasse </a:t>
-            </a:r>
-            <a:r>
-              <a:rPr lang="de-DE" sz="2800" dirty="0" smtClean="0">
+              <a:t>Es dürfen niemals zwei Autos dieselbe Fahrgestellnummer bekommen. Stellen Sie dies sicher, indem Sie sich die zuletzt vergebene Fahrgestellnummer als statisches Attribut der Klasse </a:t>
+            </a:r>
+            <a:r>
+              <a:rPr lang="de-DE" sz="2800" dirty="0">
                 <a:latin typeface="Courier New" pitchFamily="49" charset="0"/>
                 <a:cs typeface="Courier New" pitchFamily="49" charset="0"/>
               </a:rPr>
               <a:t>Auto</a:t>
             </a:r>
             <a:r>
-              <a:rPr lang="de-DE" sz="2800" dirty="0" smtClean="0"/>
+              <a:rPr lang="de-DE" sz="2800" dirty="0"/>
               <a:t> merken.</a:t>
             </a:r>
           </a:p>
@@ -14744,10 +14655,6 @@
             <a:br>
               <a:rPr lang="de-DE" sz="2800"/>
             </a:br>
-            <a:r>
-              <a:rPr lang="de-DE" sz="2800"/>
-              <a:t/>
-            </a:r>
             <a:br>
               <a:rPr lang="de-DE" sz="2800"/>
             </a:br>
@@ -15059,10 +14966,6 @@
             <a:br>
               <a:rPr lang="de-DE" sz="2400"/>
             </a:br>
-            <a:r>
-              <a:rPr lang="de-DE" sz="2400"/>
-              <a:t/>
-            </a:r>
             <a:br>
               <a:rPr lang="de-DE" sz="2400"/>
             </a:br>
@@ -16214,18 +16117,13 @@
               </a:tabLst>
             </a:pPr>
             <a:r>
-              <a:rPr lang="de-DE" sz="4000" dirty="0" smtClean="0">
+              <a:rPr lang="de-DE" sz="4000" dirty="0">
                 <a:solidFill>
                   <a:srgbClr val="FFFFFF"/>
                 </a:solidFill>
               </a:rPr>
               <a:t>Versionskonflikte auflösen (2)</a:t>
             </a:r>
-            <a:endParaRPr lang="de-DE" sz="4000" dirty="0">
-              <a:solidFill>
-                <a:srgbClr val="FFFFFF"/>
-              </a:solidFill>
-            </a:endParaRPr>
           </a:p>
         </p:txBody>
       </p:sp>
@@ -16277,31 +16175,15 @@
               </a:tabLst>
             </a:pPr>
             <a:r>
-              <a:rPr lang="de-DE" sz="2800" dirty="0" err="1" smtClean="0">
+              <a:rPr lang="de-DE" sz="2800" dirty="0" err="1">
                 <a:latin typeface="Courier New" panose="02070309020205020404" pitchFamily="49" charset="0"/>
                 <a:cs typeface="Courier New" panose="02070309020205020404" pitchFamily="49" charset="0"/>
               </a:rPr>
               <a:t>git</a:t>
             </a:r>
             <a:r>
-              <a:rPr lang="de-DE" sz="2800" dirty="0" smtClean="0"/>
-              <a:t> ist gut darin, </a:t>
-            </a:r>
-            <a:r>
-              <a:rPr lang="de-DE" sz="2800" dirty="0" smtClean="0"/>
-              <a:t>Unterschiede </a:t>
-            </a:r>
-            <a:r>
-              <a:rPr lang="de-DE" sz="2800" dirty="0" smtClean="0"/>
-              <a:t>selbst </a:t>
-            </a:r>
-            <a:r>
-              <a:rPr lang="de-DE" sz="2800" dirty="0" smtClean="0"/>
-              <a:t>zusammenzuführen, </a:t>
-            </a:r>
-            <a:r>
-              <a:rPr lang="de-DE" sz="2800" dirty="0" smtClean="0"/>
-              <a:t>sofern diese überschneidungsfrei sind, z.B.</a:t>
+              <a:rPr lang="de-DE" sz="2800" dirty="0"/>
+              <a:t> ist gut darin, Unterschiede selbst zusammenzuführen, sofern diese überschneidungsfrei sind, z.B.</a:t>
             </a:r>
           </a:p>
           <a:p>
@@ -16328,7 +16210,7 @@
               </a:tabLst>
             </a:pPr>
             <a:r>
-              <a:rPr lang="de-DE" sz="2400" dirty="0" smtClean="0"/>
+              <a:rPr lang="de-DE" sz="2400" dirty="0"/>
               <a:t>weil unterschiedliche Dateien bearbeitet wurden, oder</a:t>
             </a:r>
           </a:p>
@@ -16356,7 +16238,7 @@
               </a:tabLst>
             </a:pPr>
             <a:r>
-              <a:rPr lang="de-DE" sz="2400" dirty="0" smtClean="0"/>
+              <a:rPr lang="de-DE" sz="2400" dirty="0"/>
               <a:t>weil eine Datei an unterschiedlichen Stellen bearbeitet wurde</a:t>
             </a:r>
           </a:p>
@@ -16664,18 +16546,13 @@
               </a:tabLst>
             </a:pPr>
             <a:r>
-              <a:rPr lang="de-DE" sz="4000" dirty="0" smtClean="0">
+              <a:rPr lang="de-DE" sz="4000" dirty="0">
                 <a:solidFill>
                   <a:srgbClr val="FFFFFF"/>
                 </a:solidFill>
               </a:rPr>
               <a:t>Versionskonflikte auflösen (3)</a:t>
             </a:r>
-            <a:endParaRPr lang="de-DE" sz="4000" dirty="0">
-              <a:solidFill>
-                <a:srgbClr val="FFFFFF"/>
-              </a:solidFill>
-            </a:endParaRPr>
           </a:p>
         </p:txBody>
       </p:sp>
@@ -16727,15 +16604,15 @@
               </a:tabLst>
             </a:pPr>
             <a:r>
-              <a:rPr lang="de-DE" sz="2800" dirty="0" smtClean="0"/>
+              <a:rPr lang="de-DE" sz="2800" dirty="0"/>
               <a:t>Wenn automatisches Zusammenführen („</a:t>
             </a:r>
             <a:r>
-              <a:rPr lang="de-DE" sz="2800" dirty="0" err="1" smtClean="0"/>
+              <a:rPr lang="de-DE" sz="2800" dirty="0" err="1"/>
               <a:t>merge</a:t>
             </a:r>
             <a:r>
-              <a:rPr lang="de-DE" sz="2800" dirty="0" smtClean="0"/>
+              <a:rPr lang="de-DE" sz="2800" dirty="0"/>
               <a:t>“) nicht funktioniert, muss der Anwender eingreifen, und sich</a:t>
             </a:r>
           </a:p>
@@ -16763,7 +16640,7 @@
               </a:tabLst>
             </a:pPr>
             <a:r>
-              <a:rPr lang="de-DE" sz="2400" dirty="0" smtClean="0"/>
+              <a:rPr lang="de-DE" sz="2400" dirty="0"/>
               <a:t>für eine der beiden Versionen entscheiden</a:t>
             </a:r>
           </a:p>
@@ -16791,7 +16668,7 @@
               </a:tabLst>
             </a:pPr>
             <a:r>
-              <a:rPr lang="de-DE" sz="2400" dirty="0" smtClean="0"/>
+              <a:rPr lang="de-DE" sz="2400" dirty="0"/>
               <a:t>oder manuell die endgültige Version aus beiden Konfliktversionen ableiten</a:t>
             </a:r>
             <a:endParaRPr lang="de-DE" dirty="0"/>
@@ -16922,7 +16799,7 @@
 </file>
 
 <file path=ppt/slides/slide5.xml><?xml version="1.0" encoding="utf-8"?>
-<p:sld xmlns:a="http://schemas.openxmlformats.org/drawingml/2006/main" xmlns:r="http://schemas.openxmlformats.org/officeDocument/2006/relationships" xmlns:p="http://schemas.openxmlformats.org/presentationml/2006/main">
+<p:sld xmlns:a="http://schemas.openxmlformats.org/drawingml/2006/main" xmlns:r="http://schemas.openxmlformats.org/officeDocument/2006/relationships" xmlns:p="http://schemas.openxmlformats.org/presentationml/2006/main" show="0">
   <p:cSld>
     <p:spTree>
       <p:nvGrpSpPr>
@@ -17061,18 +16938,13 @@
               </a:tabLst>
             </a:pPr>
             <a:r>
-              <a:rPr lang="de-DE" sz="4000" dirty="0" smtClean="0">
+              <a:rPr lang="de-DE" sz="4000" dirty="0">
                 <a:solidFill>
                   <a:srgbClr val="FFFFFF"/>
                 </a:solidFill>
               </a:rPr>
               <a:t>Simulierter Beispiel-Konflikt</a:t>
             </a:r>
-            <a:endParaRPr lang="de-DE" sz="4000" dirty="0">
-              <a:solidFill>
-                <a:srgbClr val="FFFFFF"/>
-              </a:solidFill>
-            </a:endParaRPr>
           </a:p>
         </p:txBody>
       </p:sp>
@@ -17123,15 +16995,15 @@
           <a:lstStyle/>
           <a:p>
             <a:r>
-              <a:rPr lang="de-DE" dirty="0" err="1" smtClean="0"/>
+              <a:rPr lang="de-DE" dirty="0" err="1"/>
               <a:t>origin</a:t>
             </a:r>
             <a:r>
-              <a:rPr lang="de-DE" dirty="0" smtClean="0"/>
+              <a:rPr lang="de-DE" dirty="0"/>
               <a:t>/</a:t>
             </a:r>
             <a:r>
-              <a:rPr lang="de-DE" dirty="0" err="1" smtClean="0"/>
+              <a:rPr lang="de-DE" dirty="0" err="1"/>
               <a:t>master</a:t>
             </a:r>
             <a:r>
@@ -17146,16 +17018,10 @@
               <a:rPr lang="de-DE" sz="1200" dirty="0">
                 <a:hlinkClick r:id="rId4"/>
               </a:rPr>
-              <a:t>https://</a:t>
-            </a:r>
-            <a:r>
-              <a:rPr lang="de-DE" sz="1200" dirty="0" smtClean="0">
-                <a:hlinkClick r:id="rId4"/>
-              </a:rPr>
-              <a:t>github.com/nordakademie-einfuehrung-java/studenten/blob/master/zenturien/i99a/bkimminich.yml</a:t>
-            </a:r>
-            <a:r>
-              <a:rPr lang="de-DE" sz="1200" dirty="0" smtClean="0"/>
+              <a:t>https://github.com/nordakademie-einfuehrung-java/studenten/blob/master/zenturien/i99a/bkimminich.yml</a:t>
+            </a:r>
+            <a:r>
+              <a:rPr lang="de-DE" sz="1200" dirty="0"/>
               <a:t>)</a:t>
             </a:r>
             <a:endParaRPr lang="en-US" dirty="0"/>
